--- a/CGM/CGM_Group_20240329.pptx
+++ b/CGM/CGM_Group_20240329.pptx
@@ -2,15 +2,24 @@
 <file path=ppt/presentation.xml><?xml version="1.0" encoding="utf-8"?>
 <p:presentation xmlns:a="http://schemas.openxmlformats.org/drawingml/2006/main" xmlns:r="http://schemas.openxmlformats.org/officeDocument/2006/relationships" xmlns:p="http://schemas.openxmlformats.org/presentationml/2006/main" saveSubsetFonts="1">
   <p:sldMasterIdLst>
-    <p:sldMasterId id="2147483648" r:id="rId1"/>
+    <p:sldMasterId id="2147483672" r:id="rId1"/>
   </p:sldMasterIdLst>
   <p:sldIdLst>
     <p:sldId id="256" r:id="rId2"/>
     <p:sldId id="257" r:id="rId3"/>
-    <p:sldId id="258" r:id="rId4"/>
-    <p:sldId id="259" r:id="rId5"/>
-    <p:sldId id="260" r:id="rId6"/>
-    <p:sldId id="261" r:id="rId7"/>
+    <p:sldId id="274" r:id="rId4"/>
+    <p:sldId id="263" r:id="rId5"/>
+    <p:sldId id="267" r:id="rId6"/>
+    <p:sldId id="264" r:id="rId7"/>
+    <p:sldId id="259" r:id="rId8"/>
+    <p:sldId id="266" r:id="rId9"/>
+    <p:sldId id="268" r:id="rId10"/>
+    <p:sldId id="269" r:id="rId11"/>
+    <p:sldId id="262" r:id="rId12"/>
+    <p:sldId id="265" r:id="rId13"/>
+    <p:sldId id="270" r:id="rId14"/>
+    <p:sldId id="272" r:id="rId15"/>
+    <p:sldId id="273" r:id="rId16"/>
   </p:sldIdLst>
   <p:sldSz cx="12192000" cy="6858000"/>
   <p:notesSz cx="6858000" cy="9144000"/>
@@ -18,7 +27,7 @@
     <a:defPPr>
       <a:defRPr lang="en-US"/>
     </a:defPPr>
-    <a:lvl1pPr marL="0" algn="l" defTabSz="914400" rtl="0" eaLnBrk="1" latinLnBrk="0" hangingPunct="1">
+    <a:lvl1pPr marL="0" algn="l" defTabSz="457200" rtl="0" eaLnBrk="1" latinLnBrk="0" hangingPunct="1">
       <a:defRPr sz="1800" kern="1200">
         <a:solidFill>
           <a:schemeClr val="tx1"/>
@@ -28,7 +37,7 @@
         <a:cs typeface="+mn-cs"/>
       </a:defRPr>
     </a:lvl1pPr>
-    <a:lvl2pPr marL="457200" algn="l" defTabSz="914400" rtl="0" eaLnBrk="1" latinLnBrk="0" hangingPunct="1">
+    <a:lvl2pPr marL="457200" algn="l" defTabSz="457200" rtl="0" eaLnBrk="1" latinLnBrk="0" hangingPunct="1">
       <a:defRPr sz="1800" kern="1200">
         <a:solidFill>
           <a:schemeClr val="tx1"/>
@@ -38,7 +47,7 @@
         <a:cs typeface="+mn-cs"/>
       </a:defRPr>
     </a:lvl2pPr>
-    <a:lvl3pPr marL="914400" algn="l" defTabSz="914400" rtl="0" eaLnBrk="1" latinLnBrk="0" hangingPunct="1">
+    <a:lvl3pPr marL="914400" algn="l" defTabSz="457200" rtl="0" eaLnBrk="1" latinLnBrk="0" hangingPunct="1">
       <a:defRPr sz="1800" kern="1200">
         <a:solidFill>
           <a:schemeClr val="tx1"/>
@@ -48,7 +57,7 @@
         <a:cs typeface="+mn-cs"/>
       </a:defRPr>
     </a:lvl3pPr>
-    <a:lvl4pPr marL="1371600" algn="l" defTabSz="914400" rtl="0" eaLnBrk="1" latinLnBrk="0" hangingPunct="1">
+    <a:lvl4pPr marL="1371600" algn="l" defTabSz="457200" rtl="0" eaLnBrk="1" latinLnBrk="0" hangingPunct="1">
       <a:defRPr sz="1800" kern="1200">
         <a:solidFill>
           <a:schemeClr val="tx1"/>
@@ -58,7 +67,7 @@
         <a:cs typeface="+mn-cs"/>
       </a:defRPr>
     </a:lvl4pPr>
-    <a:lvl5pPr marL="1828800" algn="l" defTabSz="914400" rtl="0" eaLnBrk="1" latinLnBrk="0" hangingPunct="1">
+    <a:lvl5pPr marL="1828800" algn="l" defTabSz="457200" rtl="0" eaLnBrk="1" latinLnBrk="0" hangingPunct="1">
       <a:defRPr sz="1800" kern="1200">
         <a:solidFill>
           <a:schemeClr val="tx1"/>
@@ -68,7 +77,7 @@
         <a:cs typeface="+mn-cs"/>
       </a:defRPr>
     </a:lvl5pPr>
-    <a:lvl6pPr marL="2286000" algn="l" defTabSz="914400" rtl="0" eaLnBrk="1" latinLnBrk="0" hangingPunct="1">
+    <a:lvl6pPr marL="2286000" algn="l" defTabSz="457200" rtl="0" eaLnBrk="1" latinLnBrk="0" hangingPunct="1">
       <a:defRPr sz="1800" kern="1200">
         <a:solidFill>
           <a:schemeClr val="tx1"/>
@@ -78,7 +87,7 @@
         <a:cs typeface="+mn-cs"/>
       </a:defRPr>
     </a:lvl6pPr>
-    <a:lvl7pPr marL="2743200" algn="l" defTabSz="914400" rtl="0" eaLnBrk="1" latinLnBrk="0" hangingPunct="1">
+    <a:lvl7pPr marL="2743200" algn="l" defTabSz="457200" rtl="0" eaLnBrk="1" latinLnBrk="0" hangingPunct="1">
       <a:defRPr sz="1800" kern="1200">
         <a:solidFill>
           <a:schemeClr val="tx1"/>
@@ -88,7 +97,7 @@
         <a:cs typeface="+mn-cs"/>
       </a:defRPr>
     </a:lvl7pPr>
-    <a:lvl8pPr marL="3200400" algn="l" defTabSz="914400" rtl="0" eaLnBrk="1" latinLnBrk="0" hangingPunct="1">
+    <a:lvl8pPr marL="3200400" algn="l" defTabSz="457200" rtl="0" eaLnBrk="1" latinLnBrk="0" hangingPunct="1">
       <a:defRPr sz="1800" kern="1200">
         <a:solidFill>
           <a:schemeClr val="tx1"/>
@@ -98,7 +107,7 @@
         <a:cs typeface="+mn-cs"/>
       </a:defRPr>
     </a:lvl8pPr>
-    <a:lvl9pPr marL="3657600" algn="l" defTabSz="914400" rtl="0" eaLnBrk="1" latinLnBrk="0" hangingPunct="1">
+    <a:lvl9pPr marL="3657600" algn="l" defTabSz="457200" rtl="0" eaLnBrk="1" latinLnBrk="0" hangingPunct="1">
       <a:defRPr sz="1800" kern="1200">
         <a:solidFill>
           <a:schemeClr val="tx1"/>
@@ -109,12 +118,22 @@
       </a:defRPr>
     </a:lvl9pPr>
   </p:defaultTextStyle>
+  <p:extLst>
+    <p:ext uri="{EFAFB233-063F-42B5-8137-9DF3F51BA10A}">
+      <p15:sldGuideLst xmlns:p15="http://schemas.microsoft.com/office/powerpoint/2012/main"/>
+    </p:ext>
+  </p:extLst>
 </p:presentation>
 </file>
 
 <file path=ppt/slideLayouts/slideLayout1.xml><?xml version="1.0" encoding="utf-8"?>
-<p:sldLayout xmlns:a="http://schemas.openxmlformats.org/drawingml/2006/main" xmlns:r="http://schemas.openxmlformats.org/officeDocument/2006/relationships" xmlns:p="http://schemas.openxmlformats.org/presentationml/2006/main" type="title" preserve="1">
+<p:sldLayout xmlns:a="http://schemas.openxmlformats.org/drawingml/2006/main" xmlns:r="http://schemas.openxmlformats.org/officeDocument/2006/relationships" xmlns:p="http://schemas.openxmlformats.org/presentationml/2006/main" showMasterSp="0" type="title" preserve="1">
   <p:cSld name="Title Slide">
+    <p:bg>
+      <p:bgRef idx="1001">
+        <a:schemeClr val="bg2"/>
+      </p:bgRef>
+    </p:bg>
     <p:spTree>
       <p:nvGrpSpPr>
         <p:cNvPr id="1" name=""/>
@@ -131,13 +150,7 @@
       </p:grpSpPr>
       <p:sp>
         <p:nvSpPr>
-          <p:cNvPr id="2" name="Title 1">
-            <a:extLst>
-              <a:ext uri="{FF2B5EF4-FFF2-40B4-BE49-F238E27FC236}">
-                <a16:creationId xmlns:a16="http://schemas.microsoft.com/office/drawing/2014/main" id="{A1C4843C-E55A-5A36-D782-A1A8D5CE178C}"/>
-              </a:ext>
-            </a:extLst>
-          </p:cNvPr>
+          <p:cNvPr id="2" name="Title 1"/>
           <p:cNvSpPr>
             <a:spLocks noGrp="1"/>
           </p:cNvSpPr>
@@ -147,15 +160,24 @@
         </p:nvSpPr>
         <p:spPr>
           <a:xfrm>
-            <a:off x="1524000" y="1122363"/>
-            <a:ext cx="9144000" cy="2387600"/>
+            <a:off x="1261872" y="758952"/>
+            <a:ext cx="9418320" cy="4041648"/>
           </a:xfrm>
         </p:spPr>
         <p:txBody>
-          <a:bodyPr anchor="b"/>
+          <a:bodyPr anchor="b">
+            <a:normAutofit/>
+          </a:bodyPr>
           <a:lstStyle>
-            <a:lvl1pPr algn="ctr">
-              <a:defRPr sz="6000"/>
+            <a:lvl1pPr algn="l">
+              <a:lnSpc>
+                <a:spcPct val="85000"/>
+              </a:lnSpc>
+              <a:defRPr sz="7200" b="0" baseline="0">
+                <a:solidFill>
+                  <a:schemeClr val="tx1"/>
+                </a:solidFill>
+              </a:defRPr>
             </a:lvl1pPr>
           </a:lstStyle>
           <a:p>
@@ -163,18 +185,13 @@
               <a:rPr lang="en-US"/>
               <a:t>Click to edit Master title style</a:t>
             </a:r>
-          </a:p>
-        </p:txBody>
-      </p:sp>
-      <p:sp>
-        <p:nvSpPr>
-          <p:cNvPr id="3" name="Subtitle 2">
-            <a:extLst>
-              <a:ext uri="{FF2B5EF4-FFF2-40B4-BE49-F238E27FC236}">
-                <a16:creationId xmlns:a16="http://schemas.microsoft.com/office/drawing/2014/main" id="{F752EAC9-03ED-297A-B438-6F3B599FC6F3}"/>
-              </a:ext>
-            </a:extLst>
-          </p:cNvPr>
+            <a:endParaRPr lang="en-US" dirty="0"/>
+          </a:p>
+        </p:txBody>
+      </p:sp>
+      <p:sp>
+        <p:nvSpPr>
+          <p:cNvPr id="3" name="Subtitle 2"/>
           <p:cNvSpPr>
             <a:spLocks noGrp="1"/>
           </p:cNvSpPr>
@@ -184,48 +201,56 @@
         </p:nvSpPr>
         <p:spPr>
           <a:xfrm>
-            <a:off x="1524000" y="3602038"/>
-            <a:ext cx="9144000" cy="1655762"/>
+            <a:off x="1261872" y="4800600"/>
+            <a:ext cx="9418320" cy="1691640"/>
           </a:xfrm>
         </p:spPr>
         <p:txBody>
-          <a:bodyPr/>
+          <a:bodyPr>
+            <a:normAutofit/>
+          </a:bodyPr>
           <a:lstStyle>
-            <a:lvl1pPr marL="0" indent="0" algn="ctr">
-              <a:buNone/>
-              <a:defRPr sz="2400"/>
+            <a:lvl1pPr marL="0" indent="0" algn="l">
+              <a:buNone/>
+              <a:defRPr sz="2200" spc="30" baseline="0">
+                <a:solidFill>
+                  <a:schemeClr val="tx1">
+                    <a:lumMod val="75000"/>
+                  </a:schemeClr>
+                </a:solidFill>
+              </a:defRPr>
             </a:lvl1pPr>
             <a:lvl2pPr marL="457200" indent="0" algn="ctr">
               <a:buNone/>
-              <a:defRPr sz="2000"/>
+              <a:defRPr sz="2200"/>
             </a:lvl2pPr>
             <a:lvl3pPr marL="914400" indent="0" algn="ctr">
               <a:buNone/>
-              <a:defRPr sz="1800"/>
+              <a:defRPr sz="2200"/>
             </a:lvl3pPr>
             <a:lvl4pPr marL="1371600" indent="0" algn="ctr">
               <a:buNone/>
-              <a:defRPr sz="1600"/>
+              <a:defRPr sz="2000"/>
             </a:lvl4pPr>
             <a:lvl5pPr marL="1828800" indent="0" algn="ctr">
               <a:buNone/>
-              <a:defRPr sz="1600"/>
+              <a:defRPr sz="2000"/>
             </a:lvl5pPr>
             <a:lvl6pPr marL="2286000" indent="0" algn="ctr">
               <a:buNone/>
-              <a:defRPr sz="1600"/>
+              <a:defRPr sz="2000"/>
             </a:lvl6pPr>
             <a:lvl7pPr marL="2743200" indent="0" algn="ctr">
               <a:buNone/>
-              <a:defRPr sz="1600"/>
+              <a:defRPr sz="2000"/>
             </a:lvl7pPr>
             <a:lvl8pPr marL="3200400" indent="0" algn="ctr">
               <a:buNone/>
-              <a:defRPr sz="1600"/>
+              <a:defRPr sz="2000"/>
             </a:lvl8pPr>
             <a:lvl9pPr marL="3657600" indent="0" algn="ctr">
               <a:buNone/>
-              <a:defRPr sz="1600"/>
+              <a:defRPr sz="2000"/>
             </a:lvl9pPr>
           </a:lstStyle>
           <a:p>
@@ -233,18 +258,51 @@
               <a:rPr lang="en-US"/>
               <a:t>Click to edit Master subtitle style</a:t>
             </a:r>
-          </a:p>
-        </p:txBody>
-      </p:sp>
-      <p:sp>
-        <p:nvSpPr>
-          <p:cNvPr id="4" name="Date Placeholder 3">
-            <a:extLst>
-              <a:ext uri="{FF2B5EF4-FFF2-40B4-BE49-F238E27FC236}">
-                <a16:creationId xmlns:a16="http://schemas.microsoft.com/office/drawing/2014/main" id="{0F3789CF-648E-F77D-265F-CB2746E8458A}"/>
-              </a:ext>
-            </a:extLst>
-          </p:cNvPr>
+            <a:endParaRPr lang="en-US" dirty="0"/>
+          </a:p>
+        </p:txBody>
+      </p:sp>
+      <p:sp>
+        <p:nvSpPr>
+          <p:cNvPr id="7" name="Rectangle 6"/>
+          <p:cNvSpPr/>
+          <p:nvPr/>
+        </p:nvSpPr>
+        <p:spPr>
+          <a:xfrm>
+            <a:off x="0" y="0"/>
+            <a:ext cx="457200" cy="6858000"/>
+          </a:xfrm>
+          <a:prstGeom prst="rect">
+            <a:avLst/>
+          </a:prstGeom>
+          <a:solidFill>
+            <a:schemeClr val="accent1"/>
+          </a:solidFill>
+          <a:ln>
+            <a:noFill/>
+          </a:ln>
+        </p:spPr>
+        <p:style>
+          <a:lnRef idx="2">
+            <a:schemeClr val="accent1">
+              <a:shade val="50000"/>
+            </a:schemeClr>
+          </a:lnRef>
+          <a:fillRef idx="1">
+            <a:schemeClr val="accent1"/>
+          </a:fillRef>
+          <a:effectRef idx="0">
+            <a:schemeClr val="accent1"/>
+          </a:effectRef>
+          <a:fontRef idx="minor">
+            <a:schemeClr val="lt1"/>
+          </a:fontRef>
+        </p:style>
+      </p:sp>
+      <p:sp>
+        <p:nvSpPr>
+          <p:cNvPr id="8" name="Date Placeholder 7"/>
           <p:cNvSpPr>
             <a:spLocks noGrp="1"/>
           </p:cNvSpPr>
@@ -259,7 +317,7 @@
           <a:p>
             <a:fld id="{764675DE-062B-4BC9-A068-27E8DFC528FB}" type="datetimeFigureOut">
               <a:rPr lang="en-US" smtClean="0"/>
-              <a:t>3/28/2024</a:t>
+              <a:t>3/29/2024</a:t>
             </a:fld>
             <a:endParaRPr lang="en-US"/>
           </a:p>
@@ -267,13 +325,7 @@
       </p:sp>
       <p:sp>
         <p:nvSpPr>
-          <p:cNvPr id="5" name="Footer Placeholder 4">
-            <a:extLst>
-              <a:ext uri="{FF2B5EF4-FFF2-40B4-BE49-F238E27FC236}">
-                <a16:creationId xmlns:a16="http://schemas.microsoft.com/office/drawing/2014/main" id="{B9D88C4B-9050-7992-A1F2-072F467AC7C7}"/>
-              </a:ext>
-            </a:extLst>
-          </p:cNvPr>
+          <p:cNvPr id="9" name="Footer Placeholder 8"/>
           <p:cNvSpPr>
             <a:spLocks noGrp="1"/>
           </p:cNvSpPr>
@@ -292,13 +344,7 @@
       </p:sp>
       <p:sp>
         <p:nvSpPr>
-          <p:cNvPr id="6" name="Slide Number Placeholder 5">
-            <a:extLst>
-              <a:ext uri="{FF2B5EF4-FFF2-40B4-BE49-F238E27FC236}">
-                <a16:creationId xmlns:a16="http://schemas.microsoft.com/office/drawing/2014/main" id="{5538F491-71E4-BC3D-9A92-6C7A21BF6210}"/>
-              </a:ext>
-            </a:extLst>
-          </p:cNvPr>
+          <p:cNvPr id="10" name="Slide Number Placeholder 9"/>
           <p:cNvSpPr>
             <a:spLocks noGrp="1"/>
           </p:cNvSpPr>
@@ -319,15 +365,55 @@
           </a:p>
         </p:txBody>
       </p:sp>
+      <p:sp>
+        <p:nvSpPr>
+          <p:cNvPr id="11" name="Rectangle 10"/>
+          <p:cNvSpPr/>
+          <p:nvPr/>
+        </p:nvSpPr>
+        <p:spPr>
+          <a:xfrm>
+            <a:off x="11292840" y="0"/>
+            <a:ext cx="914400" cy="6858000"/>
+          </a:xfrm>
+          <a:prstGeom prst="rect">
+            <a:avLst/>
+          </a:prstGeom>
+          <a:solidFill>
+            <a:schemeClr val="bg2">
+              <a:lumMod val="75000"/>
+            </a:schemeClr>
+          </a:solidFill>
+          <a:ln>
+            <a:noFill/>
+          </a:ln>
+        </p:spPr>
+        <p:style>
+          <a:lnRef idx="2">
+            <a:schemeClr val="accent1">
+              <a:shade val="50000"/>
+            </a:schemeClr>
+          </a:lnRef>
+          <a:fillRef idx="1">
+            <a:schemeClr val="accent1"/>
+          </a:fillRef>
+          <a:effectRef idx="0">
+            <a:schemeClr val="accent1"/>
+          </a:effectRef>
+          <a:fontRef idx="minor">
+            <a:schemeClr val="lt1"/>
+          </a:fontRef>
+        </p:style>
+      </p:sp>
     </p:spTree>
     <p:extLst>
       <p:ext uri="{BB962C8B-B14F-4D97-AF65-F5344CB8AC3E}">
-        <p14:creationId xmlns:p14="http://schemas.microsoft.com/office/powerpoint/2010/main" val="1608105049"/>
+        <p14:creationId xmlns:p14="http://schemas.microsoft.com/office/powerpoint/2010/main" val="3797238510"/>
       </p:ext>
     </p:extLst>
   </p:cSld>
   <p:clrMapOvr>
-    <a:masterClrMapping/>
+    <a:overrideClrMapping bg1="dk1" tx1="lt1" bg2="dk2" tx2="lt2" accent1="accent1" accent2="accent2" accent3="accent3" accent4="accent4" accent5="accent5" accent6="accent6" hlink="hlink" folHlink="folHlink"/>
   </p:clrMapOvr>
 </p:sldLayout>
 </file>
@@ -351,13 +437,7 @@
       </p:grpSpPr>
       <p:sp>
         <p:nvSpPr>
-          <p:cNvPr id="2" name="Title 1">
-            <a:extLst>
-              <a:ext uri="{FF2B5EF4-FFF2-40B4-BE49-F238E27FC236}">
-                <a16:creationId xmlns:a16="http://schemas.microsoft.com/office/drawing/2014/main" id="{DF180020-5A1C-AD62-0F37-AB48AB002DF9}"/>
-              </a:ext>
-            </a:extLst>
-          </p:cNvPr>
+          <p:cNvPr id="2" name="Title 1"/>
           <p:cNvSpPr>
             <a:spLocks noGrp="1"/>
           </p:cNvSpPr>
@@ -374,18 +454,13 @@
               <a:rPr lang="en-US"/>
               <a:t>Click to edit Master title style</a:t>
             </a:r>
-          </a:p>
-        </p:txBody>
-      </p:sp>
-      <p:sp>
-        <p:nvSpPr>
-          <p:cNvPr id="3" name="Vertical Text Placeholder 2">
-            <a:extLst>
-              <a:ext uri="{FF2B5EF4-FFF2-40B4-BE49-F238E27FC236}">
-                <a16:creationId xmlns:a16="http://schemas.microsoft.com/office/drawing/2014/main" id="{721C5A84-B3D7-4A07-A2EA-1EEDC10E600A}"/>
-              </a:ext>
-            </a:extLst>
-          </p:cNvPr>
+            <a:endParaRPr lang="en-US" dirty="0"/>
+          </a:p>
+        </p:txBody>
+      </p:sp>
+      <p:sp>
+        <p:nvSpPr>
+          <p:cNvPr id="3" name="Vertical Text Placeholder 2"/>
           <p:cNvSpPr>
             <a:spLocks noGrp="1"/>
           </p:cNvSpPr>
@@ -431,18 +506,13 @@
               <a:rPr lang="en-US"/>
               <a:t>Fifth level</a:t>
             </a:r>
-          </a:p>
-        </p:txBody>
-      </p:sp>
-      <p:sp>
-        <p:nvSpPr>
-          <p:cNvPr id="4" name="Date Placeholder 3">
-            <a:extLst>
-              <a:ext uri="{FF2B5EF4-FFF2-40B4-BE49-F238E27FC236}">
-                <a16:creationId xmlns:a16="http://schemas.microsoft.com/office/drawing/2014/main" id="{4CC49891-EE52-17BD-CAFF-9807A34CDAD7}"/>
-              </a:ext>
-            </a:extLst>
-          </p:cNvPr>
+            <a:endParaRPr lang="en-US" dirty="0"/>
+          </a:p>
+        </p:txBody>
+      </p:sp>
+      <p:sp>
+        <p:nvSpPr>
+          <p:cNvPr id="4" name="Date Placeholder 3"/>
           <p:cNvSpPr>
             <a:spLocks noGrp="1"/>
           </p:cNvSpPr>
@@ -457,7 +527,7 @@
           <a:p>
             <a:fld id="{764675DE-062B-4BC9-A068-27E8DFC528FB}" type="datetimeFigureOut">
               <a:rPr lang="en-US" smtClean="0"/>
-              <a:t>3/28/2024</a:t>
+              <a:t>3/29/2024</a:t>
             </a:fld>
             <a:endParaRPr lang="en-US"/>
           </a:p>
@@ -465,13 +535,7 @@
       </p:sp>
       <p:sp>
         <p:nvSpPr>
-          <p:cNvPr id="5" name="Footer Placeholder 4">
-            <a:extLst>
-              <a:ext uri="{FF2B5EF4-FFF2-40B4-BE49-F238E27FC236}">
-                <a16:creationId xmlns:a16="http://schemas.microsoft.com/office/drawing/2014/main" id="{B5D1EF99-4FC8-937C-779F-37475BAA066B}"/>
-              </a:ext>
-            </a:extLst>
-          </p:cNvPr>
+          <p:cNvPr id="5" name="Footer Placeholder 4"/>
           <p:cNvSpPr>
             <a:spLocks noGrp="1"/>
           </p:cNvSpPr>
@@ -490,13 +554,7 @@
       </p:sp>
       <p:sp>
         <p:nvSpPr>
-          <p:cNvPr id="6" name="Slide Number Placeholder 5">
-            <a:extLst>
-              <a:ext uri="{FF2B5EF4-FFF2-40B4-BE49-F238E27FC236}">
-                <a16:creationId xmlns:a16="http://schemas.microsoft.com/office/drawing/2014/main" id="{2935B7BD-B173-FFBE-A7E9-453A0A54837C}"/>
-              </a:ext>
-            </a:extLst>
-          </p:cNvPr>
+          <p:cNvPr id="6" name="Slide Number Placeholder 5"/>
           <p:cNvSpPr>
             <a:spLocks noGrp="1"/>
           </p:cNvSpPr>
@@ -520,7 +578,7 @@
     </p:spTree>
     <p:extLst>
       <p:ext uri="{BB962C8B-B14F-4D97-AF65-F5344CB8AC3E}">
-        <p14:creationId xmlns:p14="http://schemas.microsoft.com/office/powerpoint/2010/main" val="1736165447"/>
+        <p14:creationId xmlns:p14="http://schemas.microsoft.com/office/powerpoint/2010/main" val="4139512981"/>
       </p:ext>
     </p:extLst>
   </p:cSld>
@@ -549,13 +607,7 @@
       </p:grpSpPr>
       <p:sp>
         <p:nvSpPr>
-          <p:cNvPr id="2" name="Vertical Title 1">
-            <a:extLst>
-              <a:ext uri="{FF2B5EF4-FFF2-40B4-BE49-F238E27FC236}">
-                <a16:creationId xmlns:a16="http://schemas.microsoft.com/office/drawing/2014/main" id="{228E8138-1FB5-551F-D3ED-A5BE2E72114B}"/>
-              </a:ext>
-            </a:extLst>
-          </p:cNvPr>
+          <p:cNvPr id="2" name="Vertical Title 1"/>
           <p:cNvSpPr>
             <a:spLocks noGrp="1"/>
           </p:cNvSpPr>
@@ -565,8 +617,8 @@
         </p:nvSpPr>
         <p:spPr>
           <a:xfrm>
-            <a:off x="8724900" y="365125"/>
-            <a:ext cx="2628900" cy="5811838"/>
+            <a:off x="8648700" y="381000"/>
+            <a:ext cx="2476500" cy="5897562"/>
           </a:xfrm>
         </p:spPr>
         <p:txBody>
@@ -577,18 +629,13 @@
               <a:rPr lang="en-US"/>
               <a:t>Click to edit Master title style</a:t>
             </a:r>
-          </a:p>
-        </p:txBody>
-      </p:sp>
-      <p:sp>
-        <p:nvSpPr>
-          <p:cNvPr id="3" name="Vertical Text Placeholder 2">
-            <a:extLst>
-              <a:ext uri="{FF2B5EF4-FFF2-40B4-BE49-F238E27FC236}">
-                <a16:creationId xmlns:a16="http://schemas.microsoft.com/office/drawing/2014/main" id="{A46EF4FD-7C55-9D1E-70ED-4868DB4EDC04}"/>
-              </a:ext>
-            </a:extLst>
-          </p:cNvPr>
+            <a:endParaRPr lang="en-US" dirty="0"/>
+          </a:p>
+        </p:txBody>
+      </p:sp>
+      <p:sp>
+        <p:nvSpPr>
+          <p:cNvPr id="3" name="Vertical Text Placeholder 2"/>
           <p:cNvSpPr>
             <a:spLocks noGrp="1"/>
           </p:cNvSpPr>
@@ -598,8 +645,8 @@
         </p:nvSpPr>
         <p:spPr>
           <a:xfrm>
-            <a:off x="838200" y="365125"/>
-            <a:ext cx="7734300" cy="5811838"/>
+            <a:off x="762000" y="381000"/>
+            <a:ext cx="7734300" cy="5897562"/>
           </a:xfrm>
         </p:spPr>
         <p:txBody>
@@ -639,18 +686,13 @@
               <a:rPr lang="en-US"/>
               <a:t>Fifth level</a:t>
             </a:r>
-          </a:p>
-        </p:txBody>
-      </p:sp>
-      <p:sp>
-        <p:nvSpPr>
-          <p:cNvPr id="4" name="Date Placeholder 3">
-            <a:extLst>
-              <a:ext uri="{FF2B5EF4-FFF2-40B4-BE49-F238E27FC236}">
-                <a16:creationId xmlns:a16="http://schemas.microsoft.com/office/drawing/2014/main" id="{12B34004-9694-2BEB-71F8-0601AFA8AC6E}"/>
-              </a:ext>
-            </a:extLst>
-          </p:cNvPr>
+            <a:endParaRPr lang="en-US" dirty="0"/>
+          </a:p>
+        </p:txBody>
+      </p:sp>
+      <p:sp>
+        <p:nvSpPr>
+          <p:cNvPr id="4" name="Date Placeholder 3"/>
           <p:cNvSpPr>
             <a:spLocks noGrp="1"/>
           </p:cNvSpPr>
@@ -665,7 +707,7 @@
           <a:p>
             <a:fld id="{764675DE-062B-4BC9-A068-27E8DFC528FB}" type="datetimeFigureOut">
               <a:rPr lang="en-US" smtClean="0"/>
-              <a:t>3/28/2024</a:t>
+              <a:t>3/29/2024</a:t>
             </a:fld>
             <a:endParaRPr lang="en-US"/>
           </a:p>
@@ -673,13 +715,7 @@
       </p:sp>
       <p:sp>
         <p:nvSpPr>
-          <p:cNvPr id="5" name="Footer Placeholder 4">
-            <a:extLst>
-              <a:ext uri="{FF2B5EF4-FFF2-40B4-BE49-F238E27FC236}">
-                <a16:creationId xmlns:a16="http://schemas.microsoft.com/office/drawing/2014/main" id="{ED4D86D3-A8EC-77FA-99EA-81390F7DF2EB}"/>
-              </a:ext>
-            </a:extLst>
-          </p:cNvPr>
+          <p:cNvPr id="5" name="Footer Placeholder 4"/>
           <p:cNvSpPr>
             <a:spLocks noGrp="1"/>
           </p:cNvSpPr>
@@ -698,13 +734,7 @@
       </p:sp>
       <p:sp>
         <p:nvSpPr>
-          <p:cNvPr id="6" name="Slide Number Placeholder 5">
-            <a:extLst>
-              <a:ext uri="{FF2B5EF4-FFF2-40B4-BE49-F238E27FC236}">
-                <a16:creationId xmlns:a16="http://schemas.microsoft.com/office/drawing/2014/main" id="{BB036CD5-4564-23CF-AD2A-DFE9D68D0E5B}"/>
-              </a:ext>
-            </a:extLst>
-          </p:cNvPr>
+          <p:cNvPr id="6" name="Slide Number Placeholder 5"/>
           <p:cNvSpPr>
             <a:spLocks noGrp="1"/>
           </p:cNvSpPr>
@@ -728,7 +758,7 @@
     </p:spTree>
     <p:extLst>
       <p:ext uri="{BB962C8B-B14F-4D97-AF65-F5344CB8AC3E}">
-        <p14:creationId xmlns:p14="http://schemas.microsoft.com/office/powerpoint/2010/main" val="1587443878"/>
+        <p14:creationId xmlns:p14="http://schemas.microsoft.com/office/powerpoint/2010/main" val="2130758692"/>
       </p:ext>
     </p:extLst>
   </p:cSld>
@@ -757,13 +787,7 @@
       </p:grpSpPr>
       <p:sp>
         <p:nvSpPr>
-          <p:cNvPr id="2" name="Title 1">
-            <a:extLst>
-              <a:ext uri="{FF2B5EF4-FFF2-40B4-BE49-F238E27FC236}">
-                <a16:creationId xmlns:a16="http://schemas.microsoft.com/office/drawing/2014/main" id="{C403E993-C0F1-E918-0064-A93A0955D9FE}"/>
-              </a:ext>
-            </a:extLst>
-          </p:cNvPr>
+          <p:cNvPr id="2" name="Title 1"/>
           <p:cNvSpPr>
             <a:spLocks noGrp="1"/>
           </p:cNvSpPr>
@@ -780,18 +804,13 @@
               <a:rPr lang="en-US"/>
               <a:t>Click to edit Master title style</a:t>
             </a:r>
-          </a:p>
-        </p:txBody>
-      </p:sp>
-      <p:sp>
-        <p:nvSpPr>
-          <p:cNvPr id="3" name="Content Placeholder 2">
-            <a:extLst>
-              <a:ext uri="{FF2B5EF4-FFF2-40B4-BE49-F238E27FC236}">
-                <a16:creationId xmlns:a16="http://schemas.microsoft.com/office/drawing/2014/main" id="{09B35C56-6BEA-D376-B3D8-DBA2BB3F0A3A}"/>
-              </a:ext>
-            </a:extLst>
-          </p:cNvPr>
+            <a:endParaRPr lang="en-US" dirty="0"/>
+          </a:p>
+        </p:txBody>
+      </p:sp>
+      <p:sp>
+        <p:nvSpPr>
+          <p:cNvPr id="3" name="Content Placeholder 2"/>
           <p:cNvSpPr>
             <a:spLocks noGrp="1"/>
           </p:cNvSpPr>
@@ -837,18 +856,13 @@
               <a:rPr lang="en-US"/>
               <a:t>Fifth level</a:t>
             </a:r>
-          </a:p>
-        </p:txBody>
-      </p:sp>
-      <p:sp>
-        <p:nvSpPr>
-          <p:cNvPr id="4" name="Date Placeholder 3">
-            <a:extLst>
-              <a:ext uri="{FF2B5EF4-FFF2-40B4-BE49-F238E27FC236}">
-                <a16:creationId xmlns:a16="http://schemas.microsoft.com/office/drawing/2014/main" id="{4140E78E-5905-F669-3551-B465C57B7927}"/>
-              </a:ext>
-            </a:extLst>
-          </p:cNvPr>
+            <a:endParaRPr lang="en-US" dirty="0"/>
+          </a:p>
+        </p:txBody>
+      </p:sp>
+      <p:sp>
+        <p:nvSpPr>
+          <p:cNvPr id="4" name="Date Placeholder 3"/>
           <p:cNvSpPr>
             <a:spLocks noGrp="1"/>
           </p:cNvSpPr>
@@ -863,7 +877,7 @@
           <a:p>
             <a:fld id="{764675DE-062B-4BC9-A068-27E8DFC528FB}" type="datetimeFigureOut">
               <a:rPr lang="en-US" smtClean="0"/>
-              <a:t>3/28/2024</a:t>
+              <a:t>3/29/2024</a:t>
             </a:fld>
             <a:endParaRPr lang="en-US"/>
           </a:p>
@@ -871,13 +885,7 @@
       </p:sp>
       <p:sp>
         <p:nvSpPr>
-          <p:cNvPr id="5" name="Footer Placeholder 4">
-            <a:extLst>
-              <a:ext uri="{FF2B5EF4-FFF2-40B4-BE49-F238E27FC236}">
-                <a16:creationId xmlns:a16="http://schemas.microsoft.com/office/drawing/2014/main" id="{6B2918B0-E552-72BE-54AE-52F97EF67B60}"/>
-              </a:ext>
-            </a:extLst>
-          </p:cNvPr>
+          <p:cNvPr id="5" name="Footer Placeholder 4"/>
           <p:cNvSpPr>
             <a:spLocks noGrp="1"/>
           </p:cNvSpPr>
@@ -896,13 +904,7 @@
       </p:sp>
       <p:sp>
         <p:nvSpPr>
-          <p:cNvPr id="6" name="Slide Number Placeholder 5">
-            <a:extLst>
-              <a:ext uri="{FF2B5EF4-FFF2-40B4-BE49-F238E27FC236}">
-                <a16:creationId xmlns:a16="http://schemas.microsoft.com/office/drawing/2014/main" id="{76ECA877-FE97-59B2-B538-DAC1EAB61071}"/>
-              </a:ext>
-            </a:extLst>
-          </p:cNvPr>
+          <p:cNvPr id="6" name="Slide Number Placeholder 5"/>
           <p:cNvSpPr>
             <a:spLocks noGrp="1"/>
           </p:cNvSpPr>
@@ -926,7 +928,7 @@
     </p:spTree>
     <p:extLst>
       <p:ext uri="{BB962C8B-B14F-4D97-AF65-F5344CB8AC3E}">
-        <p14:creationId xmlns:p14="http://schemas.microsoft.com/office/powerpoint/2010/main" val="923760442"/>
+        <p14:creationId xmlns:p14="http://schemas.microsoft.com/office/powerpoint/2010/main" val="1119717451"/>
       </p:ext>
     </p:extLst>
   </p:cSld>
@@ -955,13 +957,7 @@
       </p:grpSpPr>
       <p:sp>
         <p:nvSpPr>
-          <p:cNvPr id="2" name="Title 1">
-            <a:extLst>
-              <a:ext uri="{FF2B5EF4-FFF2-40B4-BE49-F238E27FC236}">
-                <a16:creationId xmlns:a16="http://schemas.microsoft.com/office/drawing/2014/main" id="{BB06BF4E-EB43-4CA6-AF20-936AD1EBDF65}"/>
-              </a:ext>
-            </a:extLst>
-          </p:cNvPr>
+          <p:cNvPr id="2" name="Title 1"/>
           <p:cNvSpPr>
             <a:spLocks noGrp="1"/>
           </p:cNvSpPr>
@@ -971,15 +967,20 @@
         </p:nvSpPr>
         <p:spPr>
           <a:xfrm>
-            <a:off x="831850" y="1709738"/>
-            <a:ext cx="10515600" cy="2852737"/>
+            <a:off x="1261872" y="758952"/>
+            <a:ext cx="9418320" cy="4041648"/>
           </a:xfrm>
         </p:spPr>
         <p:txBody>
-          <a:bodyPr anchor="b"/>
+          <a:bodyPr anchor="b">
+            <a:normAutofit/>
+          </a:bodyPr>
           <a:lstStyle>
             <a:lvl1pPr>
-              <a:defRPr sz="6000"/>
+              <a:lnSpc>
+                <a:spcPct val="85000"/>
+              </a:lnSpc>
+              <a:defRPr sz="7200" b="0"/>
             </a:lvl1pPr>
           </a:lstStyle>
           <a:p>
@@ -987,18 +988,13 @@
               <a:rPr lang="en-US"/>
               <a:t>Click to edit Master title style</a:t>
             </a:r>
-          </a:p>
-        </p:txBody>
-      </p:sp>
-      <p:sp>
-        <p:nvSpPr>
-          <p:cNvPr id="3" name="Text Placeholder 2">
-            <a:extLst>
-              <a:ext uri="{FF2B5EF4-FFF2-40B4-BE49-F238E27FC236}">
-                <a16:creationId xmlns:a16="http://schemas.microsoft.com/office/drawing/2014/main" id="{B8374CE7-EA09-8EF7-16AC-6A7883B06595}"/>
-              </a:ext>
-            </a:extLst>
-          </p:cNvPr>
+            <a:endParaRPr lang="en-US" dirty="0"/>
+          </a:p>
+        </p:txBody>
+      </p:sp>
+      <p:sp>
+        <p:nvSpPr>
+          <p:cNvPr id="3" name="Text Placeholder 2"/>
           <p:cNvSpPr>
             <a:spLocks noGrp="1"/>
           </p:cNvSpPr>
@@ -1008,26 +1004,29 @@
         </p:nvSpPr>
         <p:spPr>
           <a:xfrm>
-            <a:off x="831850" y="4589463"/>
-            <a:ext cx="10515600" cy="1500187"/>
+            <a:off x="1261872" y="4800600"/>
+            <a:ext cx="9418320" cy="1691640"/>
           </a:xfrm>
         </p:spPr>
         <p:txBody>
-          <a:bodyPr/>
+          <a:bodyPr anchor="t">
+            <a:normAutofit/>
+          </a:bodyPr>
           <a:lstStyle>
             <a:lvl1pPr marL="0" indent="0">
               <a:buNone/>
-              <a:defRPr sz="2400">
+              <a:defRPr sz="2200" spc="30" baseline="0">
                 <a:solidFill>
                   <a:schemeClr val="tx1">
-                    <a:tint val="75000"/>
+                    <a:lumMod val="75000"/>
+                    <a:lumOff val="25000"/>
                   </a:schemeClr>
                 </a:solidFill>
               </a:defRPr>
             </a:lvl1pPr>
             <a:lvl2pPr marL="457200" indent="0">
               <a:buNone/>
-              <a:defRPr sz="2000">
+              <a:defRPr sz="1800">
                 <a:solidFill>
                   <a:schemeClr val="tx1">
                     <a:tint val="75000"/>
@@ -1037,7 +1036,7 @@
             </a:lvl2pPr>
             <a:lvl3pPr marL="914400" indent="0">
               <a:buNone/>
-              <a:defRPr sz="1800">
+              <a:defRPr sz="1600">
                 <a:solidFill>
                   <a:schemeClr val="tx1">
                     <a:tint val="75000"/>
@@ -1047,7 +1046,7 @@
             </a:lvl3pPr>
             <a:lvl4pPr marL="1371600" indent="0">
               <a:buNone/>
-              <a:defRPr sz="1600">
+              <a:defRPr sz="1400">
                 <a:solidFill>
                   <a:schemeClr val="tx1">
                     <a:tint val="75000"/>
@@ -1057,7 +1056,7 @@
             </a:lvl4pPr>
             <a:lvl5pPr marL="1828800" indent="0">
               <a:buNone/>
-              <a:defRPr sz="1600">
+              <a:defRPr sz="1400">
                 <a:solidFill>
                   <a:schemeClr val="tx1">
                     <a:tint val="75000"/>
@@ -1067,7 +1066,7 @@
             </a:lvl5pPr>
             <a:lvl6pPr marL="2286000" indent="0">
               <a:buNone/>
-              <a:defRPr sz="1600">
+              <a:defRPr sz="1400">
                 <a:solidFill>
                   <a:schemeClr val="tx1">
                     <a:tint val="75000"/>
@@ -1077,7 +1076,7 @@
             </a:lvl6pPr>
             <a:lvl7pPr marL="2743200" indent="0">
               <a:buNone/>
-              <a:defRPr sz="1600">
+              <a:defRPr sz="1400">
                 <a:solidFill>
                   <a:schemeClr val="tx1">
                     <a:tint val="75000"/>
@@ -1087,7 +1086,7 @@
             </a:lvl7pPr>
             <a:lvl8pPr marL="3200400" indent="0">
               <a:buNone/>
-              <a:defRPr sz="1600">
+              <a:defRPr sz="1400">
                 <a:solidFill>
                   <a:schemeClr val="tx1">
                     <a:tint val="75000"/>
@@ -1097,7 +1096,7 @@
             </a:lvl8pPr>
             <a:lvl9pPr marL="3657600" indent="0">
               <a:buNone/>
-              <a:defRPr sz="1600">
+              <a:defRPr sz="1400">
                 <a:solidFill>
                   <a:schemeClr val="tx1">
                     <a:tint val="75000"/>
@@ -1117,13 +1116,7 @@
       </p:sp>
       <p:sp>
         <p:nvSpPr>
-          <p:cNvPr id="4" name="Date Placeholder 3">
-            <a:extLst>
-              <a:ext uri="{FF2B5EF4-FFF2-40B4-BE49-F238E27FC236}">
-                <a16:creationId xmlns:a16="http://schemas.microsoft.com/office/drawing/2014/main" id="{CE3F01BE-1722-AB52-EF9F-01D7699E364B}"/>
-              </a:ext>
-            </a:extLst>
-          </p:cNvPr>
+          <p:cNvPr id="4" name="Date Placeholder 3"/>
           <p:cNvSpPr>
             <a:spLocks noGrp="1"/>
           </p:cNvSpPr>
@@ -1138,7 +1131,7 @@
           <a:p>
             <a:fld id="{764675DE-062B-4BC9-A068-27E8DFC528FB}" type="datetimeFigureOut">
               <a:rPr lang="en-US" smtClean="0"/>
-              <a:t>3/28/2024</a:t>
+              <a:t>3/29/2024</a:t>
             </a:fld>
             <a:endParaRPr lang="en-US"/>
           </a:p>
@@ -1146,13 +1139,7 @@
       </p:sp>
       <p:sp>
         <p:nvSpPr>
-          <p:cNvPr id="5" name="Footer Placeholder 4">
-            <a:extLst>
-              <a:ext uri="{FF2B5EF4-FFF2-40B4-BE49-F238E27FC236}">
-                <a16:creationId xmlns:a16="http://schemas.microsoft.com/office/drawing/2014/main" id="{2832534B-A45E-792D-7AA9-E45DE73FCA6A}"/>
-              </a:ext>
-            </a:extLst>
-          </p:cNvPr>
+          <p:cNvPr id="5" name="Footer Placeholder 4"/>
           <p:cNvSpPr>
             <a:spLocks noGrp="1"/>
           </p:cNvSpPr>
@@ -1171,13 +1158,7 @@
       </p:sp>
       <p:sp>
         <p:nvSpPr>
-          <p:cNvPr id="6" name="Slide Number Placeholder 5">
-            <a:extLst>
-              <a:ext uri="{FF2B5EF4-FFF2-40B4-BE49-F238E27FC236}">
-                <a16:creationId xmlns:a16="http://schemas.microsoft.com/office/drawing/2014/main" id="{AB137430-B9EC-8023-23F5-A06134AC872C}"/>
-              </a:ext>
-            </a:extLst>
-          </p:cNvPr>
+          <p:cNvPr id="6" name="Slide Number Placeholder 5"/>
           <p:cNvSpPr>
             <a:spLocks noGrp="1"/>
           </p:cNvSpPr>
@@ -1198,10 +1179,48 @@
           </a:p>
         </p:txBody>
       </p:sp>
+      <p:sp>
+        <p:nvSpPr>
+          <p:cNvPr id="8" name="Rectangle 7"/>
+          <p:cNvSpPr/>
+          <p:nvPr/>
+        </p:nvSpPr>
+        <p:spPr>
+          <a:xfrm>
+            <a:off x="0" y="0"/>
+            <a:ext cx="457200" cy="6858000"/>
+          </a:xfrm>
+          <a:prstGeom prst="rect">
+            <a:avLst/>
+          </a:prstGeom>
+          <a:solidFill>
+            <a:schemeClr val="accent1"/>
+          </a:solidFill>
+          <a:ln>
+            <a:noFill/>
+          </a:ln>
+        </p:spPr>
+        <p:style>
+          <a:lnRef idx="2">
+            <a:schemeClr val="accent1">
+              <a:shade val="50000"/>
+            </a:schemeClr>
+          </a:lnRef>
+          <a:fillRef idx="1">
+            <a:schemeClr val="accent1"/>
+          </a:fillRef>
+          <a:effectRef idx="0">
+            <a:schemeClr val="accent1"/>
+          </a:effectRef>
+          <a:fontRef idx="minor">
+            <a:schemeClr val="lt1"/>
+          </a:fontRef>
+        </p:style>
+      </p:sp>
     </p:spTree>
     <p:extLst>
       <p:ext uri="{BB962C8B-B14F-4D97-AF65-F5344CB8AC3E}">
-        <p14:creationId xmlns:p14="http://schemas.microsoft.com/office/powerpoint/2010/main" val="1448984937"/>
+        <p14:creationId xmlns:p14="http://schemas.microsoft.com/office/powerpoint/2010/main" val="3671394324"/>
       </p:ext>
     </p:extLst>
   </p:cSld>
@@ -1230,13 +1249,7 @@
       </p:grpSpPr>
       <p:sp>
         <p:nvSpPr>
-          <p:cNvPr id="2" name="Title 1">
-            <a:extLst>
-              <a:ext uri="{FF2B5EF4-FFF2-40B4-BE49-F238E27FC236}">
-                <a16:creationId xmlns:a16="http://schemas.microsoft.com/office/drawing/2014/main" id="{2F176032-2045-2306-2667-FECD0478506B}"/>
-              </a:ext>
-            </a:extLst>
-          </p:cNvPr>
+          <p:cNvPr id="2" name="Title 1"/>
           <p:cNvSpPr>
             <a:spLocks noGrp="1"/>
           </p:cNvSpPr>
@@ -1253,18 +1266,13 @@
               <a:rPr lang="en-US"/>
               <a:t>Click to edit Master title style</a:t>
             </a:r>
-          </a:p>
-        </p:txBody>
-      </p:sp>
-      <p:sp>
-        <p:nvSpPr>
-          <p:cNvPr id="3" name="Content Placeholder 2">
-            <a:extLst>
-              <a:ext uri="{FF2B5EF4-FFF2-40B4-BE49-F238E27FC236}">
-                <a16:creationId xmlns:a16="http://schemas.microsoft.com/office/drawing/2014/main" id="{6231E0C7-0D4C-41F6-3F9B-97B3E7DF020C}"/>
-              </a:ext>
-            </a:extLst>
-          </p:cNvPr>
+            <a:endParaRPr lang="en-US" dirty="0"/>
+          </a:p>
+        </p:txBody>
+      </p:sp>
+      <p:sp>
+        <p:nvSpPr>
+          <p:cNvPr id="3" name="Content Placeholder 2"/>
           <p:cNvSpPr>
             <a:spLocks noGrp="1"/>
           </p:cNvSpPr>
@@ -1274,13 +1282,41 @@
         </p:nvSpPr>
         <p:spPr>
           <a:xfrm>
-            <a:off x="838200" y="1825625"/>
-            <a:ext cx="5181600" cy="4351338"/>
+            <a:off x="1261872" y="1828800"/>
+            <a:ext cx="4480560" cy="4351337"/>
           </a:xfrm>
         </p:spPr>
         <p:txBody>
           <a:bodyPr/>
-          <a:lstStyle/>
+          <a:lstStyle>
+            <a:lvl1pPr>
+              <a:defRPr sz="2000"/>
+            </a:lvl1pPr>
+            <a:lvl2pPr>
+              <a:defRPr sz="1800"/>
+            </a:lvl2pPr>
+            <a:lvl3pPr>
+              <a:defRPr sz="1600"/>
+            </a:lvl3pPr>
+            <a:lvl4pPr>
+              <a:defRPr sz="1400"/>
+            </a:lvl4pPr>
+            <a:lvl5pPr>
+              <a:defRPr sz="1400"/>
+            </a:lvl5pPr>
+            <a:lvl6pPr>
+              <a:defRPr sz="1400"/>
+            </a:lvl6pPr>
+            <a:lvl7pPr>
+              <a:defRPr sz="1400"/>
+            </a:lvl7pPr>
+            <a:lvl8pPr>
+              <a:defRPr sz="1400"/>
+            </a:lvl8pPr>
+            <a:lvl9pPr>
+              <a:defRPr sz="1400"/>
+            </a:lvl9pPr>
+          </a:lstStyle>
           <a:p>
             <a:pPr lvl="0"/>
             <a:r>
@@ -1315,18 +1351,13 @@
               <a:rPr lang="en-US"/>
               <a:t>Fifth level</a:t>
             </a:r>
-          </a:p>
-        </p:txBody>
-      </p:sp>
-      <p:sp>
-        <p:nvSpPr>
-          <p:cNvPr id="4" name="Content Placeholder 3">
-            <a:extLst>
-              <a:ext uri="{FF2B5EF4-FFF2-40B4-BE49-F238E27FC236}">
-                <a16:creationId xmlns:a16="http://schemas.microsoft.com/office/drawing/2014/main" id="{6A5EAE54-A583-9626-7206-E1E593A23D72}"/>
-              </a:ext>
-            </a:extLst>
-          </p:cNvPr>
+            <a:endParaRPr lang="en-US" dirty="0"/>
+          </a:p>
+        </p:txBody>
+      </p:sp>
+      <p:sp>
+        <p:nvSpPr>
+          <p:cNvPr id="4" name="Content Placeholder 3"/>
           <p:cNvSpPr>
             <a:spLocks noGrp="1"/>
           </p:cNvSpPr>
@@ -1336,13 +1367,41 @@
         </p:nvSpPr>
         <p:spPr>
           <a:xfrm>
-            <a:off x="6172200" y="1825625"/>
-            <a:ext cx="5181600" cy="4351338"/>
+            <a:off x="6126480" y="1828800"/>
+            <a:ext cx="4480560" cy="4351337"/>
           </a:xfrm>
         </p:spPr>
         <p:txBody>
           <a:bodyPr/>
-          <a:lstStyle/>
+          <a:lstStyle>
+            <a:lvl1pPr>
+              <a:defRPr sz="2000"/>
+            </a:lvl1pPr>
+            <a:lvl2pPr>
+              <a:defRPr sz="1800"/>
+            </a:lvl2pPr>
+            <a:lvl3pPr>
+              <a:defRPr sz="1600"/>
+            </a:lvl3pPr>
+            <a:lvl4pPr>
+              <a:defRPr sz="1400"/>
+            </a:lvl4pPr>
+            <a:lvl5pPr>
+              <a:defRPr sz="1400"/>
+            </a:lvl5pPr>
+            <a:lvl6pPr>
+              <a:defRPr sz="1400"/>
+            </a:lvl6pPr>
+            <a:lvl7pPr>
+              <a:defRPr sz="1400"/>
+            </a:lvl7pPr>
+            <a:lvl8pPr>
+              <a:defRPr sz="1400"/>
+            </a:lvl8pPr>
+            <a:lvl9pPr>
+              <a:defRPr sz="1400"/>
+            </a:lvl9pPr>
+          </a:lstStyle>
           <a:p>
             <a:pPr lvl="0"/>
             <a:r>
@@ -1377,18 +1436,13 @@
               <a:rPr lang="en-US"/>
               <a:t>Fifth level</a:t>
             </a:r>
-          </a:p>
-        </p:txBody>
-      </p:sp>
-      <p:sp>
-        <p:nvSpPr>
-          <p:cNvPr id="5" name="Date Placeholder 4">
-            <a:extLst>
-              <a:ext uri="{FF2B5EF4-FFF2-40B4-BE49-F238E27FC236}">
-                <a16:creationId xmlns:a16="http://schemas.microsoft.com/office/drawing/2014/main" id="{C4FA64E4-A151-4E70-23C9-828BB8F5823A}"/>
-              </a:ext>
-            </a:extLst>
-          </p:cNvPr>
+            <a:endParaRPr lang="en-US" dirty="0"/>
+          </a:p>
+        </p:txBody>
+      </p:sp>
+      <p:sp>
+        <p:nvSpPr>
+          <p:cNvPr id="5" name="Date Placeholder 4"/>
           <p:cNvSpPr>
             <a:spLocks noGrp="1"/>
           </p:cNvSpPr>
@@ -1403,7 +1457,7 @@
           <a:p>
             <a:fld id="{764675DE-062B-4BC9-A068-27E8DFC528FB}" type="datetimeFigureOut">
               <a:rPr lang="en-US" smtClean="0"/>
-              <a:t>3/28/2024</a:t>
+              <a:t>3/29/2024</a:t>
             </a:fld>
             <a:endParaRPr lang="en-US"/>
           </a:p>
@@ -1411,13 +1465,7 @@
       </p:sp>
       <p:sp>
         <p:nvSpPr>
-          <p:cNvPr id="6" name="Footer Placeholder 5">
-            <a:extLst>
-              <a:ext uri="{FF2B5EF4-FFF2-40B4-BE49-F238E27FC236}">
-                <a16:creationId xmlns:a16="http://schemas.microsoft.com/office/drawing/2014/main" id="{0EC21BDC-B445-FD17-07F8-85FF5697B245}"/>
-              </a:ext>
-            </a:extLst>
-          </p:cNvPr>
+          <p:cNvPr id="6" name="Footer Placeholder 5"/>
           <p:cNvSpPr>
             <a:spLocks noGrp="1"/>
           </p:cNvSpPr>
@@ -1436,13 +1484,7 @@
       </p:sp>
       <p:sp>
         <p:nvSpPr>
-          <p:cNvPr id="7" name="Slide Number Placeholder 6">
-            <a:extLst>
-              <a:ext uri="{FF2B5EF4-FFF2-40B4-BE49-F238E27FC236}">
-                <a16:creationId xmlns:a16="http://schemas.microsoft.com/office/drawing/2014/main" id="{8828C190-108E-7907-8931-BDBE3F69AC8B}"/>
-              </a:ext>
-            </a:extLst>
-          </p:cNvPr>
+          <p:cNvPr id="7" name="Slide Number Placeholder 6"/>
           <p:cNvSpPr>
             <a:spLocks noGrp="1"/>
           </p:cNvSpPr>
@@ -1466,7 +1508,7 @@
     </p:spTree>
     <p:extLst>
       <p:ext uri="{BB962C8B-B14F-4D97-AF65-F5344CB8AC3E}">
-        <p14:creationId xmlns:p14="http://schemas.microsoft.com/office/powerpoint/2010/main" val="920557800"/>
+        <p14:creationId xmlns:p14="http://schemas.microsoft.com/office/powerpoint/2010/main" val="4087177606"/>
       </p:ext>
     </p:extLst>
   </p:cSld>
@@ -1495,65 +1537,58 @@
       </p:grpSpPr>
       <p:sp>
         <p:nvSpPr>
-          <p:cNvPr id="2" name="Title 1">
-            <a:extLst>
-              <a:ext uri="{FF2B5EF4-FFF2-40B4-BE49-F238E27FC236}">
-                <a16:creationId xmlns:a16="http://schemas.microsoft.com/office/drawing/2014/main" id="{1E948E3B-591C-A4EF-0C88-2B4EE50E63E6}"/>
-              </a:ext>
-            </a:extLst>
-          </p:cNvPr>
+          <p:cNvPr id="10" name="Title 9"/>
           <p:cNvSpPr>
             <a:spLocks noGrp="1"/>
           </p:cNvSpPr>
           <p:nvPr>
             <p:ph type="title"/>
+          </p:nvPr>
+        </p:nvSpPr>
+        <p:spPr/>
+        <p:txBody>
+          <a:bodyPr/>
+          <a:lstStyle/>
+          <a:p>
+            <a:r>
+              <a:rPr lang="en-US"/>
+              <a:t>Click to edit Master title style</a:t>
+            </a:r>
+            <a:endParaRPr lang="en-US" dirty="0"/>
+          </a:p>
+        </p:txBody>
+      </p:sp>
+      <p:sp>
+        <p:nvSpPr>
+          <p:cNvPr id="3" name="Text Placeholder 2"/>
+          <p:cNvSpPr>
+            <a:spLocks noGrp="1"/>
+          </p:cNvSpPr>
+          <p:nvPr>
+            <p:ph type="body" idx="1"/>
           </p:nvPr>
         </p:nvSpPr>
         <p:spPr>
           <a:xfrm>
-            <a:off x="839788" y="365125"/>
-            <a:ext cx="10515600" cy="1325563"/>
+            <a:off x="1261872" y="1721606"/>
+            <a:ext cx="4480560" cy="731520"/>
           </a:xfrm>
         </p:spPr>
         <p:txBody>
-          <a:bodyPr/>
-          <a:lstStyle/>
-          <a:p>
-            <a:r>
-              <a:rPr lang="en-US"/>
-              <a:t>Click to edit Master title style</a:t>
-            </a:r>
-          </a:p>
-        </p:txBody>
-      </p:sp>
-      <p:sp>
-        <p:nvSpPr>
-          <p:cNvPr id="3" name="Text Placeholder 2">
-            <a:extLst>
-              <a:ext uri="{FF2B5EF4-FFF2-40B4-BE49-F238E27FC236}">
-                <a16:creationId xmlns:a16="http://schemas.microsoft.com/office/drawing/2014/main" id="{A1AAFB8C-13AF-9DAC-CA0E-2152B9FDFDBC}"/>
-              </a:ext>
-            </a:extLst>
-          </p:cNvPr>
-          <p:cNvSpPr>
-            <a:spLocks noGrp="1"/>
-          </p:cNvSpPr>
-          <p:nvPr>
-            <p:ph type="body" idx="1"/>
-          </p:nvPr>
-        </p:nvSpPr>
-        <p:spPr>
-          <a:xfrm>
-            <a:off x="839788" y="1681163"/>
-            <a:ext cx="5157787" cy="823912"/>
-          </a:xfrm>
-        </p:spPr>
-        <p:txBody>
-          <a:bodyPr anchor="b"/>
+          <a:bodyPr anchor="b">
+            <a:normAutofit/>
+          </a:bodyPr>
           <a:lstStyle>
             <a:lvl1pPr marL="0" indent="0">
-              <a:buNone/>
-              <a:defRPr sz="2400" b="1"/>
+              <a:spcBef>
+                <a:spcPts val="0"/>
+              </a:spcBef>
+              <a:buNone/>
+              <a:defRPr sz="2000" b="0" baseline="0">
+                <a:solidFill>
+                  <a:schemeClr val="tx2"/>
+                </a:solidFill>
+              </a:defRPr>
             </a:lvl1pPr>
             <a:lvl2pPr marL="457200" indent="0">
               <a:buNone/>
@@ -1599,13 +1634,7 @@
       </p:sp>
       <p:sp>
         <p:nvSpPr>
-          <p:cNvPr id="4" name="Content Placeholder 3">
-            <a:extLst>
-              <a:ext uri="{FF2B5EF4-FFF2-40B4-BE49-F238E27FC236}">
-                <a16:creationId xmlns:a16="http://schemas.microsoft.com/office/drawing/2014/main" id="{CAB6640D-CBEE-EF24-75B7-11F72E306CA9}"/>
-              </a:ext>
-            </a:extLst>
-          </p:cNvPr>
+          <p:cNvPr id="4" name="Content Placeholder 3"/>
           <p:cNvSpPr>
             <a:spLocks noGrp="1"/>
           </p:cNvSpPr>
@@ -1615,13 +1644,41 @@
         </p:nvSpPr>
         <p:spPr>
           <a:xfrm>
-            <a:off x="839788" y="2505075"/>
-            <a:ext cx="5157787" cy="3684588"/>
+            <a:off x="1261872" y="2507550"/>
+            <a:ext cx="4480560" cy="3664650"/>
           </a:xfrm>
         </p:spPr>
         <p:txBody>
           <a:bodyPr/>
-          <a:lstStyle/>
+          <a:lstStyle>
+            <a:lvl1pPr>
+              <a:defRPr sz="1800"/>
+            </a:lvl1pPr>
+            <a:lvl2pPr>
+              <a:defRPr sz="1600"/>
+            </a:lvl2pPr>
+            <a:lvl3pPr>
+              <a:defRPr sz="1400"/>
+            </a:lvl3pPr>
+            <a:lvl4pPr>
+              <a:defRPr sz="1400"/>
+            </a:lvl4pPr>
+            <a:lvl5pPr>
+              <a:defRPr sz="1400"/>
+            </a:lvl5pPr>
+            <a:lvl6pPr>
+              <a:defRPr sz="1400"/>
+            </a:lvl6pPr>
+            <a:lvl7pPr>
+              <a:defRPr sz="1400"/>
+            </a:lvl7pPr>
+            <a:lvl8pPr>
+              <a:defRPr sz="1400"/>
+            </a:lvl8pPr>
+            <a:lvl9pPr>
+              <a:defRPr sz="1400"/>
+            </a:lvl9pPr>
+          </a:lstStyle>
           <a:p>
             <a:pPr lvl="0"/>
             <a:r>
@@ -1656,18 +1713,13 @@
               <a:rPr lang="en-US"/>
               <a:t>Fifth level</a:t>
             </a:r>
-          </a:p>
-        </p:txBody>
-      </p:sp>
-      <p:sp>
-        <p:nvSpPr>
-          <p:cNvPr id="5" name="Text Placeholder 4">
-            <a:extLst>
-              <a:ext uri="{FF2B5EF4-FFF2-40B4-BE49-F238E27FC236}">
-                <a16:creationId xmlns:a16="http://schemas.microsoft.com/office/drawing/2014/main" id="{545C38FD-08CE-D891-EA5B-C13B635BD8B1}"/>
-              </a:ext>
-            </a:extLst>
-          </p:cNvPr>
+            <a:endParaRPr lang="en-US" dirty="0"/>
+          </a:p>
+        </p:txBody>
+      </p:sp>
+      <p:sp>
+        <p:nvSpPr>
+          <p:cNvPr id="11" name="Text Placeholder 4"/>
           <p:cNvSpPr>
             <a:spLocks noGrp="1"/>
           </p:cNvSpPr>
@@ -1677,16 +1729,31 @@
         </p:nvSpPr>
         <p:spPr>
           <a:xfrm>
-            <a:off x="6172200" y="1681163"/>
-            <a:ext cx="5183188" cy="823912"/>
+            <a:off x="6126480" y="1721606"/>
+            <a:ext cx="4480560" cy="731520"/>
           </a:xfrm>
         </p:spPr>
         <p:txBody>
-          <a:bodyPr anchor="b"/>
+          <a:bodyPr anchor="b">
+            <a:normAutofit/>
+          </a:bodyPr>
           <a:lstStyle>
             <a:lvl1pPr marL="0" indent="0">
-              <a:buNone/>
-              <a:defRPr sz="2400" b="1"/>
+              <a:lnSpc>
+                <a:spcPct val="95000"/>
+              </a:lnSpc>
+              <a:spcBef>
+                <a:spcPts val="0"/>
+              </a:spcBef>
+              <a:buNone/>
+              <a:defRPr lang="en-US" sz="2000" b="0" kern="1200" dirty="0">
+                <a:solidFill>
+                  <a:schemeClr val="tx2"/>
+                </a:solidFill>
+                <a:latin typeface="+mn-lt"/>
+                <a:ea typeface="+mn-ea"/>
+                <a:cs typeface="+mn-cs"/>
+              </a:defRPr>
             </a:lvl1pPr>
             <a:lvl2pPr marL="457200" indent="0">
               <a:buNone/>
@@ -1722,7 +1789,16 @@
             </a:lvl9pPr>
           </a:lstStyle>
           <a:p>
-            <a:pPr lvl="0"/>
+            <a:pPr marL="0" lvl="0" indent="0" algn="l" defTabSz="914400" rtl="0" eaLnBrk="1" latinLnBrk="0" hangingPunct="1">
+              <a:lnSpc>
+                <a:spcPct val="90000"/>
+              </a:lnSpc>
+              <a:spcBef>
+                <a:spcPts val="2000"/>
+              </a:spcBef>
+              <a:buFontTx/>
+              <a:buNone/>
+            </a:pPr>
             <a:r>
               <a:rPr lang="en-US"/>
               <a:t>Click to edit Master text styles</a:t>
@@ -1732,13 +1808,7 @@
       </p:sp>
       <p:sp>
         <p:nvSpPr>
-          <p:cNvPr id="6" name="Content Placeholder 5">
-            <a:extLst>
-              <a:ext uri="{FF2B5EF4-FFF2-40B4-BE49-F238E27FC236}">
-                <a16:creationId xmlns:a16="http://schemas.microsoft.com/office/drawing/2014/main" id="{6CDA6105-2539-C202-6FAD-1DBED34B0744}"/>
-              </a:ext>
-            </a:extLst>
-          </p:cNvPr>
+          <p:cNvPr id="6" name="Content Placeholder 5"/>
           <p:cNvSpPr>
             <a:spLocks noGrp="1"/>
           </p:cNvSpPr>
@@ -1748,13 +1818,41 @@
         </p:nvSpPr>
         <p:spPr>
           <a:xfrm>
-            <a:off x="6172200" y="2505075"/>
-            <a:ext cx="5183188" cy="3684588"/>
+            <a:off x="6126480" y="2507550"/>
+            <a:ext cx="4480560" cy="3664650"/>
           </a:xfrm>
         </p:spPr>
         <p:txBody>
           <a:bodyPr/>
-          <a:lstStyle/>
+          <a:lstStyle>
+            <a:lvl1pPr>
+              <a:defRPr sz="1800"/>
+            </a:lvl1pPr>
+            <a:lvl2pPr>
+              <a:defRPr sz="1600"/>
+            </a:lvl2pPr>
+            <a:lvl3pPr>
+              <a:defRPr sz="1400"/>
+            </a:lvl3pPr>
+            <a:lvl4pPr>
+              <a:defRPr sz="1400"/>
+            </a:lvl4pPr>
+            <a:lvl5pPr>
+              <a:defRPr sz="1400"/>
+            </a:lvl5pPr>
+            <a:lvl6pPr>
+              <a:defRPr sz="1400"/>
+            </a:lvl6pPr>
+            <a:lvl7pPr>
+              <a:defRPr sz="1400"/>
+            </a:lvl7pPr>
+            <a:lvl8pPr>
+              <a:defRPr sz="1400"/>
+            </a:lvl8pPr>
+            <a:lvl9pPr>
+              <a:defRPr sz="1400"/>
+            </a:lvl9pPr>
+          </a:lstStyle>
           <a:p>
             <a:pPr lvl="0"/>
             <a:r>
@@ -1789,18 +1887,13 @@
               <a:rPr lang="en-US"/>
               <a:t>Fifth level</a:t>
             </a:r>
-          </a:p>
-        </p:txBody>
-      </p:sp>
-      <p:sp>
-        <p:nvSpPr>
-          <p:cNvPr id="7" name="Date Placeholder 6">
-            <a:extLst>
-              <a:ext uri="{FF2B5EF4-FFF2-40B4-BE49-F238E27FC236}">
-                <a16:creationId xmlns:a16="http://schemas.microsoft.com/office/drawing/2014/main" id="{8E7545C1-E86D-1009-E708-FFF5A38AE220}"/>
-              </a:ext>
-            </a:extLst>
-          </p:cNvPr>
+            <a:endParaRPr lang="en-US" dirty="0"/>
+          </a:p>
+        </p:txBody>
+      </p:sp>
+      <p:sp>
+        <p:nvSpPr>
+          <p:cNvPr id="7" name="Date Placeholder 6"/>
           <p:cNvSpPr>
             <a:spLocks noGrp="1"/>
           </p:cNvSpPr>
@@ -1815,7 +1908,7 @@
           <a:p>
             <a:fld id="{764675DE-062B-4BC9-A068-27E8DFC528FB}" type="datetimeFigureOut">
               <a:rPr lang="en-US" smtClean="0"/>
-              <a:t>3/28/2024</a:t>
+              <a:t>3/29/2024</a:t>
             </a:fld>
             <a:endParaRPr lang="en-US"/>
           </a:p>
@@ -1823,13 +1916,7 @@
       </p:sp>
       <p:sp>
         <p:nvSpPr>
-          <p:cNvPr id="8" name="Footer Placeholder 7">
-            <a:extLst>
-              <a:ext uri="{FF2B5EF4-FFF2-40B4-BE49-F238E27FC236}">
-                <a16:creationId xmlns:a16="http://schemas.microsoft.com/office/drawing/2014/main" id="{7261AF85-CC42-D61F-2BA3-E7F68B54F508}"/>
-              </a:ext>
-            </a:extLst>
-          </p:cNvPr>
+          <p:cNvPr id="8" name="Footer Placeholder 7"/>
           <p:cNvSpPr>
             <a:spLocks noGrp="1"/>
           </p:cNvSpPr>
@@ -1848,13 +1935,7 @@
       </p:sp>
       <p:sp>
         <p:nvSpPr>
-          <p:cNvPr id="9" name="Slide Number Placeholder 8">
-            <a:extLst>
-              <a:ext uri="{FF2B5EF4-FFF2-40B4-BE49-F238E27FC236}">
-                <a16:creationId xmlns:a16="http://schemas.microsoft.com/office/drawing/2014/main" id="{F170015B-E2FB-ABDB-CBD8-00FE0B62BEAA}"/>
-              </a:ext>
-            </a:extLst>
-          </p:cNvPr>
+          <p:cNvPr id="9" name="Slide Number Placeholder 8"/>
           <p:cNvSpPr>
             <a:spLocks noGrp="1"/>
           </p:cNvSpPr>
@@ -1878,7 +1959,7 @@
     </p:spTree>
     <p:extLst>
       <p:ext uri="{BB962C8B-B14F-4D97-AF65-F5344CB8AC3E}">
-        <p14:creationId xmlns:p14="http://schemas.microsoft.com/office/powerpoint/2010/main" val="948582585"/>
+        <p14:creationId xmlns:p14="http://schemas.microsoft.com/office/powerpoint/2010/main" val="1701645254"/>
       </p:ext>
     </p:extLst>
   </p:cSld>
@@ -1907,13 +1988,7 @@
       </p:grpSpPr>
       <p:sp>
         <p:nvSpPr>
-          <p:cNvPr id="2" name="Title 1">
-            <a:extLst>
-              <a:ext uri="{FF2B5EF4-FFF2-40B4-BE49-F238E27FC236}">
-                <a16:creationId xmlns:a16="http://schemas.microsoft.com/office/drawing/2014/main" id="{D9FECBE0-4D99-A7C8-1D7A-0414C7965A0C}"/>
-              </a:ext>
-            </a:extLst>
-          </p:cNvPr>
+          <p:cNvPr id="6" name="Title 5"/>
           <p:cNvSpPr>
             <a:spLocks noGrp="1"/>
           </p:cNvSpPr>
@@ -1930,18 +2005,13 @@
               <a:rPr lang="en-US"/>
               <a:t>Click to edit Master title style</a:t>
             </a:r>
-          </a:p>
-        </p:txBody>
-      </p:sp>
-      <p:sp>
-        <p:nvSpPr>
-          <p:cNvPr id="3" name="Date Placeholder 2">
-            <a:extLst>
-              <a:ext uri="{FF2B5EF4-FFF2-40B4-BE49-F238E27FC236}">
-                <a16:creationId xmlns:a16="http://schemas.microsoft.com/office/drawing/2014/main" id="{79DDD64D-6EC2-7432-8E69-EBEE181E8DBE}"/>
-              </a:ext>
-            </a:extLst>
-          </p:cNvPr>
+            <a:endParaRPr lang="en-US" dirty="0"/>
+          </a:p>
+        </p:txBody>
+      </p:sp>
+      <p:sp>
+        <p:nvSpPr>
+          <p:cNvPr id="3" name="Date Placeholder 2"/>
           <p:cNvSpPr>
             <a:spLocks noGrp="1"/>
           </p:cNvSpPr>
@@ -1956,7 +2026,7 @@
           <a:p>
             <a:fld id="{764675DE-062B-4BC9-A068-27E8DFC528FB}" type="datetimeFigureOut">
               <a:rPr lang="en-US" smtClean="0"/>
-              <a:t>3/28/2024</a:t>
+              <a:t>3/29/2024</a:t>
             </a:fld>
             <a:endParaRPr lang="en-US"/>
           </a:p>
@@ -1964,13 +2034,7 @@
       </p:sp>
       <p:sp>
         <p:nvSpPr>
-          <p:cNvPr id="4" name="Footer Placeholder 3">
-            <a:extLst>
-              <a:ext uri="{FF2B5EF4-FFF2-40B4-BE49-F238E27FC236}">
-                <a16:creationId xmlns:a16="http://schemas.microsoft.com/office/drawing/2014/main" id="{056F7271-73AF-332D-6958-6DFAD07662BC}"/>
-              </a:ext>
-            </a:extLst>
-          </p:cNvPr>
+          <p:cNvPr id="4" name="Footer Placeholder 3"/>
           <p:cNvSpPr>
             <a:spLocks noGrp="1"/>
           </p:cNvSpPr>
@@ -1989,13 +2053,7 @@
       </p:sp>
       <p:sp>
         <p:nvSpPr>
-          <p:cNvPr id="5" name="Slide Number Placeholder 4">
-            <a:extLst>
-              <a:ext uri="{FF2B5EF4-FFF2-40B4-BE49-F238E27FC236}">
-                <a16:creationId xmlns:a16="http://schemas.microsoft.com/office/drawing/2014/main" id="{399596E7-3DEE-E579-6B59-7DB955E0B8FB}"/>
-              </a:ext>
-            </a:extLst>
-          </p:cNvPr>
+          <p:cNvPr id="5" name="Slide Number Placeholder 4"/>
           <p:cNvSpPr>
             <a:spLocks noGrp="1"/>
           </p:cNvSpPr>
@@ -2019,7 +2077,7 @@
     </p:spTree>
     <p:extLst>
       <p:ext uri="{BB962C8B-B14F-4D97-AF65-F5344CB8AC3E}">
-        <p14:creationId xmlns:p14="http://schemas.microsoft.com/office/powerpoint/2010/main" val="1325788095"/>
+        <p14:creationId xmlns:p14="http://schemas.microsoft.com/office/powerpoint/2010/main" val="749048279"/>
       </p:ext>
     </p:extLst>
   </p:cSld>
@@ -2048,13 +2106,7 @@
       </p:grpSpPr>
       <p:sp>
         <p:nvSpPr>
-          <p:cNvPr id="2" name="Date Placeholder 1">
-            <a:extLst>
-              <a:ext uri="{FF2B5EF4-FFF2-40B4-BE49-F238E27FC236}">
-                <a16:creationId xmlns:a16="http://schemas.microsoft.com/office/drawing/2014/main" id="{CB440DFE-C6C3-4C10-7B6A-89B5B7643F4C}"/>
-              </a:ext>
-            </a:extLst>
-          </p:cNvPr>
+          <p:cNvPr id="2" name="Date Placeholder 1"/>
           <p:cNvSpPr>
             <a:spLocks noGrp="1"/>
           </p:cNvSpPr>
@@ -2069,7 +2121,7 @@
           <a:p>
             <a:fld id="{764675DE-062B-4BC9-A068-27E8DFC528FB}" type="datetimeFigureOut">
               <a:rPr lang="en-US" smtClean="0"/>
-              <a:t>3/28/2024</a:t>
+              <a:t>3/29/2024</a:t>
             </a:fld>
             <a:endParaRPr lang="en-US"/>
           </a:p>
@@ -2077,13 +2129,7 @@
       </p:sp>
       <p:sp>
         <p:nvSpPr>
-          <p:cNvPr id="3" name="Footer Placeholder 2">
-            <a:extLst>
-              <a:ext uri="{FF2B5EF4-FFF2-40B4-BE49-F238E27FC236}">
-                <a16:creationId xmlns:a16="http://schemas.microsoft.com/office/drawing/2014/main" id="{5BBEC6BD-B183-C111-2F04-C4F0C971910C}"/>
-              </a:ext>
-            </a:extLst>
-          </p:cNvPr>
+          <p:cNvPr id="3" name="Footer Placeholder 2"/>
           <p:cNvSpPr>
             <a:spLocks noGrp="1"/>
           </p:cNvSpPr>
@@ -2102,13 +2148,7 @@
       </p:sp>
       <p:sp>
         <p:nvSpPr>
-          <p:cNvPr id="4" name="Slide Number Placeholder 3">
-            <a:extLst>
-              <a:ext uri="{FF2B5EF4-FFF2-40B4-BE49-F238E27FC236}">
-                <a16:creationId xmlns:a16="http://schemas.microsoft.com/office/drawing/2014/main" id="{1DDA0776-434B-DFA1-4EBB-FFECC9FF6449}"/>
-              </a:ext>
-            </a:extLst>
-          </p:cNvPr>
+          <p:cNvPr id="4" name="Slide Number Placeholder 3"/>
           <p:cNvSpPr>
             <a:spLocks noGrp="1"/>
           </p:cNvSpPr>
@@ -2132,7 +2172,7 @@
     </p:spTree>
     <p:extLst>
       <p:ext uri="{BB962C8B-B14F-4D97-AF65-F5344CB8AC3E}">
-        <p14:creationId xmlns:p14="http://schemas.microsoft.com/office/powerpoint/2010/main" val="568815293"/>
+        <p14:creationId xmlns:p14="http://schemas.microsoft.com/office/powerpoint/2010/main" val="920765033"/>
       </p:ext>
     </p:extLst>
   </p:cSld>
@@ -2161,13 +2201,7 @@
       </p:grpSpPr>
       <p:sp>
         <p:nvSpPr>
-          <p:cNvPr id="2" name="Title 1">
-            <a:extLst>
-              <a:ext uri="{FF2B5EF4-FFF2-40B4-BE49-F238E27FC236}">
-                <a16:creationId xmlns:a16="http://schemas.microsoft.com/office/drawing/2014/main" id="{42D64D44-103F-9EFE-3EAD-570EC942C989}"/>
-              </a:ext>
-            </a:extLst>
-          </p:cNvPr>
+          <p:cNvPr id="2" name="Title 1"/>
           <p:cNvSpPr>
             <a:spLocks noGrp="1"/>
           </p:cNvSpPr>
@@ -2177,15 +2211,17 @@
         </p:nvSpPr>
         <p:spPr>
           <a:xfrm>
-            <a:off x="839788" y="457200"/>
-            <a:ext cx="3932237" cy="1600200"/>
+            <a:off x="841248" y="457200"/>
+            <a:ext cx="3200400" cy="1600197"/>
           </a:xfrm>
         </p:spPr>
         <p:txBody>
-          <a:bodyPr anchor="b"/>
+          <a:bodyPr anchor="b">
+            <a:normAutofit/>
+          </a:bodyPr>
           <a:lstStyle>
             <a:lvl1pPr>
-              <a:defRPr sz="3200"/>
+              <a:defRPr sz="3200" b="1" baseline="0"/>
             </a:lvl1pPr>
           </a:lstStyle>
           <a:p>
@@ -2193,18 +2229,13 @@
               <a:rPr lang="en-US"/>
               <a:t>Click to edit Master title style</a:t>
             </a:r>
-          </a:p>
-        </p:txBody>
-      </p:sp>
-      <p:sp>
-        <p:nvSpPr>
-          <p:cNvPr id="3" name="Content Placeholder 2">
-            <a:extLst>
-              <a:ext uri="{FF2B5EF4-FFF2-40B4-BE49-F238E27FC236}">
-                <a16:creationId xmlns:a16="http://schemas.microsoft.com/office/drawing/2014/main" id="{23D66B50-0495-BF24-99B1-F6532D6E9B54}"/>
-              </a:ext>
-            </a:extLst>
-          </p:cNvPr>
+            <a:endParaRPr lang="en-US" dirty="0"/>
+          </a:p>
+        </p:txBody>
+      </p:sp>
+      <p:sp>
+        <p:nvSpPr>
+          <p:cNvPr id="3" name="Content Placeholder 2"/>
           <p:cNvSpPr>
             <a:spLocks noGrp="1"/>
           </p:cNvSpPr>
@@ -2214,39 +2245,39 @@
         </p:nvSpPr>
         <p:spPr>
           <a:xfrm>
-            <a:off x="5183188" y="987425"/>
-            <a:ext cx="6172200" cy="4873625"/>
+            <a:off x="4504267" y="685800"/>
+            <a:ext cx="6079066" cy="5486400"/>
           </a:xfrm>
         </p:spPr>
         <p:txBody>
           <a:bodyPr/>
           <a:lstStyle>
             <a:lvl1pPr>
-              <a:defRPr sz="3200"/>
+              <a:defRPr sz="2000"/>
             </a:lvl1pPr>
             <a:lvl2pPr>
-              <a:defRPr sz="2800"/>
+              <a:defRPr sz="1800"/>
             </a:lvl2pPr>
             <a:lvl3pPr>
-              <a:defRPr sz="2400"/>
+              <a:defRPr sz="1600"/>
             </a:lvl3pPr>
             <a:lvl4pPr>
-              <a:defRPr sz="2000"/>
+              <a:defRPr sz="1400"/>
             </a:lvl4pPr>
             <a:lvl5pPr>
-              <a:defRPr sz="2000"/>
+              <a:defRPr sz="1400"/>
             </a:lvl5pPr>
             <a:lvl6pPr>
-              <a:defRPr sz="2000"/>
+              <a:defRPr sz="1400"/>
             </a:lvl6pPr>
             <a:lvl7pPr>
-              <a:defRPr sz="2000"/>
+              <a:defRPr sz="1400"/>
             </a:lvl7pPr>
             <a:lvl8pPr>
-              <a:defRPr sz="2000"/>
+              <a:defRPr sz="1400"/>
             </a:lvl8pPr>
             <a:lvl9pPr>
-              <a:defRPr sz="2000"/>
+              <a:defRPr sz="1400"/>
             </a:lvl9pPr>
           </a:lstStyle>
           <a:p>
@@ -2283,18 +2314,13 @@
               <a:rPr lang="en-US"/>
               <a:t>Fifth level</a:t>
             </a:r>
-          </a:p>
-        </p:txBody>
-      </p:sp>
-      <p:sp>
-        <p:nvSpPr>
-          <p:cNvPr id="4" name="Text Placeholder 3">
-            <a:extLst>
-              <a:ext uri="{FF2B5EF4-FFF2-40B4-BE49-F238E27FC236}">
-                <a16:creationId xmlns:a16="http://schemas.microsoft.com/office/drawing/2014/main" id="{EFB6641F-4082-C17B-E1B0-81330E9028C2}"/>
-              </a:ext>
-            </a:extLst>
-          </p:cNvPr>
+            <a:endParaRPr lang="en-US" dirty="0"/>
+          </a:p>
+        </p:txBody>
+      </p:sp>
+      <p:sp>
+        <p:nvSpPr>
+          <p:cNvPr id="4" name="Text Placeholder 3"/>
           <p:cNvSpPr>
             <a:spLocks noGrp="1"/>
           </p:cNvSpPr>
@@ -2304,48 +2330,56 @@
         </p:nvSpPr>
         <p:spPr>
           <a:xfrm>
-            <a:off x="839788" y="2057400"/>
-            <a:ext cx="3932237" cy="3811588"/>
+            <a:off x="841248" y="2099734"/>
+            <a:ext cx="3200400" cy="3810001"/>
           </a:xfrm>
         </p:spPr>
         <p:txBody>
-          <a:bodyPr/>
+          <a:bodyPr>
+            <a:normAutofit/>
+          </a:bodyPr>
           <a:lstStyle>
             <a:lvl1pPr marL="0" indent="0">
-              <a:buNone/>
-              <a:defRPr sz="1600"/>
+              <a:lnSpc>
+                <a:spcPct val="114000"/>
+              </a:lnSpc>
+              <a:spcBef>
+                <a:spcPts val="800"/>
+              </a:spcBef>
+              <a:buNone/>
+              <a:defRPr sz="1400"/>
             </a:lvl1pPr>
             <a:lvl2pPr marL="457200" indent="0">
               <a:buNone/>
-              <a:defRPr sz="1400"/>
+              <a:defRPr sz="1200"/>
             </a:lvl2pPr>
             <a:lvl3pPr marL="914400" indent="0">
               <a:buNone/>
-              <a:defRPr sz="1200"/>
+              <a:defRPr sz="1000"/>
             </a:lvl3pPr>
             <a:lvl4pPr marL="1371600" indent="0">
               <a:buNone/>
-              <a:defRPr sz="1000"/>
+              <a:defRPr sz="900"/>
             </a:lvl4pPr>
             <a:lvl5pPr marL="1828800" indent="0">
               <a:buNone/>
-              <a:defRPr sz="1000"/>
+              <a:defRPr sz="900"/>
             </a:lvl5pPr>
             <a:lvl6pPr marL="2286000" indent="0">
               <a:buNone/>
-              <a:defRPr sz="1000"/>
+              <a:defRPr sz="900"/>
             </a:lvl6pPr>
             <a:lvl7pPr marL="2743200" indent="0">
               <a:buNone/>
-              <a:defRPr sz="1000"/>
+              <a:defRPr sz="900"/>
             </a:lvl7pPr>
             <a:lvl8pPr marL="3200400" indent="0">
               <a:buNone/>
-              <a:defRPr sz="1000"/>
+              <a:defRPr sz="900"/>
             </a:lvl8pPr>
             <a:lvl9pPr marL="3657600" indent="0">
               <a:buNone/>
-              <a:defRPr sz="1000"/>
+              <a:defRPr sz="900"/>
             </a:lvl9pPr>
           </a:lstStyle>
           <a:p>
@@ -2359,13 +2393,7 @@
       </p:sp>
       <p:sp>
         <p:nvSpPr>
-          <p:cNvPr id="5" name="Date Placeholder 4">
-            <a:extLst>
-              <a:ext uri="{FF2B5EF4-FFF2-40B4-BE49-F238E27FC236}">
-                <a16:creationId xmlns:a16="http://schemas.microsoft.com/office/drawing/2014/main" id="{45095E0A-CAA0-3610-2F4C-F0DCCC6335DA}"/>
-              </a:ext>
-            </a:extLst>
-          </p:cNvPr>
+          <p:cNvPr id="5" name="Date Placeholder 4"/>
           <p:cNvSpPr>
             <a:spLocks noGrp="1"/>
           </p:cNvSpPr>
@@ -2380,7 +2408,7 @@
           <a:p>
             <a:fld id="{764675DE-062B-4BC9-A068-27E8DFC528FB}" type="datetimeFigureOut">
               <a:rPr lang="en-US" smtClean="0"/>
-              <a:t>3/28/2024</a:t>
+              <a:t>3/29/2024</a:t>
             </a:fld>
             <a:endParaRPr lang="en-US"/>
           </a:p>
@@ -2388,13 +2416,7 @@
       </p:sp>
       <p:sp>
         <p:nvSpPr>
-          <p:cNvPr id="6" name="Footer Placeholder 5">
-            <a:extLst>
-              <a:ext uri="{FF2B5EF4-FFF2-40B4-BE49-F238E27FC236}">
-                <a16:creationId xmlns:a16="http://schemas.microsoft.com/office/drawing/2014/main" id="{16669C4F-CA40-40ED-5DCA-5E3738EC8CFE}"/>
-              </a:ext>
-            </a:extLst>
-          </p:cNvPr>
+          <p:cNvPr id="6" name="Footer Placeholder 5"/>
           <p:cNvSpPr>
             <a:spLocks noGrp="1"/>
           </p:cNvSpPr>
@@ -2413,13 +2435,7 @@
       </p:sp>
       <p:sp>
         <p:nvSpPr>
-          <p:cNvPr id="7" name="Slide Number Placeholder 6">
-            <a:extLst>
-              <a:ext uri="{FF2B5EF4-FFF2-40B4-BE49-F238E27FC236}">
-                <a16:creationId xmlns:a16="http://schemas.microsoft.com/office/drawing/2014/main" id="{4BD477B7-F929-95C4-3B9C-B920629BFD35}"/>
-              </a:ext>
-            </a:extLst>
-          </p:cNvPr>
+          <p:cNvPr id="7" name="Slide Number Placeholder 6"/>
           <p:cNvSpPr>
             <a:spLocks noGrp="1"/>
           </p:cNvSpPr>
@@ -2443,7 +2459,7 @@
     </p:spTree>
     <p:extLst>
       <p:ext uri="{BB962C8B-B14F-4D97-AF65-F5344CB8AC3E}">
-        <p14:creationId xmlns:p14="http://schemas.microsoft.com/office/powerpoint/2010/main" val="3354938465"/>
+        <p14:creationId xmlns:p14="http://schemas.microsoft.com/office/powerpoint/2010/main" val="312706903"/>
       </p:ext>
     </p:extLst>
   </p:cSld>
@@ -2472,31 +2488,71 @@
       </p:grpSpPr>
       <p:sp>
         <p:nvSpPr>
-          <p:cNvPr id="2" name="Title 1">
-            <a:extLst>
-              <a:ext uri="{FF2B5EF4-FFF2-40B4-BE49-F238E27FC236}">
-                <a16:creationId xmlns:a16="http://schemas.microsoft.com/office/drawing/2014/main" id="{E96CC28B-383C-4216-AD48-225DF3A610EE}"/>
-              </a:ext>
-            </a:extLst>
-          </p:cNvPr>
-          <p:cNvSpPr>
-            <a:spLocks noGrp="1"/>
-          </p:cNvSpPr>
-          <p:nvPr>
-            <p:ph type="title"/>
-          </p:nvPr>
+          <p:cNvPr id="8" name="Rectangle 7"/>
+          <p:cNvSpPr/>
+          <p:nvPr/>
         </p:nvSpPr>
         <p:spPr>
           <a:xfrm>
-            <a:off x="839788" y="457200"/>
-            <a:ext cx="3932237" cy="1600200"/>
+            <a:off x="0" y="5105400"/>
+            <a:ext cx="11292840" cy="1752600"/>
+          </a:xfrm>
+          <a:prstGeom prst="rect">
+            <a:avLst/>
+          </a:prstGeom>
+          <a:solidFill>
+            <a:schemeClr val="accent1">
+              <a:lumMod val="75000"/>
+            </a:schemeClr>
+          </a:solidFill>
+          <a:ln>
+            <a:noFill/>
+          </a:ln>
+        </p:spPr>
+        <p:style>
+          <a:lnRef idx="2">
+            <a:schemeClr val="accent1">
+              <a:shade val="50000"/>
+            </a:schemeClr>
+          </a:lnRef>
+          <a:fillRef idx="1">
+            <a:schemeClr val="accent1"/>
+          </a:fillRef>
+          <a:effectRef idx="0">
+            <a:schemeClr val="accent1"/>
+          </a:effectRef>
+          <a:fontRef idx="minor">
+            <a:schemeClr val="lt1"/>
+          </a:fontRef>
+        </p:style>
+      </p:sp>
+      <p:sp>
+        <p:nvSpPr>
+          <p:cNvPr id="2" name="Title 1"/>
+          <p:cNvSpPr>
+            <a:spLocks noGrp="1"/>
+          </p:cNvSpPr>
+          <p:nvPr>
+            <p:ph type="title"/>
+          </p:nvPr>
+        </p:nvSpPr>
+        <p:spPr>
+          <a:xfrm>
+            <a:off x="914400" y="5257800"/>
+            <a:ext cx="9982200" cy="914400"/>
           </a:xfrm>
         </p:spPr>
         <p:txBody>
-          <a:bodyPr anchor="b"/>
+          <a:bodyPr anchor="b">
+            <a:normAutofit/>
+          </a:bodyPr>
           <a:lstStyle>
             <a:lvl1pPr>
-              <a:defRPr sz="3200"/>
+              <a:defRPr sz="2800" b="1">
+                <a:solidFill>
+                  <a:srgbClr val="FFFFFF"/>
+                </a:solidFill>
+              </a:defRPr>
             </a:lvl1pPr>
           </a:lstStyle>
           <a:p>
@@ -2504,20 +2560,15 @@
               <a:rPr lang="en-US"/>
               <a:t>Click to edit Master title style</a:t>
             </a:r>
-          </a:p>
-        </p:txBody>
-      </p:sp>
-      <p:sp>
-        <p:nvSpPr>
-          <p:cNvPr id="3" name="Picture Placeholder 2">
-            <a:extLst>
-              <a:ext uri="{FF2B5EF4-FFF2-40B4-BE49-F238E27FC236}">
-                <a16:creationId xmlns:a16="http://schemas.microsoft.com/office/drawing/2014/main" id="{8ECA7CBD-FC5C-8E68-2724-0FEC5680976F}"/>
-              </a:ext>
-            </a:extLst>
-          </p:cNvPr>
-          <p:cNvSpPr>
-            <a:spLocks noGrp="1"/>
+            <a:endParaRPr lang="en-US" dirty="0"/>
+          </a:p>
+        </p:txBody>
+      </p:sp>
+      <p:sp>
+        <p:nvSpPr>
+          <p:cNvPr id="3" name="Picture Placeholder 2"/>
+          <p:cNvSpPr>
+            <a:spLocks noGrp="1" noChangeAspect="1"/>
           </p:cNvSpPr>
           <p:nvPr>
             <p:ph type="pic" idx="1"/>
@@ -2525,12 +2576,12 @@
         </p:nvSpPr>
         <p:spPr>
           <a:xfrm>
-            <a:off x="5183188" y="987425"/>
-            <a:ext cx="6172200" cy="4873625"/>
+            <a:off x="0" y="0"/>
+            <a:ext cx="11292840" cy="5128923"/>
           </a:xfrm>
         </p:spPr>
         <p:txBody>
-          <a:bodyPr/>
+          <a:bodyPr anchor="t"/>
           <a:lstStyle>
             <a:lvl1pPr marL="0" indent="0">
               <a:buNone/>
@@ -2570,19 +2621,17 @@
             </a:lvl9pPr>
           </a:lstStyle>
           <a:p>
-            <a:endParaRPr lang="en-US"/>
-          </a:p>
-        </p:txBody>
-      </p:sp>
-      <p:sp>
-        <p:nvSpPr>
-          <p:cNvPr id="4" name="Text Placeholder 3">
-            <a:extLst>
-              <a:ext uri="{FF2B5EF4-FFF2-40B4-BE49-F238E27FC236}">
-                <a16:creationId xmlns:a16="http://schemas.microsoft.com/office/drawing/2014/main" id="{7334E3B2-64D2-EC01-C17B-0FFC96B977A9}"/>
-              </a:ext>
-            </a:extLst>
-          </p:cNvPr>
+            <a:r>
+              <a:rPr lang="en-US"/>
+              <a:t>Click icon to add picture</a:t>
+            </a:r>
+            <a:endParaRPr lang="en-US" dirty="0"/>
+          </a:p>
+        </p:txBody>
+      </p:sp>
+      <p:sp>
+        <p:nvSpPr>
+          <p:cNvPr id="4" name="Text Placeholder 3"/>
           <p:cNvSpPr>
             <a:spLocks noGrp="1"/>
           </p:cNvSpPr>
@@ -2592,48 +2641,63 @@
         </p:nvSpPr>
         <p:spPr>
           <a:xfrm>
-            <a:off x="839788" y="2057400"/>
-            <a:ext cx="3932237" cy="3811588"/>
+            <a:off x="914400" y="6108589"/>
+            <a:ext cx="9982200" cy="597011"/>
           </a:xfrm>
         </p:spPr>
         <p:txBody>
-          <a:bodyPr/>
+          <a:bodyPr>
+            <a:normAutofit/>
+          </a:bodyPr>
           <a:lstStyle>
             <a:lvl1pPr marL="0" indent="0">
-              <a:buNone/>
-              <a:defRPr sz="1600"/>
+              <a:lnSpc>
+                <a:spcPct val="100000"/>
+              </a:lnSpc>
+              <a:spcBef>
+                <a:spcPts val="800"/>
+              </a:spcBef>
+              <a:buNone/>
+              <a:defRPr sz="1400">
+                <a:solidFill>
+                  <a:schemeClr val="accent1">
+                    <a:lumMod val="20000"/>
+                    <a:lumOff val="80000"/>
+                  </a:schemeClr>
+                </a:solidFill>
+              </a:defRPr>
             </a:lvl1pPr>
             <a:lvl2pPr marL="457200" indent="0">
               <a:buNone/>
-              <a:defRPr sz="1400"/>
+              <a:defRPr sz="1200"/>
             </a:lvl2pPr>
             <a:lvl3pPr marL="914400" indent="0">
               <a:buNone/>
-              <a:defRPr sz="1200"/>
+              <a:defRPr sz="1000"/>
             </a:lvl3pPr>
             <a:lvl4pPr marL="1371600" indent="0">
               <a:buNone/>
-              <a:defRPr sz="1000"/>
+              <a:defRPr sz="900"/>
             </a:lvl4pPr>
             <a:lvl5pPr marL="1828800" indent="0">
               <a:buNone/>
-              <a:defRPr sz="1000"/>
+              <a:defRPr sz="900"/>
             </a:lvl5pPr>
             <a:lvl6pPr marL="2286000" indent="0">
               <a:buNone/>
-              <a:defRPr sz="1000"/>
+              <a:defRPr sz="900"/>
             </a:lvl6pPr>
             <a:lvl7pPr marL="2743200" indent="0">
               <a:buNone/>
-              <a:defRPr sz="1000"/>
+              <a:defRPr sz="900"/>
             </a:lvl7pPr>
             <a:lvl8pPr marL="3200400" indent="0">
               <a:buNone/>
-              <a:defRPr sz="1000"/>
+              <a:defRPr sz="900"/>
             </a:lvl8pPr>
             <a:lvl9pPr marL="3657600" indent="0">
               <a:buNone/>
-              <a:defRPr sz="1000"/>
+              <a:defRPr sz="900"/>
             </a:lvl9pPr>
           </a:lstStyle>
           <a:p>
@@ -2647,13 +2711,7 @@
       </p:sp>
       <p:sp>
         <p:nvSpPr>
-          <p:cNvPr id="5" name="Date Placeholder 4">
-            <a:extLst>
-              <a:ext uri="{FF2B5EF4-FFF2-40B4-BE49-F238E27FC236}">
-                <a16:creationId xmlns:a16="http://schemas.microsoft.com/office/drawing/2014/main" id="{C64349E2-6D1B-6C45-7824-951E977B19CA}"/>
-              </a:ext>
-            </a:extLst>
-          </p:cNvPr>
+          <p:cNvPr id="5" name="Date Placeholder 4"/>
           <p:cNvSpPr>
             <a:spLocks noGrp="1"/>
           </p:cNvSpPr>
@@ -2668,7 +2726,7 @@
           <a:p>
             <a:fld id="{764675DE-062B-4BC9-A068-27E8DFC528FB}" type="datetimeFigureOut">
               <a:rPr lang="en-US" smtClean="0"/>
-              <a:t>3/28/2024</a:t>
+              <a:t>3/29/2024</a:t>
             </a:fld>
             <a:endParaRPr lang="en-US"/>
           </a:p>
@@ -2676,13 +2734,7 @@
       </p:sp>
       <p:sp>
         <p:nvSpPr>
-          <p:cNvPr id="6" name="Footer Placeholder 5">
-            <a:extLst>
-              <a:ext uri="{FF2B5EF4-FFF2-40B4-BE49-F238E27FC236}">
-                <a16:creationId xmlns:a16="http://schemas.microsoft.com/office/drawing/2014/main" id="{34F3C09B-B502-A15D-A97F-2C95279F4979}"/>
-              </a:ext>
-            </a:extLst>
-          </p:cNvPr>
+          <p:cNvPr id="6" name="Footer Placeholder 5"/>
           <p:cNvSpPr>
             <a:spLocks noGrp="1"/>
           </p:cNvSpPr>
@@ -2701,13 +2753,7 @@
       </p:sp>
       <p:sp>
         <p:nvSpPr>
-          <p:cNvPr id="7" name="Slide Number Placeholder 6">
-            <a:extLst>
-              <a:ext uri="{FF2B5EF4-FFF2-40B4-BE49-F238E27FC236}">
-                <a16:creationId xmlns:a16="http://schemas.microsoft.com/office/drawing/2014/main" id="{4B9CE38E-AF04-79B9-53AC-11389638D402}"/>
-              </a:ext>
-            </a:extLst>
-          </p:cNvPr>
+          <p:cNvPr id="7" name="Slide Number Placeholder 6"/>
           <p:cNvSpPr>
             <a:spLocks noGrp="1"/>
           </p:cNvSpPr>
@@ -2731,7 +2777,7 @@
     </p:spTree>
     <p:extLst>
       <p:ext uri="{BB962C8B-B14F-4D97-AF65-F5344CB8AC3E}">
-        <p14:creationId xmlns:p14="http://schemas.microsoft.com/office/powerpoint/2010/main" val="3439461093"/>
+        <p14:creationId xmlns:p14="http://schemas.microsoft.com/office/powerpoint/2010/main" val="1694293576"/>
       </p:ext>
     </p:extLst>
   </p:cSld>
@@ -2765,31 +2811,63 @@
       </p:grpSpPr>
       <p:sp>
         <p:nvSpPr>
-          <p:cNvPr id="2" name="Title Placeholder 1">
-            <a:extLst>
-              <a:ext uri="{FF2B5EF4-FFF2-40B4-BE49-F238E27FC236}">
-                <a16:creationId xmlns:a16="http://schemas.microsoft.com/office/drawing/2014/main" id="{3A26CD8D-9CED-5AE7-7245-A6F877A1F8D1}"/>
-              </a:ext>
-            </a:extLst>
-          </p:cNvPr>
-          <p:cNvSpPr>
-            <a:spLocks noGrp="1"/>
-          </p:cNvSpPr>
-          <p:nvPr>
-            <p:ph type="title"/>
-          </p:nvPr>
+          <p:cNvPr id="7" name="Rectangle 6"/>
+          <p:cNvSpPr/>
+          <p:nvPr/>
         </p:nvSpPr>
         <p:spPr>
           <a:xfrm>
-            <a:off x="838200" y="365125"/>
-            <a:ext cx="10515600" cy="1325563"/>
+            <a:off x="11292840" y="0"/>
+            <a:ext cx="914400" cy="6858000"/>
+          </a:xfrm>
+          <a:prstGeom prst="rect">
+            <a:avLst/>
+          </a:prstGeom>
+          <a:solidFill>
+            <a:schemeClr val="tx2"/>
+          </a:solidFill>
+          <a:ln>
+            <a:noFill/>
+          </a:ln>
+        </p:spPr>
+        <p:style>
+          <a:lnRef idx="2">
+            <a:schemeClr val="accent1">
+              <a:shade val="50000"/>
+            </a:schemeClr>
+          </a:lnRef>
+          <a:fillRef idx="1">
+            <a:schemeClr val="accent1"/>
+          </a:fillRef>
+          <a:effectRef idx="0">
+            <a:schemeClr val="accent1"/>
+          </a:effectRef>
+          <a:fontRef idx="minor">
+            <a:schemeClr val="lt1"/>
+          </a:fontRef>
+        </p:style>
+      </p:sp>
+      <p:sp>
+        <p:nvSpPr>
+          <p:cNvPr id="2" name="Title Placeholder 1"/>
+          <p:cNvSpPr>
+            <a:spLocks noGrp="1"/>
+          </p:cNvSpPr>
+          <p:nvPr>
+            <p:ph type="title"/>
+          </p:nvPr>
+        </p:nvSpPr>
+        <p:spPr>
+          <a:xfrm>
+            <a:off x="1261872" y="262393"/>
+            <a:ext cx="9692640" cy="1428929"/>
           </a:xfrm>
           <a:prstGeom prst="rect">
             <a:avLst/>
           </a:prstGeom>
         </p:spPr>
         <p:txBody>
-          <a:bodyPr vert="horz" lIns="91440" tIns="45720" rIns="91440" bIns="45720" rtlCol="0" anchor="ctr">
+          <a:bodyPr vert="horz" lIns="91440" tIns="27432" rIns="91440" bIns="45720" rtlCol="0" anchor="b">
             <a:normAutofit/>
           </a:bodyPr>
           <a:lstStyle/>
@@ -2798,18 +2876,13 @@
               <a:rPr lang="en-US"/>
               <a:t>Click to edit Master title style</a:t>
             </a:r>
-          </a:p>
-        </p:txBody>
-      </p:sp>
-      <p:sp>
-        <p:nvSpPr>
-          <p:cNvPr id="3" name="Text Placeholder 2">
-            <a:extLst>
-              <a:ext uri="{FF2B5EF4-FFF2-40B4-BE49-F238E27FC236}">
-                <a16:creationId xmlns:a16="http://schemas.microsoft.com/office/drawing/2014/main" id="{CA2DDB43-24EE-C78E-AF5C-F7DACA256C9E}"/>
-              </a:ext>
-            </a:extLst>
-          </p:cNvPr>
+            <a:endParaRPr lang="en-US" dirty="0"/>
+          </a:p>
+        </p:txBody>
+      </p:sp>
+      <p:sp>
+        <p:nvSpPr>
+          <p:cNvPr id="3" name="Text Placeholder 2"/>
           <p:cNvSpPr>
             <a:spLocks noGrp="1"/>
           </p:cNvSpPr>
@@ -2819,8 +2892,8 @@
         </p:nvSpPr>
         <p:spPr>
           <a:xfrm>
-            <a:off x="838200" y="1825625"/>
-            <a:ext cx="10515600" cy="4351338"/>
+            <a:off x="1261872" y="1828800"/>
+            <a:ext cx="8595360" cy="4351337"/>
           </a:xfrm>
           <a:prstGeom prst="rect">
             <a:avLst/>
@@ -2865,18 +2938,13 @@
               <a:rPr lang="en-US"/>
               <a:t>Fifth level</a:t>
             </a:r>
-          </a:p>
-        </p:txBody>
-      </p:sp>
-      <p:sp>
-        <p:nvSpPr>
-          <p:cNvPr id="4" name="Date Placeholder 3">
-            <a:extLst>
-              <a:ext uri="{FF2B5EF4-FFF2-40B4-BE49-F238E27FC236}">
-                <a16:creationId xmlns:a16="http://schemas.microsoft.com/office/drawing/2014/main" id="{05560778-6524-16E0-7F13-048115F8EBA1}"/>
-              </a:ext>
-            </a:extLst>
-          </p:cNvPr>
+            <a:endParaRPr lang="en-US" dirty="0"/>
+          </a:p>
+        </p:txBody>
+      </p:sp>
+      <p:sp>
+        <p:nvSpPr>
+          <p:cNvPr id="4" name="Date Placeholder 3"/>
           <p:cNvSpPr>
             <a:spLocks noGrp="1"/>
           </p:cNvSpPr>
@@ -2885,9 +2953,9 @@
           </p:nvPr>
         </p:nvSpPr>
         <p:spPr>
-          <a:xfrm>
-            <a:off x="838200" y="6356350"/>
-            <a:ext cx="2743200" cy="365125"/>
+          <a:xfrm rot="16200000">
+            <a:off x="10797542" y="998537"/>
+            <a:ext cx="1904999" cy="365125"/>
           </a:xfrm>
           <a:prstGeom prst="rect">
             <a:avLst/>
@@ -2896,11 +2964,12 @@
         <p:txBody>
           <a:bodyPr vert="horz" lIns="91440" tIns="45720" rIns="91440" bIns="45720" rtlCol="0" anchor="ctr"/>
           <a:lstStyle>
-            <a:lvl1pPr algn="l">
-              <a:defRPr sz="1200">
+            <a:lvl1pPr algn="r">
+              <a:defRPr sz="1100" b="0">
                 <a:solidFill>
-                  <a:schemeClr val="tx1">
-                    <a:tint val="75000"/>
+                  <a:schemeClr val="tx2">
+                    <a:lumMod val="40000"/>
+                    <a:lumOff val="60000"/>
                   </a:schemeClr>
                 </a:solidFill>
               </a:defRPr>
@@ -2909,7 +2978,7 @@
           <a:p>
             <a:fld id="{764675DE-062B-4BC9-A068-27E8DFC528FB}" type="datetimeFigureOut">
               <a:rPr lang="en-US" smtClean="0"/>
-              <a:t>3/28/2024</a:t>
+              <a:t>3/29/2024</a:t>
             </a:fld>
             <a:endParaRPr lang="en-US"/>
           </a:p>
@@ -2917,13 +2986,7 @@
       </p:sp>
       <p:sp>
         <p:nvSpPr>
-          <p:cNvPr id="5" name="Footer Placeholder 4">
-            <a:extLst>
-              <a:ext uri="{FF2B5EF4-FFF2-40B4-BE49-F238E27FC236}">
-                <a16:creationId xmlns:a16="http://schemas.microsoft.com/office/drawing/2014/main" id="{36578CA1-4EBA-5DFD-16C3-9D1FE8990672}"/>
-              </a:ext>
-            </a:extLst>
-          </p:cNvPr>
+          <p:cNvPr id="5" name="Footer Placeholder 4"/>
           <p:cNvSpPr>
             <a:spLocks noGrp="1"/>
           </p:cNvSpPr>
@@ -2932,9 +2995,9 @@
           </p:nvPr>
         </p:nvSpPr>
         <p:spPr>
-          <a:xfrm>
-            <a:off x="4038600" y="6356350"/>
-            <a:ext cx="4114800" cy="365125"/>
+          <a:xfrm rot="16200000">
+            <a:off x="9959341" y="4046537"/>
+            <a:ext cx="3581400" cy="365125"/>
           </a:xfrm>
           <a:prstGeom prst="rect">
             <a:avLst/>
@@ -2943,11 +3006,12 @@
         <p:txBody>
           <a:bodyPr vert="horz" lIns="91440" tIns="45720" rIns="91440" bIns="45720" rtlCol="0" anchor="ctr"/>
           <a:lstStyle>
-            <a:lvl1pPr algn="ctr">
-              <a:defRPr sz="1200">
+            <a:lvl1pPr algn="l">
+              <a:defRPr sz="1100">
                 <a:solidFill>
-                  <a:schemeClr val="tx1">
-                    <a:tint val="75000"/>
+                  <a:schemeClr val="tx2">
+                    <a:lumMod val="40000"/>
+                    <a:lumOff val="60000"/>
                   </a:schemeClr>
                 </a:solidFill>
               </a:defRPr>
@@ -2960,13 +3024,7 @@
       </p:sp>
       <p:sp>
         <p:nvSpPr>
-          <p:cNvPr id="6" name="Slide Number Placeholder 5">
-            <a:extLst>
-              <a:ext uri="{FF2B5EF4-FFF2-40B4-BE49-F238E27FC236}">
-                <a16:creationId xmlns:a16="http://schemas.microsoft.com/office/drawing/2014/main" id="{42CAE220-19F1-3668-A29C-4C013BB49D84}"/>
-              </a:ext>
-            </a:extLst>
-          </p:cNvPr>
+          <p:cNvPr id="6" name="Slide Number Placeholder 5"/>
           <p:cNvSpPr>
             <a:spLocks noGrp="1"/>
           </p:cNvSpPr>
@@ -2976,23 +3034,27 @@
         </p:nvSpPr>
         <p:spPr>
           <a:xfrm>
-            <a:off x="8610600" y="6356350"/>
-            <a:ext cx="2743200" cy="365125"/>
+            <a:off x="11292840" y="6172200"/>
+            <a:ext cx="914400" cy="593725"/>
           </a:xfrm>
           <a:prstGeom prst="rect">
             <a:avLst/>
           </a:prstGeom>
         </p:spPr>
         <p:txBody>
-          <a:bodyPr vert="horz" lIns="91440" tIns="45720" rIns="91440" bIns="45720" rtlCol="0" anchor="ctr"/>
+          <a:bodyPr vert="horz" lIns="45720" tIns="45720" rIns="45720" bIns="45720" rtlCol="0" anchor="ctr">
+            <a:normAutofit/>
+          </a:bodyPr>
           <a:lstStyle>
-            <a:lvl1pPr algn="r">
-              <a:defRPr sz="1200">
+            <a:lvl1pPr algn="ctr">
+              <a:defRPr sz="3600">
                 <a:solidFill>
-                  <a:schemeClr val="tx1">
-                    <a:tint val="75000"/>
+                  <a:schemeClr val="tx2">
+                    <a:lumMod val="60000"/>
+                    <a:lumOff val="40000"/>
                   </a:schemeClr>
                 </a:solidFill>
+                <a:latin typeface="+mj-lt"/>
               </a:defRPr>
             </a:lvl1pPr>
           </a:lstStyle>
@@ -3008,23 +3070,23 @@
     </p:spTree>
     <p:extLst>
       <p:ext uri="{BB962C8B-B14F-4D97-AF65-F5344CB8AC3E}">
-        <p14:creationId xmlns:p14="http://schemas.microsoft.com/office/powerpoint/2010/main" val="92118170"/>
+        <p14:creationId xmlns:p14="http://schemas.microsoft.com/office/powerpoint/2010/main" val="18449217"/>
       </p:ext>
     </p:extLst>
   </p:cSld>
   <p:clrMap bg1="lt1" tx1="dk1" bg2="lt2" tx2="dk2" accent1="accent1" accent2="accent2" accent3="accent3" accent4="accent4" accent5="accent5" accent6="accent6" hlink="hlink" folHlink="folHlink"/>
   <p:sldLayoutIdLst>
-    <p:sldLayoutId id="2147483649" r:id="rId1"/>
-    <p:sldLayoutId id="2147483650" r:id="rId2"/>
-    <p:sldLayoutId id="2147483651" r:id="rId3"/>
-    <p:sldLayoutId id="2147483652" r:id="rId4"/>
-    <p:sldLayoutId id="2147483653" r:id="rId5"/>
-    <p:sldLayoutId id="2147483654" r:id="rId6"/>
-    <p:sldLayoutId id="2147483655" r:id="rId7"/>
-    <p:sldLayoutId id="2147483656" r:id="rId8"/>
-    <p:sldLayoutId id="2147483657" r:id="rId9"/>
-    <p:sldLayoutId id="2147483658" r:id="rId10"/>
-    <p:sldLayoutId id="2147483659" r:id="rId11"/>
+    <p:sldLayoutId id="2147483673" r:id="rId1"/>
+    <p:sldLayoutId id="2147483674" r:id="rId2"/>
+    <p:sldLayoutId id="2147483675" r:id="rId3"/>
+    <p:sldLayoutId id="2147483676" r:id="rId4"/>
+    <p:sldLayoutId id="2147483677" r:id="rId5"/>
+    <p:sldLayoutId id="2147483678" r:id="rId6"/>
+    <p:sldLayoutId id="2147483679" r:id="rId7"/>
+    <p:sldLayoutId id="2147483680" r:id="rId8"/>
+    <p:sldLayoutId id="2147483681" r:id="rId9"/>
+    <p:sldLayoutId id="2147483682" r:id="rId10"/>
+    <p:sldLayoutId id="2147483683" r:id="rId11"/>
   </p:sldLayoutIdLst>
   <p:txStyles>
     <p:titleStyle>
@@ -3036,9 +3098,9 @@
           <a:spcPct val="0"/>
         </a:spcBef>
         <a:buNone/>
-        <a:defRPr sz="4400" kern="1200">
+        <a:defRPr sz="4400" b="1" kern="1200" spc="-50" baseline="0">
           <a:solidFill>
-            <a:schemeClr val="tx1"/>
+            <a:schemeClr val="accent1"/>
           </a:solidFill>
           <a:latin typeface="+mj-lt"/>
           <a:ea typeface="+mj-ea"/>
@@ -3047,162 +3109,244 @@
       </a:lvl1pPr>
     </p:titleStyle>
     <p:bodyStyle>
-      <a:lvl1pPr marL="228600" indent="-228600" algn="l" defTabSz="914400" rtl="0" eaLnBrk="1" latinLnBrk="0" hangingPunct="1">
+      <a:lvl1pPr marL="182880" indent="-182880" algn="l" defTabSz="914400" rtl="0" eaLnBrk="1" latinLnBrk="0" hangingPunct="1">
         <a:lnSpc>
-          <a:spcPct val="90000"/>
+          <a:spcPct val="95000"/>
         </a:lnSpc>
         <a:spcBef>
-          <a:spcPts val="1000"/>
+          <a:spcPts val="1400"/>
         </a:spcBef>
-        <a:buFont typeface="Arial" panose="020B0604020202020204" pitchFamily="34" charset="0"/>
+        <a:spcAft>
+          <a:spcPts val="200"/>
+        </a:spcAft>
+        <a:buClr>
+          <a:schemeClr val="accent1"/>
+        </a:buClr>
+        <a:buSzPct val="80000"/>
+        <a:buFont typeface="Arial" pitchFamily="34" charset="0"/>
         <a:buChar char="•"/>
-        <a:defRPr sz="2800" kern="1200">
+        <a:defRPr sz="2000" kern="1200" spc="10" baseline="0">
           <a:solidFill>
-            <a:schemeClr val="tx1"/>
+            <a:schemeClr val="tx1">
+              <a:lumMod val="65000"/>
+              <a:lumOff val="35000"/>
+            </a:schemeClr>
           </a:solidFill>
           <a:latin typeface="+mn-lt"/>
           <a:ea typeface="+mn-ea"/>
           <a:cs typeface="+mn-cs"/>
         </a:defRPr>
       </a:lvl1pPr>
-      <a:lvl2pPr marL="685800" indent="-228600" algn="l" defTabSz="914400" rtl="0" eaLnBrk="1" latinLnBrk="0" hangingPunct="1">
+      <a:lvl2pPr marL="457200" indent="-182880" algn="l" defTabSz="914400" rtl="0" eaLnBrk="1" latinLnBrk="0" hangingPunct="1">
         <a:lnSpc>
           <a:spcPct val="90000"/>
         </a:lnSpc>
         <a:spcBef>
-          <a:spcPts val="500"/>
+          <a:spcPts val="300"/>
         </a:spcBef>
-        <a:buFont typeface="Arial" panose="020B0604020202020204" pitchFamily="34" charset="0"/>
-        <a:buChar char="•"/>
-        <a:defRPr sz="2400" kern="1200">
+        <a:spcAft>
+          <a:spcPts val="300"/>
+        </a:spcAft>
+        <a:buClr>
+          <a:schemeClr val="accent1"/>
+        </a:buClr>
+        <a:buFont typeface="Wingdings 2" pitchFamily="18" charset="2"/>
+        <a:buChar char=""/>
+        <a:defRPr sz="1800" kern="1200">
           <a:solidFill>
-            <a:schemeClr val="tx1"/>
+            <a:schemeClr val="tx1">
+              <a:lumMod val="65000"/>
+              <a:lumOff val="35000"/>
+            </a:schemeClr>
           </a:solidFill>
           <a:latin typeface="+mn-lt"/>
           <a:ea typeface="+mn-ea"/>
           <a:cs typeface="+mn-cs"/>
         </a:defRPr>
       </a:lvl2pPr>
-      <a:lvl3pPr marL="1143000" indent="-228600" algn="l" defTabSz="914400" rtl="0" eaLnBrk="1" latinLnBrk="0" hangingPunct="1">
+      <a:lvl3pPr marL="731520" indent="-182880" algn="l" defTabSz="914400" rtl="0" eaLnBrk="1" latinLnBrk="0" hangingPunct="1">
         <a:lnSpc>
           <a:spcPct val="90000"/>
         </a:lnSpc>
         <a:spcBef>
-          <a:spcPts val="500"/>
+          <a:spcPts val="300"/>
         </a:spcBef>
-        <a:buFont typeface="Arial" panose="020B0604020202020204" pitchFamily="34" charset="0"/>
-        <a:buChar char="•"/>
-        <a:defRPr sz="2000" kern="1200">
+        <a:spcAft>
+          <a:spcPts val="300"/>
+        </a:spcAft>
+        <a:buClr>
+          <a:schemeClr val="accent1"/>
+        </a:buClr>
+        <a:buFont typeface="Wingdings 2" pitchFamily="18" charset="2"/>
+        <a:buChar char=""/>
+        <a:defRPr sz="1600" kern="1200">
           <a:solidFill>
-            <a:schemeClr val="tx1"/>
+            <a:schemeClr val="tx1">
+              <a:lumMod val="65000"/>
+              <a:lumOff val="35000"/>
+            </a:schemeClr>
           </a:solidFill>
           <a:latin typeface="+mn-lt"/>
           <a:ea typeface="+mn-ea"/>
           <a:cs typeface="+mn-cs"/>
         </a:defRPr>
       </a:lvl3pPr>
-      <a:lvl4pPr marL="1600200" indent="-228600" algn="l" defTabSz="914400" rtl="0" eaLnBrk="1" latinLnBrk="0" hangingPunct="1">
+      <a:lvl4pPr marL="1005840" indent="-182880" algn="l" defTabSz="914400" rtl="0" eaLnBrk="1" latinLnBrk="0" hangingPunct="1">
         <a:lnSpc>
           <a:spcPct val="90000"/>
         </a:lnSpc>
         <a:spcBef>
-          <a:spcPts val="500"/>
+          <a:spcPts val="300"/>
         </a:spcBef>
-        <a:buFont typeface="Arial" panose="020B0604020202020204" pitchFamily="34" charset="0"/>
-        <a:buChar char="•"/>
-        <a:defRPr sz="1800" kern="1200">
+        <a:spcAft>
+          <a:spcPts val="300"/>
+        </a:spcAft>
+        <a:buClr>
+          <a:schemeClr val="accent1"/>
+        </a:buClr>
+        <a:buFont typeface="Wingdings 2" pitchFamily="18" charset="2"/>
+        <a:buChar char=""/>
+        <a:defRPr sz="1400" kern="1200">
           <a:solidFill>
-            <a:schemeClr val="tx1"/>
+            <a:schemeClr val="tx1">
+              <a:lumMod val="65000"/>
+              <a:lumOff val="35000"/>
+            </a:schemeClr>
           </a:solidFill>
           <a:latin typeface="+mn-lt"/>
           <a:ea typeface="+mn-ea"/>
           <a:cs typeface="+mn-cs"/>
         </a:defRPr>
       </a:lvl4pPr>
-      <a:lvl5pPr marL="2057400" indent="-228600" algn="l" defTabSz="914400" rtl="0" eaLnBrk="1" latinLnBrk="0" hangingPunct="1">
+      <a:lvl5pPr marL="1280160" indent="-182880" algn="l" defTabSz="914400" rtl="0" eaLnBrk="1" latinLnBrk="0" hangingPunct="1">
         <a:lnSpc>
           <a:spcPct val="90000"/>
         </a:lnSpc>
         <a:spcBef>
-          <a:spcPts val="500"/>
+          <a:spcPts val="300"/>
         </a:spcBef>
-        <a:buFont typeface="Arial" panose="020B0604020202020204" pitchFamily="34" charset="0"/>
-        <a:buChar char="•"/>
-        <a:defRPr sz="1800" kern="1200">
+        <a:spcAft>
+          <a:spcPts val="300"/>
+        </a:spcAft>
+        <a:buClr>
+          <a:schemeClr val="accent1"/>
+        </a:buClr>
+        <a:buFont typeface="Wingdings 2" pitchFamily="18" charset="2"/>
+        <a:buChar char=""/>
+        <a:defRPr sz="1400" kern="1200">
           <a:solidFill>
-            <a:schemeClr val="tx1"/>
+            <a:schemeClr val="tx1">
+              <a:lumMod val="65000"/>
+              <a:lumOff val="35000"/>
+            </a:schemeClr>
           </a:solidFill>
           <a:latin typeface="+mn-lt"/>
           <a:ea typeface="+mn-ea"/>
           <a:cs typeface="+mn-cs"/>
         </a:defRPr>
       </a:lvl5pPr>
-      <a:lvl6pPr marL="2514600" indent="-228600" algn="l" defTabSz="914400" rtl="0" eaLnBrk="1" latinLnBrk="0" hangingPunct="1">
+      <a:lvl6pPr marL="1600000" indent="-228600" algn="l" defTabSz="914400" rtl="0" eaLnBrk="1" latinLnBrk="0" hangingPunct="1">
         <a:lnSpc>
           <a:spcPct val="90000"/>
         </a:lnSpc>
         <a:spcBef>
-          <a:spcPts val="500"/>
+          <a:spcPts val="300"/>
         </a:spcBef>
-        <a:buFont typeface="Arial" panose="020B0604020202020204" pitchFamily="34" charset="0"/>
-        <a:buChar char="•"/>
-        <a:defRPr sz="1800" kern="1200">
+        <a:spcAft>
+          <a:spcPts val="300"/>
+        </a:spcAft>
+        <a:buClr>
+          <a:schemeClr val="accent1"/>
+        </a:buClr>
+        <a:buFont typeface="Wingdings 2" pitchFamily="18" charset="2"/>
+        <a:buChar char=""/>
+        <a:defRPr sz="1400" kern="1200">
           <a:solidFill>
-            <a:schemeClr val="tx1"/>
+            <a:schemeClr val="tx1">
+              <a:lumMod val="65000"/>
+              <a:lumOff val="35000"/>
+            </a:schemeClr>
           </a:solidFill>
           <a:latin typeface="+mn-lt"/>
           <a:ea typeface="+mn-ea"/>
           <a:cs typeface="+mn-cs"/>
         </a:defRPr>
       </a:lvl6pPr>
-      <a:lvl7pPr marL="2971800" indent="-228600" algn="l" defTabSz="914400" rtl="0" eaLnBrk="1" latinLnBrk="0" hangingPunct="1">
+      <a:lvl7pPr marL="1900000" indent="-228600" algn="l" defTabSz="914400" rtl="0" eaLnBrk="1" latinLnBrk="0" hangingPunct="1">
         <a:lnSpc>
           <a:spcPct val="90000"/>
         </a:lnSpc>
         <a:spcBef>
-          <a:spcPts val="500"/>
+          <a:spcPts val="300"/>
         </a:spcBef>
-        <a:buFont typeface="Arial" panose="020B0604020202020204" pitchFamily="34" charset="0"/>
-        <a:buChar char="•"/>
-        <a:defRPr sz="1800" kern="1200">
+        <a:spcAft>
+          <a:spcPts val="300"/>
+        </a:spcAft>
+        <a:buClr>
+          <a:schemeClr val="accent1"/>
+        </a:buClr>
+        <a:buFont typeface="Wingdings 2" pitchFamily="18" charset="2"/>
+        <a:buChar char=""/>
+        <a:defRPr sz="1400" kern="1200">
           <a:solidFill>
-            <a:schemeClr val="tx1"/>
+            <a:schemeClr val="tx1">
+              <a:lumMod val="65000"/>
+              <a:lumOff val="35000"/>
+            </a:schemeClr>
           </a:solidFill>
           <a:latin typeface="+mn-lt"/>
           <a:ea typeface="+mn-ea"/>
           <a:cs typeface="+mn-cs"/>
         </a:defRPr>
       </a:lvl7pPr>
-      <a:lvl8pPr marL="3429000" indent="-228600" algn="l" defTabSz="914400" rtl="0" eaLnBrk="1" latinLnBrk="0" hangingPunct="1">
+      <a:lvl8pPr marL="2200000" indent="-228600" algn="l" defTabSz="914400" rtl="0" eaLnBrk="1" latinLnBrk="0" hangingPunct="1">
         <a:lnSpc>
           <a:spcPct val="90000"/>
         </a:lnSpc>
         <a:spcBef>
-          <a:spcPts val="500"/>
+          <a:spcPts val="300"/>
         </a:spcBef>
-        <a:buFont typeface="Arial" panose="020B0604020202020204" pitchFamily="34" charset="0"/>
-        <a:buChar char="•"/>
-        <a:defRPr sz="1800" kern="1200">
+        <a:spcAft>
+          <a:spcPts val="300"/>
+        </a:spcAft>
+        <a:buClr>
+          <a:schemeClr val="accent1"/>
+        </a:buClr>
+        <a:buFont typeface="Wingdings 2" pitchFamily="18" charset="2"/>
+        <a:buChar char=""/>
+        <a:defRPr sz="1400" kern="1200">
           <a:solidFill>
-            <a:schemeClr val="tx1"/>
+            <a:schemeClr val="tx1">
+              <a:lumMod val="65000"/>
+              <a:lumOff val="35000"/>
+            </a:schemeClr>
           </a:solidFill>
           <a:latin typeface="+mn-lt"/>
           <a:ea typeface="+mn-ea"/>
           <a:cs typeface="+mn-cs"/>
         </a:defRPr>
       </a:lvl8pPr>
-      <a:lvl9pPr marL="3886200" indent="-228600" algn="l" defTabSz="914400" rtl="0" eaLnBrk="1" latinLnBrk="0" hangingPunct="1">
+      <a:lvl9pPr marL="2500000" indent="-228600" algn="l" defTabSz="914400" rtl="0" eaLnBrk="1" latinLnBrk="0" hangingPunct="1">
         <a:lnSpc>
           <a:spcPct val="90000"/>
         </a:lnSpc>
         <a:spcBef>
-          <a:spcPts val="500"/>
+          <a:spcPts val="300"/>
         </a:spcBef>
-        <a:buFont typeface="Arial" panose="020B0604020202020204" pitchFamily="34" charset="0"/>
-        <a:buChar char="•"/>
-        <a:defRPr sz="1800" kern="1200">
+        <a:spcAft>
+          <a:spcPts val="300"/>
+        </a:spcAft>
+        <a:buClr>
+          <a:schemeClr val="accent1"/>
+        </a:buClr>
+        <a:buFont typeface="Wingdings 2" pitchFamily="18" charset="2"/>
+        <a:buChar char=""/>
+        <a:defRPr sz="1400" kern="1200">
           <a:solidFill>
-            <a:schemeClr val="tx1"/>
+            <a:schemeClr val="tx1">
+              <a:lumMod val="65000"/>
+              <a:lumOff val="35000"/>
+            </a:schemeClr>
           </a:solidFill>
           <a:latin typeface="+mn-lt"/>
           <a:ea typeface="+mn-ea"/>
@@ -3345,20 +3489,20 @@
         <p:spPr/>
         <p:txBody>
           <a:bodyPr>
-            <a:normAutofit fontScale="90000"/>
+            <a:noAutofit/>
           </a:bodyPr>
           <a:lstStyle/>
           <a:p>
             <a:r>
-              <a:rPr lang="en-US" dirty="0"/>
+              <a:rPr lang="en-US" sz="5400" dirty="0"/>
               <a:t>The Cosmic Ultraviolet Baryon Survey (CUBS) VII: on the warm-hot </a:t>
             </a:r>
             <a:r>
-              <a:rPr lang="en-US" dirty="0" err="1"/>
+              <a:rPr lang="en-US" sz="5400" dirty="0" err="1"/>
               <a:t>circumgalactic</a:t>
             </a:r>
             <a:r>
-              <a:rPr lang="en-US" dirty="0"/>
+              <a:rPr lang="en-US" sz="5400" dirty="0"/>
               <a:t> medium probed by O VI and NE VIII at 0.4 ≲ z ≲ 0.7</a:t>
             </a:r>
           </a:p>
@@ -3380,72 +3524,79 @@
             <p:ph type="subTitle" idx="1"/>
           </p:nvPr>
         </p:nvSpPr>
-        <p:spPr/>
-        <p:txBody>
-          <a:bodyPr/>
-          <a:lstStyle/>
-          <a:p>
-            <a:r>
-              <a:rPr lang="en-US" dirty="0" err="1"/>
+        <p:spPr>
+          <a:xfrm>
+            <a:off x="1261872" y="4970285"/>
+            <a:ext cx="9418320" cy="1691640"/>
+          </a:xfrm>
+        </p:spPr>
+        <p:txBody>
+          <a:bodyPr>
+            <a:normAutofit/>
+          </a:bodyPr>
+          <a:lstStyle/>
+          <a:p>
+            <a:r>
+              <a:rPr lang="en-US" sz="2000" dirty="0" err="1"/>
               <a:t>Zhijie</a:t>
             </a:r>
             <a:r>
-              <a:rPr lang="en-US" dirty="0"/>
+              <a:rPr lang="en-US" sz="2000" dirty="0"/>
               <a:t> Qu, Hsiao-Wen Chen, Sean D. Johnson, Gwen C. </a:t>
             </a:r>
             <a:r>
-              <a:rPr lang="en-US" dirty="0" err="1"/>
+              <a:rPr lang="en-US" sz="2000" dirty="0" err="1"/>
               <a:t>Rudie</a:t>
             </a:r>
             <a:r>
-              <a:rPr lang="en-US" dirty="0"/>
+              <a:rPr lang="en-US" sz="2000" dirty="0"/>
               <a:t>, Fakhri S. </a:t>
             </a:r>
             <a:r>
-              <a:rPr lang="en-US" dirty="0" err="1"/>
+              <a:rPr lang="en-US" sz="2000" dirty="0" err="1"/>
               <a:t>Zahedy</a:t>
             </a:r>
             <a:r>
-              <a:rPr lang="en-US" dirty="0"/>
+              <a:rPr lang="en-US" sz="2000" dirty="0"/>
               <a:t>, David DePalma, Joop </a:t>
             </a:r>
             <a:r>
-              <a:rPr lang="en-US" dirty="0" err="1"/>
+              <a:rPr lang="en-US" sz="2000" dirty="0" err="1"/>
               <a:t>Schaye</a:t>
             </a:r>
             <a:r>
-              <a:rPr lang="en-US" dirty="0"/>
+              <a:rPr lang="en-US" sz="2000" dirty="0"/>
               <a:t>, Erin T. Boettcher, Sebastiano Cantalupo, Mandy C. Chen, Claude-Andre </a:t>
             </a:r>
             <a:r>
-              <a:rPr lang="en-US" dirty="0" err="1"/>
+              <a:rPr lang="en-US" sz="2000" dirty="0" err="1"/>
               <a:t>Faucher-Giguere</a:t>
             </a:r>
             <a:r>
-              <a:rPr lang="en-US" dirty="0"/>
+              <a:rPr lang="en-US" sz="2000" dirty="0"/>
               <a:t>, Jennifer I-Hsiu Li, John S. </a:t>
             </a:r>
             <a:r>
-              <a:rPr lang="en-US" dirty="0" err="1"/>
+              <a:rPr lang="en-US" sz="2000" dirty="0" err="1"/>
               <a:t>Mulchaey</a:t>
             </a:r>
             <a:r>
-              <a:rPr lang="en-US" dirty="0"/>
+              <a:rPr lang="en-US" sz="2000" dirty="0"/>
               <a:t>, Patrick </a:t>
             </a:r>
             <a:r>
-              <a:rPr lang="en-US" dirty="0" err="1"/>
+              <a:rPr lang="en-US" sz="2000" dirty="0" err="1"/>
               <a:t>Petitjean</a:t>
             </a:r>
             <a:r>
-              <a:rPr lang="en-US" dirty="0"/>
+              <a:rPr lang="en-US" sz="2000" dirty="0"/>
               <a:t>, and March </a:t>
             </a:r>
             <a:r>
-              <a:rPr lang="en-US" dirty="0" err="1"/>
+              <a:rPr lang="en-US" sz="2000" dirty="0" err="1"/>
               <a:t>Rafelski</a:t>
             </a:r>
-            <a:endParaRPr lang="en-US" dirty="0"/>
+            <a:endParaRPr lang="en-US" sz="2000" dirty="0"/>
           </a:p>
         </p:txBody>
       </p:sp>
@@ -3453,6 +3604,783 @@
     <p:extLst>
       <p:ext uri="{BB962C8B-B14F-4D97-AF65-F5344CB8AC3E}">
         <p14:creationId xmlns:p14="http://schemas.microsoft.com/office/powerpoint/2010/main" val="2575045577"/>
+      </p:ext>
+    </p:extLst>
+  </p:cSld>
+  <p:clrMapOvr>
+    <a:masterClrMapping/>
+  </p:clrMapOvr>
+</p:sld>
+</file>
+
+<file path=ppt/slides/slide10.xml><?xml version="1.0" encoding="utf-8"?>
+<p:sld xmlns:a="http://schemas.openxmlformats.org/drawingml/2006/main" xmlns:r="http://schemas.openxmlformats.org/officeDocument/2006/relationships" xmlns:p="http://schemas.openxmlformats.org/presentationml/2006/main">
+  <p:cSld>
+    <p:spTree>
+      <p:nvGrpSpPr>
+        <p:cNvPr id="1" name=""/>
+        <p:cNvGrpSpPr/>
+        <p:nvPr/>
+      </p:nvGrpSpPr>
+      <p:grpSpPr>
+        <a:xfrm>
+          <a:off x="0" y="0"/>
+          <a:ext cx="0" cy="0"/>
+          <a:chOff x="0" y="0"/>
+          <a:chExt cx="0" cy="0"/>
+        </a:xfrm>
+      </p:grpSpPr>
+      <p:sp>
+        <p:nvSpPr>
+          <p:cNvPr id="2" name="Title 1">
+            <a:extLst>
+              <a:ext uri="{FF2B5EF4-FFF2-40B4-BE49-F238E27FC236}">
+                <a16:creationId xmlns:a16="http://schemas.microsoft.com/office/drawing/2014/main" id="{73A36708-CAF6-40D5-A7DB-D03E4A7A6FC9}"/>
+              </a:ext>
+            </a:extLst>
+          </p:cNvPr>
+          <p:cNvSpPr>
+            <a:spLocks noGrp="1"/>
+          </p:cNvSpPr>
+          <p:nvPr>
+            <p:ph type="title"/>
+          </p:nvPr>
+        </p:nvSpPr>
+        <p:spPr>
+          <a:xfrm>
+            <a:off x="1261872" y="262393"/>
+            <a:ext cx="9692640" cy="774555"/>
+          </a:xfrm>
+        </p:spPr>
+        <p:txBody>
+          <a:bodyPr/>
+          <a:lstStyle/>
+          <a:p>
+            <a:r>
+              <a:rPr lang="en-US" dirty="0"/>
+              <a:t>O VI/Ne VIII Ratio</a:t>
+            </a:r>
+          </a:p>
+        </p:txBody>
+      </p:sp>
+      <p:sp>
+        <p:nvSpPr>
+          <p:cNvPr id="3" name="Content Placeholder 2">
+            <a:extLst>
+              <a:ext uri="{FF2B5EF4-FFF2-40B4-BE49-F238E27FC236}">
+                <a16:creationId xmlns:a16="http://schemas.microsoft.com/office/drawing/2014/main" id="{647059D0-8C28-51AA-49B3-5213F11B13BF}"/>
+              </a:ext>
+            </a:extLst>
+          </p:cNvPr>
+          <p:cNvSpPr>
+            <a:spLocks noGrp="1"/>
+          </p:cNvSpPr>
+          <p:nvPr>
+            <p:ph idx="1"/>
+          </p:nvPr>
+        </p:nvSpPr>
+        <p:spPr/>
+        <p:txBody>
+          <a:bodyPr/>
+          <a:lstStyle/>
+          <a:p>
+            <a:endParaRPr lang="en-US"/>
+          </a:p>
+        </p:txBody>
+      </p:sp>
+      <p:pic>
+        <p:nvPicPr>
+          <p:cNvPr id="5" name="Picture 4">
+            <a:extLst>
+              <a:ext uri="{FF2B5EF4-FFF2-40B4-BE49-F238E27FC236}">
+                <a16:creationId xmlns:a16="http://schemas.microsoft.com/office/drawing/2014/main" id="{A7B95DE9-4F14-E3E7-B113-BF3FAF26F17D}"/>
+              </a:ext>
+            </a:extLst>
+          </p:cNvPr>
+          <p:cNvPicPr>
+            <a:picLocks noChangeAspect="1"/>
+          </p:cNvPicPr>
+          <p:nvPr/>
+        </p:nvPicPr>
+        <p:blipFill>
+          <a:blip r:embed="rId2"/>
+          <a:stretch>
+            <a:fillRect/>
+          </a:stretch>
+        </p:blipFill>
+        <p:spPr>
+          <a:xfrm>
+            <a:off x="199228" y="1234910"/>
+            <a:ext cx="10730900" cy="5360697"/>
+          </a:xfrm>
+          <a:prstGeom prst="rect">
+            <a:avLst/>
+          </a:prstGeom>
+        </p:spPr>
+      </p:pic>
+    </p:spTree>
+    <p:extLst>
+      <p:ext uri="{BB962C8B-B14F-4D97-AF65-F5344CB8AC3E}">
+        <p14:creationId xmlns:p14="http://schemas.microsoft.com/office/powerpoint/2010/main" val="4259199925"/>
+      </p:ext>
+    </p:extLst>
+  </p:cSld>
+  <p:clrMapOvr>
+    <a:masterClrMapping/>
+  </p:clrMapOvr>
+</p:sld>
+</file>
+
+<file path=ppt/slides/slide11.xml><?xml version="1.0" encoding="utf-8"?>
+<p:sld xmlns:a="http://schemas.openxmlformats.org/drawingml/2006/main" xmlns:r="http://schemas.openxmlformats.org/officeDocument/2006/relationships" xmlns:p="http://schemas.openxmlformats.org/presentationml/2006/main">
+  <p:cSld>
+    <p:spTree>
+      <p:nvGrpSpPr>
+        <p:cNvPr id="1" name=""/>
+        <p:cNvGrpSpPr/>
+        <p:nvPr/>
+      </p:nvGrpSpPr>
+      <p:grpSpPr>
+        <a:xfrm>
+          <a:off x="0" y="0"/>
+          <a:ext cx="0" cy="0"/>
+          <a:chOff x="0" y="0"/>
+          <a:chExt cx="0" cy="0"/>
+        </a:xfrm>
+      </p:grpSpPr>
+      <p:sp>
+        <p:nvSpPr>
+          <p:cNvPr id="2" name="Title 1">
+            <a:extLst>
+              <a:ext uri="{FF2B5EF4-FFF2-40B4-BE49-F238E27FC236}">
+                <a16:creationId xmlns:a16="http://schemas.microsoft.com/office/drawing/2014/main" id="{B173584F-AF64-C9D7-2E5F-C82C99EBA207}"/>
+              </a:ext>
+            </a:extLst>
+          </p:cNvPr>
+          <p:cNvSpPr>
+            <a:spLocks noGrp="1"/>
+          </p:cNvSpPr>
+          <p:nvPr>
+            <p:ph type="title"/>
+          </p:nvPr>
+        </p:nvSpPr>
+        <p:spPr/>
+        <p:txBody>
+          <a:bodyPr/>
+          <a:lstStyle/>
+          <a:p>
+            <a:r>
+              <a:rPr lang="en-US" dirty="0"/>
+              <a:t>Galaxy Dependencies</a:t>
+            </a:r>
+          </a:p>
+        </p:txBody>
+      </p:sp>
+      <p:sp>
+        <p:nvSpPr>
+          <p:cNvPr id="3" name="Content Placeholder 2">
+            <a:extLst>
+              <a:ext uri="{FF2B5EF4-FFF2-40B4-BE49-F238E27FC236}">
+                <a16:creationId xmlns:a16="http://schemas.microsoft.com/office/drawing/2014/main" id="{AEF852BE-C137-1A82-1628-3D4BB2A0CFBF}"/>
+              </a:ext>
+            </a:extLst>
+          </p:cNvPr>
+          <p:cNvSpPr>
+            <a:spLocks noGrp="1"/>
+          </p:cNvSpPr>
+          <p:nvPr>
+            <p:ph idx="1"/>
+          </p:nvPr>
+        </p:nvSpPr>
+        <p:spPr/>
+        <p:txBody>
+          <a:bodyPr>
+            <a:normAutofit/>
+          </a:bodyPr>
+          <a:lstStyle/>
+          <a:p>
+            <a:r>
+              <a:rPr lang="en-US" sz="2800" dirty="0"/>
+              <a:t>Star forming galaxies with Log M = 9-11</a:t>
+            </a:r>
+          </a:p>
+          <a:p>
+            <a:pPr lvl="1"/>
+            <a:r>
+              <a:rPr lang="en-US" sz="2400" dirty="0"/>
+              <a:t>Concentration of metal-enriched warm-hot CGM within virial radius</a:t>
+            </a:r>
+          </a:p>
+          <a:p>
+            <a:r>
+              <a:rPr lang="en-US" sz="2800" dirty="0"/>
+              <a:t>Massive quiescent galaxies</a:t>
+            </a:r>
+          </a:p>
+          <a:p>
+            <a:pPr lvl="1"/>
+            <a:r>
+              <a:rPr lang="en-US" sz="2400" dirty="0"/>
+              <a:t>Flatter radial profiles of both column densities and covering fractions</a:t>
+            </a:r>
+          </a:p>
+          <a:p>
+            <a:r>
+              <a:rPr lang="en-US" sz="2800" dirty="0"/>
+              <a:t>Velocity dispersion of O VI is broad for Log M &gt; 9 within virial</a:t>
+            </a:r>
+          </a:p>
+          <a:p>
+            <a:pPr lvl="1"/>
+            <a:r>
+              <a:rPr lang="en-US" sz="2400" dirty="0"/>
+              <a:t>Dynamic warm-hot halo around</a:t>
+            </a:r>
+          </a:p>
+        </p:txBody>
+      </p:sp>
+    </p:spTree>
+    <p:extLst>
+      <p:ext uri="{BB962C8B-B14F-4D97-AF65-F5344CB8AC3E}">
+        <p14:creationId xmlns:p14="http://schemas.microsoft.com/office/powerpoint/2010/main" val="2960647471"/>
+      </p:ext>
+    </p:extLst>
+  </p:cSld>
+  <p:clrMapOvr>
+    <a:masterClrMapping/>
+  </p:clrMapOvr>
+</p:sld>
+</file>
+
+<file path=ppt/slides/slide12.xml><?xml version="1.0" encoding="utf-8"?>
+<p:sld xmlns:a="http://schemas.openxmlformats.org/drawingml/2006/main" xmlns:r="http://schemas.openxmlformats.org/officeDocument/2006/relationships" xmlns:p="http://schemas.openxmlformats.org/presentationml/2006/main">
+  <p:cSld>
+    <p:spTree>
+      <p:nvGrpSpPr>
+        <p:cNvPr id="1" name=""/>
+        <p:cNvGrpSpPr/>
+        <p:nvPr/>
+      </p:nvGrpSpPr>
+      <p:grpSpPr>
+        <a:xfrm>
+          <a:off x="0" y="0"/>
+          <a:ext cx="0" cy="0"/>
+          <a:chOff x="0" y="0"/>
+          <a:chExt cx="0" cy="0"/>
+        </a:xfrm>
+      </p:grpSpPr>
+      <p:sp>
+        <p:nvSpPr>
+          <p:cNvPr id="2" name="Title 1">
+            <a:extLst>
+              <a:ext uri="{FF2B5EF4-FFF2-40B4-BE49-F238E27FC236}">
+                <a16:creationId xmlns:a16="http://schemas.microsoft.com/office/drawing/2014/main" id="{2D9C5790-9681-7E13-447C-44CD0C39EC9B}"/>
+              </a:ext>
+            </a:extLst>
+          </p:cNvPr>
+          <p:cNvSpPr>
+            <a:spLocks noGrp="1"/>
+          </p:cNvSpPr>
+          <p:nvPr>
+            <p:ph type="title"/>
+          </p:nvPr>
+        </p:nvSpPr>
+        <p:spPr>
+          <a:xfrm>
+            <a:off x="1261872" y="262393"/>
+            <a:ext cx="9692640" cy="821689"/>
+          </a:xfrm>
+        </p:spPr>
+        <p:txBody>
+          <a:bodyPr/>
+          <a:lstStyle/>
+          <a:p>
+            <a:r>
+              <a:rPr lang="en-US" dirty="0"/>
+              <a:t>Stellar Mass Dependence</a:t>
+            </a:r>
+          </a:p>
+        </p:txBody>
+      </p:sp>
+      <p:sp>
+        <p:nvSpPr>
+          <p:cNvPr id="3" name="Content Placeholder 2">
+            <a:extLst>
+              <a:ext uri="{FF2B5EF4-FFF2-40B4-BE49-F238E27FC236}">
+                <a16:creationId xmlns:a16="http://schemas.microsoft.com/office/drawing/2014/main" id="{4E605625-FDBD-DFA7-FBCB-53A5633DF6C6}"/>
+              </a:ext>
+            </a:extLst>
+          </p:cNvPr>
+          <p:cNvSpPr>
+            <a:spLocks noGrp="1"/>
+          </p:cNvSpPr>
+          <p:nvPr>
+            <p:ph idx="1"/>
+          </p:nvPr>
+        </p:nvSpPr>
+        <p:spPr/>
+        <p:txBody>
+          <a:bodyPr/>
+          <a:lstStyle/>
+          <a:p>
+            <a:endParaRPr lang="en-US"/>
+          </a:p>
+        </p:txBody>
+      </p:sp>
+      <p:pic>
+        <p:nvPicPr>
+          <p:cNvPr id="5" name="Picture 4">
+            <a:extLst>
+              <a:ext uri="{FF2B5EF4-FFF2-40B4-BE49-F238E27FC236}">
+                <a16:creationId xmlns:a16="http://schemas.microsoft.com/office/drawing/2014/main" id="{150480E8-366F-3139-1D6D-C76274A92E61}"/>
+              </a:ext>
+            </a:extLst>
+          </p:cNvPr>
+          <p:cNvPicPr>
+            <a:picLocks noChangeAspect="1"/>
+          </p:cNvPicPr>
+          <p:nvPr/>
+        </p:nvPicPr>
+        <p:blipFill>
+          <a:blip r:embed="rId2"/>
+          <a:stretch>
+            <a:fillRect/>
+          </a:stretch>
+        </p:blipFill>
+        <p:spPr>
+          <a:xfrm>
+            <a:off x="308322" y="1068381"/>
+            <a:ext cx="10461549" cy="5789619"/>
+          </a:xfrm>
+          <a:prstGeom prst="rect">
+            <a:avLst/>
+          </a:prstGeom>
+        </p:spPr>
+      </p:pic>
+    </p:spTree>
+    <p:extLst>
+      <p:ext uri="{BB962C8B-B14F-4D97-AF65-F5344CB8AC3E}">
+        <p14:creationId xmlns:p14="http://schemas.microsoft.com/office/powerpoint/2010/main" val="3398719312"/>
+      </p:ext>
+    </p:extLst>
+  </p:cSld>
+  <p:clrMapOvr>
+    <a:masterClrMapping/>
+  </p:clrMapOvr>
+</p:sld>
+</file>
+
+<file path=ppt/slides/slide13.xml><?xml version="1.0" encoding="utf-8"?>
+<p:sld xmlns:a="http://schemas.openxmlformats.org/drawingml/2006/main" xmlns:r="http://schemas.openxmlformats.org/officeDocument/2006/relationships" xmlns:p="http://schemas.openxmlformats.org/presentationml/2006/main">
+  <p:cSld>
+    <p:spTree>
+      <p:nvGrpSpPr>
+        <p:cNvPr id="1" name=""/>
+        <p:cNvGrpSpPr/>
+        <p:nvPr/>
+      </p:nvGrpSpPr>
+      <p:grpSpPr>
+        <a:xfrm>
+          <a:off x="0" y="0"/>
+          <a:ext cx="0" cy="0"/>
+          <a:chOff x="0" y="0"/>
+          <a:chExt cx="0" cy="0"/>
+        </a:xfrm>
+      </p:grpSpPr>
+      <p:sp>
+        <p:nvSpPr>
+          <p:cNvPr id="2" name="Title 1">
+            <a:extLst>
+              <a:ext uri="{FF2B5EF4-FFF2-40B4-BE49-F238E27FC236}">
+                <a16:creationId xmlns:a16="http://schemas.microsoft.com/office/drawing/2014/main" id="{B8F33B23-1E5E-82FC-21C0-259F998E1673}"/>
+              </a:ext>
+            </a:extLst>
+          </p:cNvPr>
+          <p:cNvSpPr>
+            <a:spLocks noGrp="1"/>
+          </p:cNvSpPr>
+          <p:nvPr>
+            <p:ph type="title"/>
+          </p:nvPr>
+        </p:nvSpPr>
+        <p:spPr/>
+        <p:txBody>
+          <a:bodyPr/>
+          <a:lstStyle/>
+          <a:p>
+            <a:r>
+              <a:rPr lang="en-US" dirty="0"/>
+              <a:t>Summary </a:t>
+            </a:r>
+          </a:p>
+        </p:txBody>
+      </p:sp>
+      <p:sp>
+        <p:nvSpPr>
+          <p:cNvPr id="3" name="Content Placeholder 2">
+            <a:extLst>
+              <a:ext uri="{FF2B5EF4-FFF2-40B4-BE49-F238E27FC236}">
+                <a16:creationId xmlns:a16="http://schemas.microsoft.com/office/drawing/2014/main" id="{6D5CCFC4-47EC-B05A-95EA-E46D5EABFFBE}"/>
+              </a:ext>
+            </a:extLst>
+          </p:cNvPr>
+          <p:cNvSpPr>
+            <a:spLocks noGrp="1"/>
+          </p:cNvSpPr>
+          <p:nvPr>
+            <p:ph idx="1"/>
+          </p:nvPr>
+        </p:nvSpPr>
+        <p:spPr/>
+        <p:txBody>
+          <a:bodyPr>
+            <a:normAutofit fontScale="92500" lnSpcReduction="10000"/>
+          </a:bodyPr>
+          <a:lstStyle/>
+          <a:p>
+            <a:r>
+              <a:rPr lang="en-US" sz="2400" dirty="0"/>
+              <a:t>30 O VI and 5 Ne VIII absorbers detected</a:t>
+            </a:r>
+          </a:p>
+          <a:p>
+            <a:r>
+              <a:rPr lang="en-US" sz="2400" dirty="0"/>
+              <a:t>Column densities of </a:t>
+            </a:r>
+            <a:r>
+              <a:rPr lang="en-US" sz="2400" dirty="0" err="1"/>
+              <a:t>logN</a:t>
+            </a:r>
+            <a:r>
+              <a:rPr lang="en-US" sz="2400" dirty="0"/>
+              <a:t>/cm2 = 13.5-15.0</a:t>
+            </a:r>
+          </a:p>
+          <a:p>
+            <a:r>
+              <a:rPr lang="en-US" sz="2400" dirty="0"/>
+              <a:t>Velocity dispersion from 5 km/s to 120 km/s</a:t>
+            </a:r>
+          </a:p>
+          <a:p>
+            <a:pPr lvl="1"/>
+            <a:r>
+              <a:rPr lang="en-US" sz="2000" dirty="0"/>
+              <a:t>Broad features trace the kinematics in the halo</a:t>
+            </a:r>
+          </a:p>
+          <a:p>
+            <a:r>
+              <a:rPr lang="en-US" sz="2400" dirty="0"/>
+              <a:t>O VI column density most correlated with galaxy with smallest </a:t>
+            </a:r>
+            <a:r>
+              <a:rPr lang="en-US" sz="2400" dirty="0" err="1"/>
+              <a:t>dproj</a:t>
+            </a:r>
+            <a:r>
+              <a:rPr lang="en-US" sz="2400" dirty="0"/>
+              <a:t>/</a:t>
+            </a:r>
+            <a:r>
+              <a:rPr lang="en-US" sz="2400" dirty="0" err="1"/>
+              <a:t>rvir</a:t>
+            </a:r>
+            <a:endParaRPr lang="en-US" sz="2400" dirty="0"/>
+          </a:p>
+          <a:p>
+            <a:pPr lvl="1"/>
+            <a:r>
+              <a:rPr lang="en-US" sz="2000" dirty="0"/>
+              <a:t>Taken as host galaxy of absorption features</a:t>
+            </a:r>
+          </a:p>
+          <a:p>
+            <a:r>
+              <a:rPr lang="en-US" sz="2400" dirty="0"/>
+              <a:t>O VI and Ne VIII absorption exhibit bulk velocities within 200 km/s</a:t>
+            </a:r>
+          </a:p>
+          <a:p>
+            <a:r>
+              <a:rPr lang="en-US" sz="2400" dirty="0"/>
+              <a:t> Highest column density and broadest absorption around galaxies with log M = 10</a:t>
+            </a:r>
+          </a:p>
+          <a:p>
+            <a:pPr lvl="1"/>
+            <a:endParaRPr lang="en-US" dirty="0"/>
+          </a:p>
+        </p:txBody>
+      </p:sp>
+    </p:spTree>
+    <p:extLst>
+      <p:ext uri="{BB962C8B-B14F-4D97-AF65-F5344CB8AC3E}">
+        <p14:creationId xmlns:p14="http://schemas.microsoft.com/office/powerpoint/2010/main" val="1908718438"/>
+      </p:ext>
+    </p:extLst>
+  </p:cSld>
+  <p:clrMapOvr>
+    <a:masterClrMapping/>
+  </p:clrMapOvr>
+</p:sld>
+</file>
+
+<file path=ppt/slides/slide14.xml><?xml version="1.0" encoding="utf-8"?>
+<p:sld xmlns:a="http://schemas.openxmlformats.org/drawingml/2006/main" xmlns:r="http://schemas.openxmlformats.org/officeDocument/2006/relationships" xmlns:p="http://schemas.openxmlformats.org/presentationml/2006/main">
+  <p:cSld>
+    <p:spTree>
+      <p:nvGrpSpPr>
+        <p:cNvPr id="1" name=""/>
+        <p:cNvGrpSpPr/>
+        <p:nvPr/>
+      </p:nvGrpSpPr>
+      <p:grpSpPr>
+        <a:xfrm>
+          <a:off x="0" y="0"/>
+          <a:ext cx="0" cy="0"/>
+          <a:chOff x="0" y="0"/>
+          <a:chExt cx="0" cy="0"/>
+        </a:xfrm>
+      </p:grpSpPr>
+      <p:sp>
+        <p:nvSpPr>
+          <p:cNvPr id="2" name="Title 1">
+            <a:extLst>
+              <a:ext uri="{FF2B5EF4-FFF2-40B4-BE49-F238E27FC236}">
+                <a16:creationId xmlns:a16="http://schemas.microsoft.com/office/drawing/2014/main" id="{E63332E0-972B-1E1D-7655-D39DC67B030C}"/>
+              </a:ext>
+            </a:extLst>
+          </p:cNvPr>
+          <p:cNvSpPr>
+            <a:spLocks noGrp="1"/>
+          </p:cNvSpPr>
+          <p:nvPr>
+            <p:ph type="title"/>
+          </p:nvPr>
+        </p:nvSpPr>
+        <p:spPr/>
+        <p:txBody>
+          <a:bodyPr/>
+          <a:lstStyle/>
+          <a:p>
+            <a:r>
+              <a:rPr lang="en-US" dirty="0"/>
+              <a:t>Summary</a:t>
+            </a:r>
+          </a:p>
+        </p:txBody>
+      </p:sp>
+      <p:sp>
+        <p:nvSpPr>
+          <p:cNvPr id="3" name="Content Placeholder 2">
+            <a:extLst>
+              <a:ext uri="{FF2B5EF4-FFF2-40B4-BE49-F238E27FC236}">
+                <a16:creationId xmlns:a16="http://schemas.microsoft.com/office/drawing/2014/main" id="{87CA0CA3-73D4-829A-AC2A-7588ABDB3E8F}"/>
+              </a:ext>
+            </a:extLst>
+          </p:cNvPr>
+          <p:cNvSpPr>
+            <a:spLocks noGrp="1"/>
+          </p:cNvSpPr>
+          <p:nvPr>
+            <p:ph idx="1"/>
+          </p:nvPr>
+        </p:nvSpPr>
+        <p:spPr/>
+        <p:txBody>
+          <a:bodyPr>
+            <a:normAutofit lnSpcReduction="10000"/>
+          </a:bodyPr>
+          <a:lstStyle/>
+          <a:p>
+            <a:r>
+              <a:rPr lang="en-US" sz="2400" dirty="0"/>
+              <a:t>Sub L* and massive star-forming galaxies show substantial radial declines of column densities</a:t>
+            </a:r>
+          </a:p>
+          <a:p>
+            <a:pPr lvl="1"/>
+            <a:r>
+              <a:rPr lang="en-US" sz="2000" dirty="0"/>
+              <a:t>Massive quiescent galaxy sample exhibits flatter profiles</a:t>
+            </a:r>
+          </a:p>
+          <a:p>
+            <a:r>
+              <a:rPr lang="en-US" sz="2400" dirty="0"/>
+              <a:t>O VI covering fraction high for sub L* and massive star-forming galaxies within virial radius</a:t>
+            </a:r>
+          </a:p>
+          <a:p>
+            <a:pPr lvl="1"/>
+            <a:r>
+              <a:rPr lang="en-US" sz="2000" dirty="0"/>
+              <a:t>Sharp decline at 1-2 </a:t>
+            </a:r>
+            <a:r>
+              <a:rPr lang="en-US" sz="2000" dirty="0" err="1"/>
+              <a:t>rvir</a:t>
+            </a:r>
+            <a:endParaRPr lang="en-US" sz="2000" dirty="0"/>
+          </a:p>
+          <a:p>
+            <a:r>
+              <a:rPr lang="en-US" sz="2400" dirty="0"/>
+              <a:t>Massive quiescent have roughly constant O VI covering fraction to 3 </a:t>
+            </a:r>
+            <a:r>
+              <a:rPr lang="en-US" sz="2400" dirty="0" err="1"/>
+              <a:t>rvir</a:t>
+            </a:r>
+            <a:endParaRPr lang="en-US" sz="2400" dirty="0"/>
+          </a:p>
+          <a:p>
+            <a:pPr lvl="1"/>
+            <a:r>
+              <a:rPr lang="en-US" sz="2000" dirty="0"/>
+              <a:t>Less concentrated O VI gas in quiescent galaxies</a:t>
+            </a:r>
+          </a:p>
+          <a:p>
+            <a:r>
+              <a:rPr lang="en-US" sz="2400" dirty="0"/>
+              <a:t>Sub L* galaxies exhibit higher Ne VIII covering fractions within </a:t>
+            </a:r>
+            <a:r>
+              <a:rPr lang="en-US" sz="2400" dirty="0" err="1"/>
+              <a:t>rvir</a:t>
+            </a:r>
+            <a:endParaRPr lang="en-US" sz="2400" dirty="0"/>
+          </a:p>
+        </p:txBody>
+      </p:sp>
+    </p:spTree>
+    <p:extLst>
+      <p:ext uri="{BB962C8B-B14F-4D97-AF65-F5344CB8AC3E}">
+        <p14:creationId xmlns:p14="http://schemas.microsoft.com/office/powerpoint/2010/main" val="2978910696"/>
+      </p:ext>
+    </p:extLst>
+  </p:cSld>
+  <p:clrMapOvr>
+    <a:masterClrMapping/>
+  </p:clrMapOvr>
+</p:sld>
+</file>
+
+<file path=ppt/slides/slide15.xml><?xml version="1.0" encoding="utf-8"?>
+<p:sld xmlns:a="http://schemas.openxmlformats.org/drawingml/2006/main" xmlns:r="http://schemas.openxmlformats.org/officeDocument/2006/relationships" xmlns:p="http://schemas.openxmlformats.org/presentationml/2006/main">
+  <p:cSld>
+    <p:spTree>
+      <p:nvGrpSpPr>
+        <p:cNvPr id="1" name=""/>
+        <p:cNvGrpSpPr/>
+        <p:nvPr/>
+      </p:nvGrpSpPr>
+      <p:grpSpPr>
+        <a:xfrm>
+          <a:off x="0" y="0"/>
+          <a:ext cx="0" cy="0"/>
+          <a:chOff x="0" y="0"/>
+          <a:chExt cx="0" cy="0"/>
+        </a:xfrm>
+      </p:grpSpPr>
+      <p:sp>
+        <p:nvSpPr>
+          <p:cNvPr id="2" name="Title 1">
+            <a:extLst>
+              <a:ext uri="{FF2B5EF4-FFF2-40B4-BE49-F238E27FC236}">
+                <a16:creationId xmlns:a16="http://schemas.microsoft.com/office/drawing/2014/main" id="{7356B096-3929-7AF8-3E4F-E032B3BB622B}"/>
+              </a:ext>
+            </a:extLst>
+          </p:cNvPr>
+          <p:cNvSpPr>
+            <a:spLocks noGrp="1"/>
+          </p:cNvSpPr>
+          <p:nvPr>
+            <p:ph type="title"/>
+          </p:nvPr>
+        </p:nvSpPr>
+        <p:spPr/>
+        <p:txBody>
+          <a:bodyPr/>
+          <a:lstStyle/>
+          <a:p>
+            <a:r>
+              <a:rPr lang="en-US" dirty="0"/>
+              <a:t>Summary</a:t>
+            </a:r>
+          </a:p>
+        </p:txBody>
+      </p:sp>
+      <p:sp>
+        <p:nvSpPr>
+          <p:cNvPr id="3" name="Content Placeholder 2">
+            <a:extLst>
+              <a:ext uri="{FF2B5EF4-FFF2-40B4-BE49-F238E27FC236}">
+                <a16:creationId xmlns:a16="http://schemas.microsoft.com/office/drawing/2014/main" id="{03B5A49B-934A-6BB0-2460-68F052487241}"/>
+              </a:ext>
+            </a:extLst>
+          </p:cNvPr>
+          <p:cNvSpPr>
+            <a:spLocks noGrp="1"/>
+          </p:cNvSpPr>
+          <p:nvPr>
+            <p:ph idx="1"/>
+          </p:nvPr>
+        </p:nvSpPr>
+        <p:spPr/>
+        <p:txBody>
+          <a:bodyPr>
+            <a:normAutofit/>
+          </a:bodyPr>
+          <a:lstStyle/>
+          <a:p>
+            <a:r>
+              <a:rPr lang="en-US" sz="2400" dirty="0"/>
+              <a:t>CUBS sample has lower covering fractions for all Ne VIII absorbers compared to </a:t>
+            </a:r>
+            <a:r>
+              <a:rPr lang="en-US" sz="2400" dirty="0" err="1"/>
+              <a:t>CASBaH</a:t>
+            </a:r>
+            <a:r>
+              <a:rPr lang="en-US" sz="2400" dirty="0"/>
+              <a:t> for log M = 9-11.5</a:t>
+            </a:r>
+          </a:p>
+          <a:p>
+            <a:r>
+              <a:rPr lang="en-US" sz="2400" dirty="0"/>
+              <a:t>Warm-hot CGM dominates the CGM of sub L* galaxies</a:t>
+            </a:r>
+          </a:p>
+          <a:p>
+            <a:pPr lvl="1"/>
+            <a:r>
+              <a:rPr lang="en-US" sz="2000" dirty="0"/>
+              <a:t>Highest area weighted mean column density within </a:t>
+            </a:r>
+            <a:r>
+              <a:rPr lang="en-US" sz="2000" dirty="0" err="1"/>
+              <a:t>rvir</a:t>
+            </a:r>
+            <a:endParaRPr lang="en-US" sz="2000" dirty="0"/>
+          </a:p>
+          <a:p>
+            <a:pPr lvl="1"/>
+            <a:r>
+              <a:rPr lang="en-US" sz="2000" dirty="0"/>
+              <a:t>Ionization fractions of O VI and Ne VIII comparable with peak ionization in CIE or PIE models</a:t>
+            </a:r>
+          </a:p>
+        </p:txBody>
+      </p:sp>
+    </p:spTree>
+    <p:extLst>
+      <p:ext uri="{BB962C8B-B14F-4D97-AF65-F5344CB8AC3E}">
+        <p14:creationId xmlns:p14="http://schemas.microsoft.com/office/powerpoint/2010/main" val="4291028648"/>
       </p:ext>
     </p:extLst>
   </p:cSld>
@@ -3502,7 +4430,7 @@
           <a:p>
             <a:r>
               <a:rPr lang="en-US" dirty="0"/>
-              <a:t>Target Selection</a:t>
+              <a:t>CUBS</a:t>
             </a:r>
           </a:p>
         </p:txBody>
@@ -3525,18 +4453,93 @@
         </p:nvSpPr>
         <p:spPr/>
         <p:txBody>
-          <a:bodyPr/>
-          <a:lstStyle/>
-          <a:p>
-            <a:r>
-              <a:rPr lang="en-US" dirty="0"/>
-              <a:t>103 unique galaxies or galaxy groups</a:t>
-            </a:r>
-          </a:p>
-          <a:p>
-            <a:r>
-              <a:rPr lang="en-US" dirty="0"/>
-              <a:t>Redshift 0.4 to 0.7</a:t>
+          <a:bodyPr>
+            <a:normAutofit/>
+          </a:bodyPr>
+          <a:lstStyle/>
+          <a:p>
+            <a:r>
+              <a:rPr lang="en-US" sz="2800" dirty="0"/>
+              <a:t>CUBS</a:t>
+            </a:r>
+          </a:p>
+          <a:p>
+            <a:pPr lvl="1"/>
+            <a:r>
+              <a:rPr lang="en-US" sz="2400" dirty="0"/>
+              <a:t>Track CGM evolution over broad redshift range</a:t>
+            </a:r>
+          </a:p>
+          <a:p>
+            <a:pPr lvl="1"/>
+            <a:r>
+              <a:rPr lang="en-US" sz="2400" dirty="0"/>
+              <a:t>z = 0-1</a:t>
+            </a:r>
+          </a:p>
+          <a:p>
+            <a:pPr lvl="1"/>
+            <a:r>
+              <a:rPr lang="en-US" sz="2400" dirty="0"/>
+              <a:t>QSO absorption spectra</a:t>
+            </a:r>
+          </a:p>
+          <a:p>
+            <a:pPr lvl="1"/>
+            <a:r>
+              <a:rPr lang="en-US" sz="2400" dirty="0"/>
+              <a:t>Deep galaxy survey data</a:t>
+            </a:r>
+          </a:p>
+          <a:p>
+            <a:r>
+              <a:rPr lang="en-US" sz="2800" dirty="0"/>
+              <a:t>11593 spectroscopically-identified foreground galaxies</a:t>
+            </a:r>
+          </a:p>
+          <a:p>
+            <a:pPr lvl="1"/>
+            <a:r>
+              <a:rPr lang="en-US" sz="2400" dirty="0"/>
+              <a:t>Available </a:t>
+            </a:r>
+            <a:r>
+              <a:rPr lang="en-US" sz="2400" i="1" dirty="0"/>
+              <a:t>g, r, </a:t>
+            </a:r>
+            <a:r>
+              <a:rPr lang="en-US" sz="2400" dirty="0"/>
+              <a:t>and </a:t>
+            </a:r>
+            <a:r>
+              <a:rPr lang="en-US" sz="2400" i="1" dirty="0" err="1"/>
+              <a:t>i</a:t>
+            </a:r>
+            <a:r>
+              <a:rPr lang="en-US" sz="2400" dirty="0"/>
+              <a:t> magnitudes</a:t>
+            </a:r>
+          </a:p>
+          <a:p>
+            <a:pPr lvl="1"/>
+            <a:r>
+              <a:rPr lang="en-US" sz="2400" dirty="0"/>
+              <a:t>LOS velocity &gt; 5000 km/s</a:t>
+            </a:r>
+          </a:p>
+          <a:p>
+            <a:pPr lvl="1"/>
+            <a:r>
+              <a:rPr lang="en-US" sz="2400" dirty="0"/>
+              <a:t>Within 5 </a:t>
+            </a:r>
+            <a:r>
+              <a:rPr lang="en-US" sz="2400" dirty="0" err="1"/>
+              <a:t>Mpc</a:t>
+            </a:r>
+            <a:r>
+              <a:rPr lang="en-US" sz="2400" dirty="0"/>
+              <a:t> around QSO sight lines</a:t>
             </a:r>
           </a:p>
         </p:txBody>
@@ -3576,7 +4579,7 @@
           <p:cNvPr id="2" name="Title 1">
             <a:extLst>
               <a:ext uri="{FF2B5EF4-FFF2-40B4-BE49-F238E27FC236}">
-                <a16:creationId xmlns:a16="http://schemas.microsoft.com/office/drawing/2014/main" id="{1C32E317-65E1-C2D7-C958-25B824DC69BE}"/>
+                <a16:creationId xmlns:a16="http://schemas.microsoft.com/office/drawing/2014/main" id="{C94273FB-0DF2-9C14-139A-9002454C58B4}"/>
               </a:ext>
             </a:extLst>
           </p:cNvPr>
@@ -3594,8 +4597,13 @@
           <a:p>
             <a:r>
               <a:rPr lang="en-US" dirty="0"/>
-              <a:t>Observations</a:t>
-            </a:r>
+              <a:t>CUBS-</a:t>
+            </a:r>
+            <a:r>
+              <a:rPr lang="en-US" dirty="0" err="1"/>
+              <a:t>midz</a:t>
+            </a:r>
+            <a:endParaRPr lang="en-US" dirty="0"/>
           </a:p>
         </p:txBody>
       </p:sp>
@@ -3604,7 +4612,7 @@
           <p:cNvPr id="3" name="Content Placeholder 2">
             <a:extLst>
               <a:ext uri="{FF2B5EF4-FFF2-40B4-BE49-F238E27FC236}">
-                <a16:creationId xmlns:a16="http://schemas.microsoft.com/office/drawing/2014/main" id="{0498848E-7394-0573-0E45-3BF8DE5ED153}"/>
+                <a16:creationId xmlns:a16="http://schemas.microsoft.com/office/drawing/2014/main" id="{895BC363-B3DF-50B5-9F33-739C2E74CD3F}"/>
               </a:ext>
             </a:extLst>
           </p:cNvPr>
@@ -3617,29 +4625,89 @@
         </p:nvSpPr>
         <p:spPr/>
         <p:txBody>
-          <a:bodyPr/>
-          <a:lstStyle/>
-          <a:p>
-            <a:r>
-              <a:rPr lang="en-US" dirty="0"/>
-              <a:t>HST/COS spectra</a:t>
-            </a:r>
-          </a:p>
-          <a:p>
-            <a:r>
-              <a:rPr lang="en-US" dirty="0"/>
-              <a:t>O VI and Ne VIII absorption lines</a:t>
-            </a:r>
-          </a:p>
-          <a:p>
-            <a:endParaRPr lang="en-US" dirty="0"/>
+          <a:bodyPr>
+            <a:normAutofit/>
+          </a:bodyPr>
+          <a:lstStyle/>
+          <a:p>
+            <a:r>
+              <a:rPr lang="en-US" sz="2800" dirty="0"/>
+              <a:t>103 unique galaxies/galaxy groups</a:t>
+            </a:r>
+          </a:p>
+          <a:p>
+            <a:pPr lvl="1"/>
+            <a:r>
+              <a:rPr lang="en-US" sz="2400" dirty="0"/>
+              <a:t>Redshift 0.43 to 0.72</a:t>
+            </a:r>
+          </a:p>
+          <a:p>
+            <a:pPr lvl="1"/>
+            <a:r>
+              <a:rPr lang="en-US" sz="2400" dirty="0"/>
+              <a:t>Log M = 8-11.5</a:t>
+            </a:r>
+          </a:p>
+          <a:p>
+            <a:pPr lvl="1"/>
+            <a:r>
+              <a:rPr lang="en-US" sz="2400" dirty="0"/>
+              <a:t>Isolated field galaxies and galaxy groups</a:t>
+            </a:r>
+          </a:p>
+          <a:p>
+            <a:pPr lvl="1"/>
+            <a:r>
+              <a:rPr lang="en-US" sz="2400" dirty="0"/>
+              <a:t>All at &lt; 1 </a:t>
+            </a:r>
+            <a:r>
+              <a:rPr lang="en-US" sz="2400" dirty="0" err="1"/>
+              <a:t>Mpc</a:t>
+            </a:r>
+            <a:r>
+              <a:rPr lang="en-US" sz="2400" dirty="0"/>
+              <a:t> from the sightlines</a:t>
+            </a:r>
+          </a:p>
+          <a:p>
+            <a:pPr lvl="1"/>
+            <a:r>
+              <a:rPr lang="en-US" sz="2400" dirty="0"/>
+              <a:t>15 CUBS QSOs at z &gt; 0.8</a:t>
+            </a:r>
+          </a:p>
+          <a:p>
+            <a:r>
+              <a:rPr lang="en-US" sz="2800" dirty="0"/>
+              <a:t>HST/COS Spectra</a:t>
+            </a:r>
+          </a:p>
+          <a:p>
+            <a:pPr lvl="1"/>
+            <a:r>
+              <a:rPr lang="en-US" sz="2600" dirty="0"/>
+              <a:t>1100 </a:t>
+            </a:r>
+            <a:r>
+              <a:rPr lang="en-US" sz="2400" dirty="0"/>
+              <a:t>Å to 1800 Å</a:t>
+            </a:r>
+          </a:p>
+          <a:p>
+            <a:pPr lvl="1"/>
+            <a:r>
+              <a:rPr lang="en-US" sz="2400" dirty="0"/>
+              <a:t>Simultaneous coverage of O VI and Ne VIII doublets</a:t>
+            </a:r>
           </a:p>
         </p:txBody>
       </p:sp>
     </p:spTree>
     <p:extLst>
       <p:ext uri="{BB962C8B-B14F-4D97-AF65-F5344CB8AC3E}">
-        <p14:creationId xmlns:p14="http://schemas.microsoft.com/office/powerpoint/2010/main" val="3271913277"/>
+        <p14:creationId xmlns:p14="http://schemas.microsoft.com/office/powerpoint/2010/main" val="4141347511"/>
       </p:ext>
     </p:extLst>
   </p:cSld>
@@ -3671,7 +4739,7 @@
           <p:cNvPr id="2" name="Title 1">
             <a:extLst>
               <a:ext uri="{FF2B5EF4-FFF2-40B4-BE49-F238E27FC236}">
-                <a16:creationId xmlns:a16="http://schemas.microsoft.com/office/drawing/2014/main" id="{A7E3764F-ED76-EBC5-4FD6-0E63E836E0CC}"/>
+                <a16:creationId xmlns:a16="http://schemas.microsoft.com/office/drawing/2014/main" id="{BD35BD9A-0A6B-C5B9-CEED-AF61D89CB1AF}"/>
               </a:ext>
             </a:extLst>
           </p:cNvPr>
@@ -3682,14 +4750,19 @@
             <p:ph type="title"/>
           </p:nvPr>
         </p:nvSpPr>
-        <p:spPr/>
+        <p:spPr>
+          <a:xfrm>
+            <a:off x="1261872" y="386498"/>
+            <a:ext cx="9692640" cy="710934"/>
+          </a:xfrm>
+        </p:spPr>
         <p:txBody>
           <a:bodyPr/>
           <a:lstStyle/>
           <a:p>
             <a:r>
               <a:rPr lang="en-US" dirty="0"/>
-              <a:t>Radial Dependence</a:t>
+              <a:t>Sample Demographics</a:t>
             </a:r>
           </a:p>
         </p:txBody>
@@ -3699,7 +4772,7 @@
           <p:cNvPr id="3" name="Content Placeholder 2">
             <a:extLst>
               <a:ext uri="{FF2B5EF4-FFF2-40B4-BE49-F238E27FC236}">
-                <a16:creationId xmlns:a16="http://schemas.microsoft.com/office/drawing/2014/main" id="{F3004C27-43B8-3561-2DDA-FBD7C6716FEF}"/>
+                <a16:creationId xmlns:a16="http://schemas.microsoft.com/office/drawing/2014/main" id="{ADB40044-0017-55D6-476E-AFFC254D57D1}"/>
               </a:ext>
             </a:extLst>
           </p:cNvPr>
@@ -3719,10 +4792,40 @@
           </a:p>
         </p:txBody>
       </p:sp>
+      <p:pic>
+        <p:nvPicPr>
+          <p:cNvPr id="5" name="Picture 4">
+            <a:extLst>
+              <a:ext uri="{FF2B5EF4-FFF2-40B4-BE49-F238E27FC236}">
+                <a16:creationId xmlns:a16="http://schemas.microsoft.com/office/drawing/2014/main" id="{9F92F608-44E4-36FE-1517-F89D35FC4A49}"/>
+              </a:ext>
+            </a:extLst>
+          </p:cNvPr>
+          <p:cNvPicPr>
+            <a:picLocks noChangeAspect="1"/>
+          </p:cNvPicPr>
+          <p:nvPr/>
+        </p:nvPicPr>
+        <p:blipFill>
+          <a:blip r:embed="rId2"/>
+          <a:stretch>
+            <a:fillRect/>
+          </a:stretch>
+        </p:blipFill>
+        <p:spPr>
+          <a:xfrm>
+            <a:off x="95494" y="1059724"/>
+            <a:ext cx="11104310" cy="5520185"/>
+          </a:xfrm>
+          <a:prstGeom prst="rect">
+            <a:avLst/>
+          </a:prstGeom>
+        </p:spPr>
+      </p:pic>
     </p:spTree>
     <p:extLst>
       <p:ext uri="{BB962C8B-B14F-4D97-AF65-F5344CB8AC3E}">
-        <p14:creationId xmlns:p14="http://schemas.microsoft.com/office/powerpoint/2010/main" val="1902382748"/>
+        <p14:creationId xmlns:p14="http://schemas.microsoft.com/office/powerpoint/2010/main" val="4103012054"/>
       </p:ext>
     </p:extLst>
   </p:cSld>
@@ -3754,7 +4857,7 @@
           <p:cNvPr id="2" name="Title 1">
             <a:extLst>
               <a:ext uri="{FF2B5EF4-FFF2-40B4-BE49-F238E27FC236}">
-                <a16:creationId xmlns:a16="http://schemas.microsoft.com/office/drawing/2014/main" id="{3E7B1FB3-CDBB-E8F3-3A29-2DBBE84BC66F}"/>
+                <a16:creationId xmlns:a16="http://schemas.microsoft.com/office/drawing/2014/main" id="{5E869BFC-4B6D-6669-8A5D-B51D19572216}"/>
               </a:ext>
             </a:extLst>
           </p:cNvPr>
@@ -3765,14 +4868,19 @@
             <p:ph type="title"/>
           </p:nvPr>
         </p:nvSpPr>
-        <p:spPr/>
+        <p:spPr>
+          <a:xfrm>
+            <a:off x="1261872" y="28278"/>
+            <a:ext cx="9692640" cy="899470"/>
+          </a:xfrm>
+        </p:spPr>
         <p:txBody>
           <a:bodyPr/>
           <a:lstStyle/>
           <a:p>
             <a:r>
               <a:rPr lang="en-US" dirty="0"/>
-              <a:t>Azimuthal Dependence</a:t>
+              <a:t>Line Fitting</a:t>
             </a:r>
           </a:p>
         </p:txBody>
@@ -3782,7 +4890,7 @@
           <p:cNvPr id="3" name="Content Placeholder 2">
             <a:extLst>
               <a:ext uri="{FF2B5EF4-FFF2-40B4-BE49-F238E27FC236}">
-                <a16:creationId xmlns:a16="http://schemas.microsoft.com/office/drawing/2014/main" id="{F21436CF-EF56-3AC0-0DE6-53F6EA2694C7}"/>
+                <a16:creationId xmlns:a16="http://schemas.microsoft.com/office/drawing/2014/main" id="{A39CEC0E-6CBA-AFCC-1A80-24AF9B64AC29}"/>
               </a:ext>
             </a:extLst>
           </p:cNvPr>
@@ -3802,10 +4910,40 @@
           </a:p>
         </p:txBody>
       </p:sp>
+      <p:pic>
+        <p:nvPicPr>
+          <p:cNvPr id="5" name="Picture 4">
+            <a:extLst>
+              <a:ext uri="{FF2B5EF4-FFF2-40B4-BE49-F238E27FC236}">
+                <a16:creationId xmlns:a16="http://schemas.microsoft.com/office/drawing/2014/main" id="{AE2E345E-D758-EDF4-3FFF-78763586547D}"/>
+              </a:ext>
+            </a:extLst>
+          </p:cNvPr>
+          <p:cNvPicPr>
+            <a:picLocks noChangeAspect="1"/>
+          </p:cNvPicPr>
+          <p:nvPr/>
+        </p:nvPicPr>
+        <p:blipFill>
+          <a:blip r:embed="rId2"/>
+          <a:stretch>
+            <a:fillRect/>
+          </a:stretch>
+        </p:blipFill>
+        <p:spPr>
+          <a:xfrm>
+            <a:off x="1972652" y="927748"/>
+            <a:ext cx="7173799" cy="5840015"/>
+          </a:xfrm>
+          <a:prstGeom prst="rect">
+            <a:avLst/>
+          </a:prstGeom>
+        </p:spPr>
+      </p:pic>
     </p:spTree>
     <p:extLst>
       <p:ext uri="{BB962C8B-B14F-4D97-AF65-F5344CB8AC3E}">
-        <p14:creationId xmlns:p14="http://schemas.microsoft.com/office/powerpoint/2010/main" val="753828580"/>
+        <p14:creationId xmlns:p14="http://schemas.microsoft.com/office/powerpoint/2010/main" val="2892258674"/>
       </p:ext>
     </p:extLst>
   </p:cSld>
@@ -3837,7 +4975,7 @@
           <p:cNvPr id="2" name="Title 1">
             <a:extLst>
               <a:ext uri="{FF2B5EF4-FFF2-40B4-BE49-F238E27FC236}">
-                <a16:creationId xmlns:a16="http://schemas.microsoft.com/office/drawing/2014/main" id="{582206CD-A65D-3FA1-7EC1-867935AB1F64}"/>
+                <a16:creationId xmlns:a16="http://schemas.microsoft.com/office/drawing/2014/main" id="{049A8DEB-8BDD-AD60-DAA7-753E864A6254}"/>
               </a:ext>
             </a:extLst>
           </p:cNvPr>
@@ -3855,7 +4993,7 @@
           <a:p>
             <a:r>
               <a:rPr lang="en-US" dirty="0"/>
-              <a:t>Cloud Model</a:t>
+              <a:t>Column Densities</a:t>
             </a:r>
           </a:p>
         </p:txBody>
@@ -3865,7 +5003,7 @@
           <p:cNvPr id="3" name="Content Placeholder 2">
             <a:extLst>
               <a:ext uri="{FF2B5EF4-FFF2-40B4-BE49-F238E27FC236}">
-                <a16:creationId xmlns:a16="http://schemas.microsoft.com/office/drawing/2014/main" id="{0D34F664-D129-D283-4595-6E863C262CCB}"/>
+                <a16:creationId xmlns:a16="http://schemas.microsoft.com/office/drawing/2014/main" id="{4C4391AD-800A-6732-DBAA-E2D444EE4051}"/>
               </a:ext>
             </a:extLst>
           </p:cNvPr>
@@ -3881,14 +5019,436 @@
           <a:bodyPr/>
           <a:lstStyle/>
           <a:p>
-            <a:endParaRPr lang="en-US"/>
-          </a:p>
-        </p:txBody>
-      </p:sp>
+            <a:endParaRPr lang="en-US" dirty="0"/>
+          </a:p>
+        </p:txBody>
+      </p:sp>
+      <p:pic>
+        <p:nvPicPr>
+          <p:cNvPr id="5" name="Picture 4">
+            <a:extLst>
+              <a:ext uri="{FF2B5EF4-FFF2-40B4-BE49-F238E27FC236}">
+                <a16:creationId xmlns:a16="http://schemas.microsoft.com/office/drawing/2014/main" id="{30684B99-54A2-73EF-9AF5-91548F3832F7}"/>
+              </a:ext>
+            </a:extLst>
+          </p:cNvPr>
+          <p:cNvPicPr>
+            <a:picLocks noChangeAspect="1"/>
+          </p:cNvPicPr>
+          <p:nvPr/>
+        </p:nvPicPr>
+        <p:blipFill rotWithShape="1">
+          <a:blip r:embed="rId2"/>
+          <a:srcRect b="33320"/>
+          <a:stretch/>
+        </p:blipFill>
+        <p:spPr>
+          <a:xfrm>
+            <a:off x="669304" y="1667825"/>
+            <a:ext cx="5557510" cy="4970203"/>
+          </a:xfrm>
+          <a:prstGeom prst="rect">
+            <a:avLst/>
+          </a:prstGeom>
+        </p:spPr>
+      </p:pic>
+      <p:pic>
+        <p:nvPicPr>
+          <p:cNvPr id="7" name="Picture 6">
+            <a:extLst>
+              <a:ext uri="{FF2B5EF4-FFF2-40B4-BE49-F238E27FC236}">
+                <a16:creationId xmlns:a16="http://schemas.microsoft.com/office/drawing/2014/main" id="{328ECA84-4CEF-31C7-633F-70EC6B307E0A}"/>
+              </a:ext>
+            </a:extLst>
+          </p:cNvPr>
+          <p:cNvPicPr>
+            <a:picLocks noChangeAspect="1"/>
+          </p:cNvPicPr>
+          <p:nvPr/>
+        </p:nvPicPr>
+        <p:blipFill rotWithShape="1">
+          <a:blip r:embed="rId2"/>
+          <a:srcRect t="66303"/>
+          <a:stretch/>
+        </p:blipFill>
+        <p:spPr>
+          <a:xfrm>
+            <a:off x="6334947" y="3133471"/>
+            <a:ext cx="4511431" cy="2038910"/>
+          </a:xfrm>
+          <a:prstGeom prst="rect">
+            <a:avLst/>
+          </a:prstGeom>
+        </p:spPr>
+      </p:pic>
     </p:spTree>
     <p:extLst>
       <p:ext uri="{BB962C8B-B14F-4D97-AF65-F5344CB8AC3E}">
-        <p14:creationId xmlns:p14="http://schemas.microsoft.com/office/powerpoint/2010/main" val="3242893652"/>
+        <p14:creationId xmlns:p14="http://schemas.microsoft.com/office/powerpoint/2010/main" val="635011975"/>
+      </p:ext>
+    </p:extLst>
+  </p:cSld>
+  <p:clrMapOvr>
+    <a:masterClrMapping/>
+  </p:clrMapOvr>
+</p:sld>
+</file>
+
+<file path=ppt/slides/slide7.xml><?xml version="1.0" encoding="utf-8"?>
+<p:sld xmlns:a="http://schemas.openxmlformats.org/drawingml/2006/main" xmlns:r="http://schemas.openxmlformats.org/officeDocument/2006/relationships" xmlns:p="http://schemas.openxmlformats.org/presentationml/2006/main">
+  <p:cSld>
+    <p:spTree>
+      <p:nvGrpSpPr>
+        <p:cNvPr id="1" name=""/>
+        <p:cNvGrpSpPr/>
+        <p:nvPr/>
+      </p:nvGrpSpPr>
+      <p:grpSpPr>
+        <a:xfrm>
+          <a:off x="0" y="0"/>
+          <a:ext cx="0" cy="0"/>
+          <a:chOff x="0" y="0"/>
+          <a:chExt cx="0" cy="0"/>
+        </a:xfrm>
+      </p:grpSpPr>
+      <p:sp>
+        <p:nvSpPr>
+          <p:cNvPr id="2" name="Title 1">
+            <a:extLst>
+              <a:ext uri="{FF2B5EF4-FFF2-40B4-BE49-F238E27FC236}">
+                <a16:creationId xmlns:a16="http://schemas.microsoft.com/office/drawing/2014/main" id="{A7E3764F-ED76-EBC5-4FD6-0E63E836E0CC}"/>
+              </a:ext>
+            </a:extLst>
+          </p:cNvPr>
+          <p:cNvSpPr>
+            <a:spLocks noGrp="1"/>
+          </p:cNvSpPr>
+          <p:nvPr>
+            <p:ph type="title"/>
+          </p:nvPr>
+        </p:nvSpPr>
+        <p:spPr>
+          <a:xfrm>
+            <a:off x="1249680" y="207585"/>
+            <a:ext cx="9692640" cy="880617"/>
+          </a:xfrm>
+        </p:spPr>
+        <p:txBody>
+          <a:bodyPr/>
+          <a:lstStyle/>
+          <a:p>
+            <a:r>
+              <a:rPr lang="en-US" dirty="0"/>
+              <a:t>Radial Dependence OVI</a:t>
+            </a:r>
+          </a:p>
+        </p:txBody>
+      </p:sp>
+      <p:sp>
+        <p:nvSpPr>
+          <p:cNvPr id="3" name="Content Placeholder 2">
+            <a:extLst>
+              <a:ext uri="{FF2B5EF4-FFF2-40B4-BE49-F238E27FC236}">
+                <a16:creationId xmlns:a16="http://schemas.microsoft.com/office/drawing/2014/main" id="{F3004C27-43B8-3561-2DDA-FBD7C6716FEF}"/>
+              </a:ext>
+            </a:extLst>
+          </p:cNvPr>
+          <p:cNvSpPr>
+            <a:spLocks noGrp="1"/>
+          </p:cNvSpPr>
+          <p:nvPr>
+            <p:ph idx="1"/>
+          </p:nvPr>
+        </p:nvSpPr>
+        <p:spPr/>
+        <p:txBody>
+          <a:bodyPr/>
+          <a:lstStyle/>
+          <a:p>
+            <a:endParaRPr lang="en-US"/>
+          </a:p>
+        </p:txBody>
+      </p:sp>
+      <p:pic>
+        <p:nvPicPr>
+          <p:cNvPr id="5" name="Picture 4">
+            <a:extLst>
+              <a:ext uri="{FF2B5EF4-FFF2-40B4-BE49-F238E27FC236}">
+                <a16:creationId xmlns:a16="http://schemas.microsoft.com/office/drawing/2014/main" id="{2D01718D-13FB-A37A-EF78-E92BFA383488}"/>
+              </a:ext>
+            </a:extLst>
+          </p:cNvPr>
+          <p:cNvPicPr>
+            <a:picLocks noChangeAspect="1"/>
+          </p:cNvPicPr>
+          <p:nvPr/>
+        </p:nvPicPr>
+        <p:blipFill>
+          <a:blip r:embed="rId2"/>
+          <a:stretch>
+            <a:fillRect/>
+          </a:stretch>
+        </p:blipFill>
+        <p:spPr>
+          <a:xfrm>
+            <a:off x="1746409" y="1112865"/>
+            <a:ext cx="7626285" cy="5745135"/>
+          </a:xfrm>
+          <a:prstGeom prst="rect">
+            <a:avLst/>
+          </a:prstGeom>
+        </p:spPr>
+      </p:pic>
+    </p:spTree>
+    <p:extLst>
+      <p:ext uri="{BB962C8B-B14F-4D97-AF65-F5344CB8AC3E}">
+        <p14:creationId xmlns:p14="http://schemas.microsoft.com/office/powerpoint/2010/main" val="1902382748"/>
+      </p:ext>
+    </p:extLst>
+  </p:cSld>
+  <p:clrMapOvr>
+    <a:masterClrMapping/>
+  </p:clrMapOvr>
+</p:sld>
+</file>
+
+<file path=ppt/slides/slide8.xml><?xml version="1.0" encoding="utf-8"?>
+<p:sld xmlns:a="http://schemas.openxmlformats.org/drawingml/2006/main" xmlns:r="http://schemas.openxmlformats.org/officeDocument/2006/relationships" xmlns:p="http://schemas.openxmlformats.org/presentationml/2006/main">
+  <p:cSld>
+    <p:spTree>
+      <p:nvGrpSpPr>
+        <p:cNvPr id="1" name=""/>
+        <p:cNvGrpSpPr/>
+        <p:nvPr/>
+      </p:nvGrpSpPr>
+      <p:grpSpPr>
+        <a:xfrm>
+          <a:off x="0" y="0"/>
+          <a:ext cx="0" cy="0"/>
+          <a:chOff x="0" y="0"/>
+          <a:chExt cx="0" cy="0"/>
+        </a:xfrm>
+      </p:grpSpPr>
+      <p:sp>
+        <p:nvSpPr>
+          <p:cNvPr id="2" name="Title 1">
+            <a:extLst>
+              <a:ext uri="{FF2B5EF4-FFF2-40B4-BE49-F238E27FC236}">
+                <a16:creationId xmlns:a16="http://schemas.microsoft.com/office/drawing/2014/main" id="{3D1AF38B-7458-6821-12CD-B728F76C5F42}"/>
+              </a:ext>
+            </a:extLst>
+          </p:cNvPr>
+          <p:cNvSpPr>
+            <a:spLocks noGrp="1"/>
+          </p:cNvSpPr>
+          <p:nvPr>
+            <p:ph type="title"/>
+          </p:nvPr>
+        </p:nvSpPr>
+        <p:spPr>
+          <a:xfrm>
+            <a:off x="1261872" y="256408"/>
+            <a:ext cx="9692640" cy="842910"/>
+          </a:xfrm>
+        </p:spPr>
+        <p:txBody>
+          <a:bodyPr/>
+          <a:lstStyle/>
+          <a:p>
+            <a:r>
+              <a:rPr lang="en-US" dirty="0"/>
+              <a:t>Radial Dependence </a:t>
+            </a:r>
+            <a:r>
+              <a:rPr lang="en-US" dirty="0" err="1"/>
+              <a:t>NeVIII</a:t>
+            </a:r>
+            <a:endParaRPr lang="en-US" dirty="0"/>
+          </a:p>
+        </p:txBody>
+      </p:sp>
+      <p:sp>
+        <p:nvSpPr>
+          <p:cNvPr id="3" name="Content Placeholder 2">
+            <a:extLst>
+              <a:ext uri="{FF2B5EF4-FFF2-40B4-BE49-F238E27FC236}">
+                <a16:creationId xmlns:a16="http://schemas.microsoft.com/office/drawing/2014/main" id="{F8F49F40-63E5-74A9-90C1-D1C25F25B048}"/>
+              </a:ext>
+            </a:extLst>
+          </p:cNvPr>
+          <p:cNvSpPr>
+            <a:spLocks noGrp="1"/>
+          </p:cNvSpPr>
+          <p:nvPr>
+            <p:ph idx="1"/>
+          </p:nvPr>
+        </p:nvSpPr>
+        <p:spPr/>
+        <p:txBody>
+          <a:bodyPr/>
+          <a:lstStyle/>
+          <a:p>
+            <a:endParaRPr lang="en-US"/>
+          </a:p>
+        </p:txBody>
+      </p:sp>
+      <p:pic>
+        <p:nvPicPr>
+          <p:cNvPr id="5" name="Picture 4">
+            <a:extLst>
+              <a:ext uri="{FF2B5EF4-FFF2-40B4-BE49-F238E27FC236}">
+                <a16:creationId xmlns:a16="http://schemas.microsoft.com/office/drawing/2014/main" id="{001E681B-FBFE-83AC-BFBE-864CCEA516CC}"/>
+              </a:ext>
+            </a:extLst>
+          </p:cNvPr>
+          <p:cNvPicPr>
+            <a:picLocks noChangeAspect="1"/>
+          </p:cNvPicPr>
+          <p:nvPr/>
+        </p:nvPicPr>
+        <p:blipFill>
+          <a:blip r:embed="rId2"/>
+          <a:stretch>
+            <a:fillRect/>
+          </a:stretch>
+        </p:blipFill>
+        <p:spPr>
+          <a:xfrm>
+            <a:off x="203818" y="1329180"/>
+            <a:ext cx="10635255" cy="5159678"/>
+          </a:xfrm>
+          <a:prstGeom prst="rect">
+            <a:avLst/>
+          </a:prstGeom>
+        </p:spPr>
+      </p:pic>
+    </p:spTree>
+    <p:extLst>
+      <p:ext uri="{BB962C8B-B14F-4D97-AF65-F5344CB8AC3E}">
+        <p14:creationId xmlns:p14="http://schemas.microsoft.com/office/powerpoint/2010/main" val="3968789007"/>
+      </p:ext>
+    </p:extLst>
+  </p:cSld>
+  <p:clrMapOvr>
+    <a:masterClrMapping/>
+  </p:clrMapOvr>
+</p:sld>
+</file>
+
+<file path=ppt/slides/slide9.xml><?xml version="1.0" encoding="utf-8"?>
+<p:sld xmlns:a="http://schemas.openxmlformats.org/drawingml/2006/main" xmlns:r="http://schemas.openxmlformats.org/officeDocument/2006/relationships" xmlns:p="http://schemas.openxmlformats.org/presentationml/2006/main">
+  <p:cSld>
+    <p:spTree>
+      <p:nvGrpSpPr>
+        <p:cNvPr id="1" name=""/>
+        <p:cNvGrpSpPr/>
+        <p:nvPr/>
+      </p:nvGrpSpPr>
+      <p:grpSpPr>
+        <a:xfrm>
+          <a:off x="0" y="0"/>
+          <a:ext cx="0" cy="0"/>
+          <a:chOff x="0" y="0"/>
+          <a:chExt cx="0" cy="0"/>
+        </a:xfrm>
+      </p:grpSpPr>
+      <p:sp>
+        <p:nvSpPr>
+          <p:cNvPr id="2" name="Title 1">
+            <a:extLst>
+              <a:ext uri="{FF2B5EF4-FFF2-40B4-BE49-F238E27FC236}">
+                <a16:creationId xmlns:a16="http://schemas.microsoft.com/office/drawing/2014/main" id="{ABA2CEED-956C-23B4-9732-6D290B9A88AB}"/>
+              </a:ext>
+            </a:extLst>
+          </p:cNvPr>
+          <p:cNvSpPr>
+            <a:spLocks noGrp="1"/>
+          </p:cNvSpPr>
+          <p:nvPr>
+            <p:ph type="title"/>
+          </p:nvPr>
+        </p:nvSpPr>
+        <p:spPr>
+          <a:xfrm>
+            <a:off x="1249680" y="232841"/>
+            <a:ext cx="9692640" cy="890044"/>
+          </a:xfrm>
+        </p:spPr>
+        <p:txBody>
+          <a:bodyPr/>
+          <a:lstStyle/>
+          <a:p>
+            <a:r>
+              <a:rPr lang="en-US" dirty="0"/>
+              <a:t>Radial Dependence </a:t>
+            </a:r>
+            <a:r>
+              <a:rPr lang="en-US" dirty="0" err="1"/>
+              <a:t>NeVIII</a:t>
+            </a:r>
+            <a:endParaRPr lang="en-US" dirty="0"/>
+          </a:p>
+        </p:txBody>
+      </p:sp>
+      <p:sp>
+        <p:nvSpPr>
+          <p:cNvPr id="3" name="Content Placeholder 2">
+            <a:extLst>
+              <a:ext uri="{FF2B5EF4-FFF2-40B4-BE49-F238E27FC236}">
+                <a16:creationId xmlns:a16="http://schemas.microsoft.com/office/drawing/2014/main" id="{3F6242E1-2EB4-2239-8BC7-80C4F9B41879}"/>
+              </a:ext>
+            </a:extLst>
+          </p:cNvPr>
+          <p:cNvSpPr>
+            <a:spLocks noGrp="1"/>
+          </p:cNvSpPr>
+          <p:nvPr>
+            <p:ph idx="1"/>
+          </p:nvPr>
+        </p:nvSpPr>
+        <p:spPr/>
+        <p:txBody>
+          <a:bodyPr/>
+          <a:lstStyle/>
+          <a:p>
+            <a:endParaRPr lang="en-US"/>
+          </a:p>
+        </p:txBody>
+      </p:sp>
+      <p:pic>
+        <p:nvPicPr>
+          <p:cNvPr id="5" name="Picture 4">
+            <a:extLst>
+              <a:ext uri="{FF2B5EF4-FFF2-40B4-BE49-F238E27FC236}">
+                <a16:creationId xmlns:a16="http://schemas.microsoft.com/office/drawing/2014/main" id="{60D565A1-6C82-D4D0-7996-BA0F7585C531}"/>
+              </a:ext>
+            </a:extLst>
+          </p:cNvPr>
+          <p:cNvPicPr>
+            <a:picLocks noChangeAspect="1"/>
+          </p:cNvPicPr>
+          <p:nvPr/>
+        </p:nvPicPr>
+        <p:blipFill>
+          <a:blip r:embed="rId2"/>
+          <a:stretch>
+            <a:fillRect/>
+          </a:stretch>
+        </p:blipFill>
+        <p:spPr>
+          <a:xfrm>
+            <a:off x="606744" y="1456923"/>
+            <a:ext cx="13354353" cy="5168236"/>
+          </a:xfrm>
+          <a:prstGeom prst="rect">
+            <a:avLst/>
+          </a:prstGeom>
+        </p:spPr>
+      </p:pic>
+    </p:spTree>
+    <p:extLst>
+      <p:ext uri="{BB962C8B-B14F-4D97-AF65-F5344CB8AC3E}">
+        <p14:creationId xmlns:p14="http://schemas.microsoft.com/office/powerpoint/2010/main" val="137442898"/>
       </p:ext>
     </p:extLst>
   </p:cSld>
@@ -3899,9 +5459,9 @@
 </file>
 
 <file path=ppt/theme/theme1.xml><?xml version="1.0" encoding="utf-8"?>
-<a:theme xmlns:a="http://schemas.openxmlformats.org/drawingml/2006/main" name="Office Theme">
+<a:theme xmlns:a="http://schemas.openxmlformats.org/drawingml/2006/main" name="View">
   <a:themeElements>
-    <a:clrScheme name="Office">
+    <a:clrScheme name="View">
       <a:dk1>
         <a:sysClr val="windowText" lastClr="000000"/>
       </a:dk1>
@@ -3909,100 +5469,48 @@
         <a:sysClr val="window" lastClr="FFFFFF"/>
       </a:lt1>
       <a:dk2>
-        <a:srgbClr val="44546A"/>
+        <a:srgbClr val="666666"/>
       </a:dk2>
       <a:lt2>
-        <a:srgbClr val="E7E6E6"/>
+        <a:srgbClr val="D2D2D2"/>
       </a:lt2>
       <a:accent1>
-        <a:srgbClr val="4472C4"/>
+        <a:srgbClr val="FF388C"/>
       </a:accent1>
       <a:accent2>
-        <a:srgbClr val="ED7D31"/>
+        <a:srgbClr val="D70D5E"/>
       </a:accent2>
       <a:accent3>
-        <a:srgbClr val="A5A5A5"/>
+        <a:srgbClr val="98037E"/>
       </a:accent3>
       <a:accent4>
-        <a:srgbClr val="FFC000"/>
+        <a:srgbClr val="68027D"/>
       </a:accent4>
       <a:accent5>
-        <a:srgbClr val="5B9BD5"/>
+        <a:srgbClr val="095ACA"/>
       </a:accent5>
       <a:accent6>
-        <a:srgbClr val="70AD47"/>
+        <a:srgbClr val="063597"/>
       </a:accent6>
       <a:hlink>
-        <a:srgbClr val="0563C1"/>
+        <a:srgbClr val="17BBFD"/>
       </a:hlink>
       <a:folHlink>
-        <a:srgbClr val="954F72"/>
+        <a:srgbClr val="FF79C2"/>
       </a:folHlink>
     </a:clrScheme>
-    <a:fontScheme name="Office">
+    <a:fontScheme name="View">
       <a:majorFont>
-        <a:latin typeface="Calibri Light" panose="020F0302020204030204"/>
+        <a:latin typeface="Century Schoolbook" panose="02040604050505020304"/>
         <a:ea typeface=""/>
         <a:cs typeface=""/>
-        <a:font script="Jpan" typeface="游ゴシック Light"/>
+        <a:font script="Jpan" typeface="ＭＳ ゴシック"/>
         <a:font script="Hang" typeface="맑은 고딕"/>
-        <a:font script="Hans" typeface="等线 Light"/>
+        <a:font script="Hans" typeface="宋体"/>
         <a:font script="Hant" typeface="新細明體"/>
-        <a:font script="Arab" typeface="Times New Roman"/>
-        <a:font script="Hebr" typeface="Times New Roman"/>
-        <a:font script="Thai" typeface="Angsana New"/>
-        <a:font script="Ethi" typeface="Nyala"/>
-        <a:font script="Beng" typeface="Vrinda"/>
-        <a:font script="Gujr" typeface="Shruti"/>
-        <a:font script="Khmr" typeface="MoolBoran"/>
-        <a:font script="Knda" typeface="Tunga"/>
-        <a:font script="Guru" typeface="Raavi"/>
-        <a:font script="Cans" typeface="Euphemia"/>
-        <a:font script="Cher" typeface="Plantagenet Cherokee"/>
-        <a:font script="Yiii" typeface="Microsoft Yi Baiti"/>
-        <a:font script="Tibt" typeface="Microsoft Himalaya"/>
-        <a:font script="Thaa" typeface="MV Boli"/>
-        <a:font script="Deva" typeface="Mangal"/>
-        <a:font script="Telu" typeface="Gautami"/>
-        <a:font script="Taml" typeface="Latha"/>
-        <a:font script="Syrc" typeface="Estrangelo Edessa"/>
-        <a:font script="Orya" typeface="Kalinga"/>
-        <a:font script="Mlym" typeface="Kartika"/>
-        <a:font script="Laoo" typeface="DokChampa"/>
-        <a:font script="Sinh" typeface="Iskoola Pota"/>
-        <a:font script="Mong" typeface="Mongolian Baiti"/>
-        <a:font script="Viet" typeface="Times New Roman"/>
-        <a:font script="Uigh" typeface="Microsoft Uighur"/>
-        <a:font script="Geor" typeface="Sylfaen"/>
-        <a:font script="Armn" typeface="Arial"/>
-        <a:font script="Bugi" typeface="Leelawadee UI"/>
-        <a:font script="Bopo" typeface="Microsoft JhengHei"/>
-        <a:font script="Java" typeface="Javanese Text"/>
-        <a:font script="Lisu" typeface="Segoe UI"/>
-        <a:font script="Mymr" typeface="Myanmar Text"/>
-        <a:font script="Nkoo" typeface="Ebrima"/>
-        <a:font script="Olck" typeface="Nirmala UI"/>
-        <a:font script="Osma" typeface="Ebrima"/>
-        <a:font script="Phag" typeface="Phagspa"/>
-        <a:font script="Syrn" typeface="Estrangelo Edessa"/>
-        <a:font script="Syrj" typeface="Estrangelo Edessa"/>
-        <a:font script="Syre" typeface="Estrangelo Edessa"/>
-        <a:font script="Sora" typeface="Nirmala UI"/>
-        <a:font script="Tale" typeface="Microsoft Tai Le"/>
-        <a:font script="Talu" typeface="Microsoft New Tai Lue"/>
-        <a:font script="Tfng" typeface="Ebrima"/>
-      </a:majorFont>
-      <a:minorFont>
-        <a:latin typeface="Calibri" panose="020F0502020204030204"/>
-        <a:ea typeface=""/>
-        <a:cs typeface=""/>
-        <a:font script="Jpan" typeface="游ゴシック"/>
-        <a:font script="Hang" typeface="맑은 고딕"/>
-        <a:font script="Hans" typeface="等线"/>
-        <a:font script="Hant" typeface="新細明體"/>
-        <a:font script="Arab" typeface="Arial"/>
-        <a:font script="Hebr" typeface="Arial"/>
-        <a:font script="Thai" typeface="Cordia New"/>
+        <a:font script="Arab" typeface="Tahoma"/>
+        <a:font script="Hebr" typeface="Gisha"/>
+        <a:font script="Thai" typeface="DilleniaUPC"/>
         <a:font script="Ethi" typeface="Nyala"/>
         <a:font script="Beng" typeface="Vrinda"/>
         <a:font script="Gujr" typeface="Shruti"/>
@@ -4023,107 +5531,86 @@
         <a:font script="Laoo" typeface="DokChampa"/>
         <a:font script="Sinh" typeface="Iskoola Pota"/>
         <a:font script="Mong" typeface="Mongolian Baiti"/>
-        <a:font script="Viet" typeface="Arial"/>
+        <a:font script="Viet" typeface="Tahoma"/>
         <a:font script="Uigh" typeface="Microsoft Uighur"/>
         <a:font script="Geor" typeface="Sylfaen"/>
-        <a:font script="Armn" typeface="Arial"/>
-        <a:font script="Bugi" typeface="Leelawadee UI"/>
-        <a:font script="Bopo" typeface="Microsoft JhengHei"/>
-        <a:font script="Java" typeface="Javanese Text"/>
-        <a:font script="Lisu" typeface="Segoe UI"/>
-        <a:font script="Mymr" typeface="Myanmar Text"/>
-        <a:font script="Nkoo" typeface="Ebrima"/>
-        <a:font script="Olck" typeface="Nirmala UI"/>
-        <a:font script="Osma" typeface="Ebrima"/>
-        <a:font script="Phag" typeface="Phagspa"/>
-        <a:font script="Syrn" typeface="Estrangelo Edessa"/>
-        <a:font script="Syrj" typeface="Estrangelo Edessa"/>
-        <a:font script="Syre" typeface="Estrangelo Edessa"/>
-        <a:font script="Sora" typeface="Nirmala UI"/>
-        <a:font script="Tale" typeface="Microsoft Tai Le"/>
-        <a:font script="Talu" typeface="Microsoft New Tai Lue"/>
-        <a:font script="Tfng" typeface="Ebrima"/>
+      </a:majorFont>
+      <a:minorFont>
+        <a:latin typeface="Century Schoolbook" panose="02040604050505020304"/>
+        <a:ea typeface=""/>
+        <a:cs typeface=""/>
+        <a:font script="Jpan" typeface="ＭＳ ゴシック"/>
+        <a:font script="Hang" typeface="맑은 고딕"/>
+        <a:font script="Hans" typeface="宋体"/>
+        <a:font script="Hant" typeface="新細明體"/>
+        <a:font script="Arab" typeface="Tahoma"/>
+        <a:font script="Hebr" typeface="Gisha"/>
+        <a:font script="Thai" typeface="DilleniaUPC"/>
+        <a:font script="Ethi" typeface="Nyala"/>
+        <a:font script="Beng" typeface="Vrinda"/>
+        <a:font script="Gujr" typeface="Shruti"/>
+        <a:font script="Khmr" typeface="DaunPenh"/>
+        <a:font script="Knda" typeface="Tunga"/>
+        <a:font script="Guru" typeface="Raavi"/>
+        <a:font script="Cans" typeface="Euphemia"/>
+        <a:font script="Cher" typeface="Plantagenet Cherokee"/>
+        <a:font script="Yiii" typeface="Microsoft Yi Baiti"/>
+        <a:font script="Tibt" typeface="Microsoft Himalaya"/>
+        <a:font script="Thaa" typeface="MV Boli"/>
+        <a:font script="Deva" typeface="Mangal"/>
+        <a:font script="Telu" typeface="Gautami"/>
+        <a:font script="Taml" typeface="Latha"/>
+        <a:font script="Syrc" typeface="Estrangelo Edessa"/>
+        <a:font script="Orya" typeface="Kalinga"/>
+        <a:font script="Mlym" typeface="Kartika"/>
+        <a:font script="Laoo" typeface="DokChampa"/>
+        <a:font script="Sinh" typeface="Iskoola Pota"/>
+        <a:font script="Mong" typeface="Mongolian Baiti"/>
+        <a:font script="Viet" typeface="Verdana"/>
+        <a:font script="Uigh" typeface="Microsoft Uighur"/>
+        <a:font script="Geor" typeface="Sylfaen"/>
       </a:minorFont>
     </a:fontScheme>
-    <a:fmtScheme name="Office">
+    <a:fmtScheme name="View">
       <a:fillStyleLst>
         <a:solidFill>
           <a:schemeClr val="phClr"/>
         </a:solidFill>
-        <a:gradFill rotWithShape="1">
-          <a:gsLst>
-            <a:gs pos="0">
-              <a:schemeClr val="phClr">
-                <a:lumMod val="110000"/>
-                <a:satMod val="105000"/>
-                <a:tint val="67000"/>
-              </a:schemeClr>
-            </a:gs>
-            <a:gs pos="50000">
-              <a:schemeClr val="phClr">
-                <a:lumMod val="105000"/>
-                <a:satMod val="103000"/>
-                <a:tint val="73000"/>
-              </a:schemeClr>
-            </a:gs>
-            <a:gs pos="100000">
-              <a:schemeClr val="phClr">
-                <a:lumMod val="105000"/>
-                <a:satMod val="109000"/>
-                <a:tint val="81000"/>
-              </a:schemeClr>
-            </a:gs>
-          </a:gsLst>
-          <a:lin ang="5400000" scaled="0"/>
-        </a:gradFill>
-        <a:gradFill rotWithShape="1">
-          <a:gsLst>
-            <a:gs pos="0">
-              <a:schemeClr val="phClr">
-                <a:satMod val="103000"/>
-                <a:lumMod val="102000"/>
-                <a:tint val="94000"/>
-              </a:schemeClr>
-            </a:gs>
-            <a:gs pos="50000">
-              <a:schemeClr val="phClr">
-                <a:satMod val="110000"/>
-                <a:lumMod val="100000"/>
-                <a:shade val="100000"/>
-              </a:schemeClr>
-            </a:gs>
-            <a:gs pos="100000">
-              <a:schemeClr val="phClr">
-                <a:lumMod val="99000"/>
-                <a:satMod val="120000"/>
-                <a:shade val="78000"/>
-              </a:schemeClr>
-            </a:gs>
-          </a:gsLst>
-          <a:lin ang="5400000" scaled="0"/>
-        </a:gradFill>
+        <a:solidFill>
+          <a:schemeClr val="phClr">
+            <a:tint val="60000"/>
+            <a:satMod val="120000"/>
+          </a:schemeClr>
+        </a:solidFill>
+        <a:solidFill>
+          <a:schemeClr val="phClr">
+            <a:shade val="75000"/>
+            <a:satMod val="130000"/>
+          </a:schemeClr>
+        </a:solidFill>
       </a:fillStyleLst>
       <a:lnStyleLst>
-        <a:ln w="6350" cap="flat" cmpd="sng" algn="ctr">
+        <a:ln w="9525" cap="flat" cmpd="sng" algn="ctr">
           <a:solidFill>
             <a:schemeClr val="phClr"/>
           </a:solidFill>
           <a:prstDash val="solid"/>
-          <a:miter lim="800000"/>
         </a:ln>
-        <a:ln w="12700" cap="flat" cmpd="sng" algn="ctr">
+        <a:ln w="13970" cap="flat" cmpd="sng" algn="ctr">
           <a:solidFill>
             <a:schemeClr val="phClr"/>
           </a:solidFill>
           <a:prstDash val="solid"/>
-          <a:miter lim="800000"/>
         </a:ln>
-        <a:ln w="19050" cap="flat" cmpd="sng" algn="ctr">
+        <a:ln w="17145" cap="flat" cmpd="sng" algn="ctr">
           <a:solidFill>
-            <a:schemeClr val="phClr"/>
+            <a:schemeClr val="phClr">
+              <a:shade val="95000"/>
+              <a:alpha val="95000"/>
+              <a:satMod val="150000"/>
+            </a:schemeClr>
           </a:solidFill>
           <a:prstDash val="solid"/>
-          <a:miter lim="800000"/>
         </a:ln>
       </a:lnStyleLst>
       <a:effectStyleLst>
@@ -4131,16 +5618,52 @@
           <a:effectLst/>
         </a:effectStyle>
         <a:effectStyle>
-          <a:effectLst/>
+          <a:effectLst>
+            <a:outerShdw blurRad="50800" dist="15240" dir="5400000" algn="tl" rotWithShape="0">
+              <a:srgbClr val="000000">
+                <a:alpha val="75000"/>
+              </a:srgbClr>
+            </a:outerShdw>
+          </a:effectLst>
+          <a:scene3d>
+            <a:camera prst="orthographicFront">
+              <a:rot lat="0" lon="0" rev="0"/>
+            </a:camera>
+            <a:lightRig rig="brightRoom" dir="tl"/>
+          </a:scene3d>
+          <a:sp3d contourW="9525" prstMaterial="flat">
+            <a:bevelT w="0" h="0" prst="coolSlant"/>
+            <a:contourClr>
+              <a:schemeClr val="phClr">
+                <a:shade val="35000"/>
+                <a:satMod val="130000"/>
+              </a:schemeClr>
+            </a:contourClr>
+          </a:sp3d>
         </a:effectStyle>
         <a:effectStyle>
           <a:effectLst>
-            <a:outerShdw blurRad="57150" dist="19050" dir="5400000" algn="ctr" rotWithShape="0">
+            <a:outerShdw blurRad="76200" dist="25400" dir="5400000" algn="tl" rotWithShape="0">
               <a:srgbClr val="000000">
-                <a:alpha val="63000"/>
+                <a:alpha val="55000"/>
               </a:srgbClr>
             </a:outerShdw>
           </a:effectLst>
+          <a:scene3d>
+            <a:camera prst="orthographicFront">
+              <a:rot lat="0" lon="0" rev="0"/>
+            </a:camera>
+            <a:lightRig rig="brightRoom" dir="tl"/>
+          </a:scene3d>
+          <a:sp3d contourW="19050" prstMaterial="flat">
+            <a:bevelT w="0" h="0" prst="coolSlant"/>
+            <a:contourClr>
+              <a:schemeClr val="phClr">
+                <a:shade val="25000"/>
+                <a:satMod val="140000"/>
+              </a:schemeClr>
+            </a:contourClr>
+          </a:sp3d>
         </a:effectStyle>
       </a:effectStyleLst>
       <a:bgFillStyleLst>
@@ -4157,28 +5680,23 @@
           <a:gsLst>
             <a:gs pos="0">
               <a:schemeClr val="phClr">
-                <a:tint val="93000"/>
-                <a:satMod val="150000"/>
+                <a:tint val="94000"/>
                 <a:shade val="98000"/>
+                <a:satMod val="130000"/>
                 <a:lumMod val="102000"/>
-              </a:schemeClr>
-            </a:gs>
-            <a:gs pos="50000">
-              <a:schemeClr val="phClr">
-                <a:tint val="98000"/>
-                <a:satMod val="130000"/>
-                <a:shade val="90000"/>
-                <a:lumMod val="103000"/>
               </a:schemeClr>
             </a:gs>
             <a:gs pos="100000">
               <a:schemeClr val="phClr">
-                <a:shade val="63000"/>
-                <a:satMod val="120000"/>
+                <a:tint val="98000"/>
+                <a:shade val="78000"/>
+                <a:satMod val="140000"/>
               </a:schemeClr>
             </a:gs>
           </a:gsLst>
-          <a:lin ang="5400000" scaled="0"/>
+          <a:path path="circle">
+            <a:fillToRect l="100000" t="100000" r="100000" b="100000"/>
+          </a:path>
         </a:gradFill>
       </a:bgFillStyleLst>
     </a:fmtScheme>
@@ -4187,7 +5705,7 @@
   <a:extraClrSchemeLst/>
   <a:extLst>
     <a:ext uri="{05A4C25C-085E-4340-85A3-A5531E510DB2}">
-      <thm15:themeFamily xmlns:thm15="http://schemas.microsoft.com/office/thememl/2012/main" name="Office Theme" id="{62F939B6-93AF-4DB8-9C6B-D6C7DFDC589F}" vid="{4A3C46E8-61CC-4603-A589-7422A47A8E4A}"/>
+      <thm15:themeFamily xmlns:thm15="http://schemas.microsoft.com/office/thememl/2012/main" name="View" id="{BA0EB5A6-F2D4-4F82-977B-64ADEE4A2A69}" vid="{23C5FE65-18CC-4A65-9EBC-B05E331504EC}"/>
     </a:ext>
   </a:extLst>
 </a:theme>
